--- a/2.中期/中期.pptx
+++ b/2.中期/中期.pptx
@@ -7,6 +7,9 @@
   <p:notesMasterIdLst>
     <p:notesMasterId r:id="rId4"/>
   </p:notesMasterIdLst>
+  <p:handoutMasterIdLst>
+    <p:handoutMasterId r:id="rId23"/>
+  </p:handoutMasterIdLst>
   <p:sldIdLst>
     <p:sldId id="256" r:id="rId3"/>
     <p:sldId id="444" r:id="rId5"/>
@@ -20,40 +23,41 @@
     <p:sldId id="610" r:id="rId13"/>
     <p:sldId id="594" r:id="rId14"/>
     <p:sldId id="611" r:id="rId15"/>
-    <p:sldId id="579" r:id="rId16"/>
-    <p:sldId id="612" r:id="rId17"/>
-    <p:sldId id="597" r:id="rId18"/>
-    <p:sldId id="601" r:id="rId19"/>
-    <p:sldId id="602" r:id="rId20"/>
-    <p:sldId id="603" r:id="rId21"/>
+    <p:sldId id="637" r:id="rId16"/>
+    <p:sldId id="579" r:id="rId17"/>
+    <p:sldId id="612" r:id="rId18"/>
+    <p:sldId id="597" r:id="rId19"/>
+    <p:sldId id="601" r:id="rId20"/>
+    <p:sldId id="602" r:id="rId21"/>
+    <p:sldId id="603" r:id="rId22"/>
   </p:sldIdLst>
   <p:sldSz cx="9144000" cy="6858000" type="screen4x3"/>
   <p:notesSz cx="6858000" cy="9144000"/>
   <p:embeddedFontLst>
     <p:embeddedFont>
       <p:font typeface="Calibri" panose="020F0502020204030204" pitchFamily="34" charset="0"/>
-      <p:regular r:id="rId25"/>
-      <p:bold r:id="rId26"/>
-      <p:italic r:id="rId27"/>
-      <p:boldItalic r:id="rId28"/>
+      <p:regular r:id="rId27"/>
+      <p:bold r:id="rId28"/>
+      <p:italic r:id="rId29"/>
+      <p:boldItalic r:id="rId30"/>
     </p:embeddedFont>
     <p:embeddedFont>
       <p:font typeface="Cambria Math" panose="02040503050406030204" pitchFamily="18" charset="0"/>
-      <p:regular r:id="rId29"/>
+      <p:regular r:id="rId31"/>
     </p:embeddedFont>
     <p:embeddedFont>
       <p:font typeface="等线" panose="02010600030101010101" pitchFamily="2" charset="-122"/>
-      <p:regular r:id="rId30"/>
-      <p:bold r:id="rId31"/>
+      <p:regular r:id="rId32"/>
+      <p:bold r:id="rId33"/>
     </p:embeddedFont>
     <p:embeddedFont>
       <p:font typeface="黑体" panose="02010609060101010101" pitchFamily="49" charset="-122"/>
-      <p:regular r:id="rId32"/>
+      <p:regular r:id="rId34"/>
     </p:embeddedFont>
     <p:embeddedFont>
       <p:font typeface="微软雅黑" panose="020B0503020204020204" pitchFamily="34" charset="-122"/>
-      <p:regular r:id="rId33"/>
-      <p:bold r:id="rId34"/>
+      <p:regular r:id="rId35"/>
+      <p:bold r:id="rId36"/>
     </p:embeddedFont>
   </p:embeddedFontLst>
   <p:defaultTextStyle>
@@ -235,6 +239,164 @@
 </p:presentation>
 </file>
 
+<file path=ppt/handoutMasters/handoutMaster1.xml><?xml version="1.0" encoding="utf-8"?>
+<p:handoutMaster xmlns:a="http://schemas.openxmlformats.org/drawingml/2006/main" xmlns:r="http://schemas.openxmlformats.org/officeDocument/2006/relationships" xmlns:p="http://schemas.openxmlformats.org/presentationml/2006/main">
+  <p:cSld>
+    <p:bg>
+      <p:bgRef idx="1001">
+        <a:schemeClr val="bg1"/>
+      </p:bgRef>
+    </p:bg>
+    <p:spTree>
+      <p:nvGrpSpPr>
+        <p:cNvPr id="1" name=""/>
+        <p:cNvGrpSpPr/>
+        <p:nvPr/>
+      </p:nvGrpSpPr>
+      <p:grpSpPr>
+        <a:xfrm>
+          <a:off x="0" y="0"/>
+          <a:ext cx="0" cy="0"/>
+          <a:chOff x="0" y="0"/>
+          <a:chExt cx="0" cy="0"/>
+        </a:xfrm>
+      </p:grpSpPr>
+      <p:sp>
+        <p:nvSpPr>
+          <p:cNvPr id="2" name="页眉占位符 1"/>
+          <p:cNvSpPr>
+            <a:spLocks noGrp="1"/>
+          </p:cNvSpPr>
+          <p:nvPr>
+            <p:ph type="hdr" sz="quarter"/>
+          </p:nvPr>
+        </p:nvSpPr>
+        <p:spPr>
+          <a:xfrm>
+            <a:off x="0" y="0"/>
+            <a:ext cx="2971800" cy="458788"/>
+          </a:xfrm>
+          <a:prstGeom prst="rect">
+            <a:avLst/>
+          </a:prstGeom>
+        </p:spPr>
+        <p:txBody>
+          <a:bodyPr vert="horz" lIns="91440" tIns="45720" rIns="91440" bIns="45720" rtlCol="0"/>
+          <a:lstStyle>
+            <a:lvl1pPr algn="l">
+              <a:defRPr sz="1200"/>
+            </a:lvl1pPr>
+          </a:lstStyle>
+          <a:p>
+            <a:endParaRPr lang="zh-CN" altLang="en-US"/>
+          </a:p>
+        </p:txBody>
+      </p:sp>
+      <p:sp>
+        <p:nvSpPr>
+          <p:cNvPr id="3" name="日期占位符 2"/>
+          <p:cNvSpPr>
+            <a:spLocks noGrp="1"/>
+          </p:cNvSpPr>
+          <p:nvPr>
+            <p:ph type="dt" sz="quarter" idx="1"/>
+          </p:nvPr>
+        </p:nvSpPr>
+        <p:spPr>
+          <a:xfrm>
+            <a:off x="3884613" y="0"/>
+            <a:ext cx="2971800" cy="458788"/>
+          </a:xfrm>
+          <a:prstGeom prst="rect">
+            <a:avLst/>
+          </a:prstGeom>
+        </p:spPr>
+        <p:txBody>
+          <a:bodyPr vert="horz" lIns="91440" tIns="45720" rIns="91440" bIns="45720" rtlCol="0"/>
+          <a:lstStyle>
+            <a:lvl1pPr algn="r">
+              <a:defRPr sz="1200"/>
+            </a:lvl1pPr>
+          </a:lstStyle>
+          <a:p>
+            <a:fld id="{0F9B84EA-7D68-4D60-9CB1-D50884785D1C}" type="datetimeFigureOut">
+              <a:rPr lang="zh-CN" altLang="en-US" smtClean="0"/>
+            </a:fld>
+            <a:endParaRPr lang="zh-CN" altLang="en-US"/>
+          </a:p>
+        </p:txBody>
+      </p:sp>
+      <p:sp>
+        <p:nvSpPr>
+          <p:cNvPr id="4" name="页脚占位符 3"/>
+          <p:cNvSpPr>
+            <a:spLocks noGrp="1"/>
+          </p:cNvSpPr>
+          <p:nvPr>
+            <p:ph type="ftr" sz="quarter" idx="2"/>
+          </p:nvPr>
+        </p:nvSpPr>
+        <p:spPr>
+          <a:xfrm>
+            <a:off x="0" y="8685213"/>
+            <a:ext cx="2971800" cy="458787"/>
+          </a:xfrm>
+          <a:prstGeom prst="rect">
+            <a:avLst/>
+          </a:prstGeom>
+        </p:spPr>
+        <p:txBody>
+          <a:bodyPr vert="horz" lIns="91440" tIns="45720" rIns="91440" bIns="45720" rtlCol="0" anchor="b"/>
+          <a:lstStyle>
+            <a:lvl1pPr algn="l">
+              <a:defRPr sz="1200"/>
+            </a:lvl1pPr>
+          </a:lstStyle>
+          <a:p>
+            <a:endParaRPr lang="zh-CN" altLang="en-US"/>
+          </a:p>
+        </p:txBody>
+      </p:sp>
+      <p:sp>
+        <p:nvSpPr>
+          <p:cNvPr id="5" name="灯片编号占位符 4"/>
+          <p:cNvSpPr>
+            <a:spLocks noGrp="1"/>
+          </p:cNvSpPr>
+          <p:nvPr>
+            <p:ph type="sldNum" sz="quarter" idx="3"/>
+          </p:nvPr>
+        </p:nvSpPr>
+        <p:spPr>
+          <a:xfrm>
+            <a:off x="3884613" y="8685213"/>
+            <a:ext cx="2971800" cy="458787"/>
+          </a:xfrm>
+          <a:prstGeom prst="rect">
+            <a:avLst/>
+          </a:prstGeom>
+        </p:spPr>
+        <p:txBody>
+          <a:bodyPr vert="horz" lIns="91440" tIns="45720" rIns="91440" bIns="45720" rtlCol="0" anchor="b"/>
+          <a:lstStyle>
+            <a:lvl1pPr algn="r">
+              <a:defRPr sz="1200"/>
+            </a:lvl1pPr>
+          </a:lstStyle>
+          <a:p>
+            <a:fld id="{8D4E0FC9-F1F8-4FAE-9988-3BA365CFD46F}" type="slidenum">
+              <a:rPr lang="zh-CN" altLang="en-US" smtClean="0"/>
+            </a:fld>
+            <a:endParaRPr lang="zh-CN" altLang="en-US"/>
+          </a:p>
+        </p:txBody>
+      </p:sp>
+    </p:spTree>
+  </p:cSld>
+  <p:clrMap bg1="lt1" tx1="dk1" bg2="lt2" tx2="dk2" accent1="accent1" accent2="accent2" accent3="accent3" accent4="accent4" accent5="accent5" accent6="accent6" hlink="hlink" folHlink="folHlink"/>
+</p:handoutMaster>
+</file>
+
 <file path=ppt/notesMasters/notesMaster1.xml><?xml version="1.0" encoding="utf-8"?>
 <p:notesMaster xmlns:a="http://schemas.openxmlformats.org/drawingml/2006/main" xmlns:r="http://schemas.openxmlformats.org/officeDocument/2006/relationships" xmlns:p="http://schemas.openxmlformats.org/presentationml/2006/main">
   <p:cSld>
@@ -795,11 +957,14 @@
           <a:bodyPr/>
           <a:lstStyle/>
           <a:p>
-            <a:r>
-              <a:rPr lang="zh-CN" altLang="en-US"/>
-              <a:t>加经验公式</a:t>
-            </a:r>
-            <a:endParaRPr lang="zh-CN" altLang="en-US"/>
+            <a:endParaRPr lang="zh-CN" altLang="en-US" kern="1200" baseline="0" dirty="0">
+              <a:solidFill>
+                <a:schemeClr val="tx1"/>
+              </a:solidFill>
+              <a:latin typeface="Times New Roman" panose="02020603050405020304" pitchFamily="18" charset="0"/>
+              <a:ea typeface="宋体" pitchFamily="2" charset="-122"/>
+              <a:cs typeface="Times New Roman" panose="02020603050405020304" pitchFamily="18" charset="0"/>
+            </a:endParaRPr>
           </a:p>
         </p:txBody>
       </p:sp>
@@ -890,6 +1055,10 @@
           <a:bodyPr/>
           <a:lstStyle/>
           <a:p>
+            <a:r>
+              <a:rPr lang="zh-CN" altLang="en-US"/>
+              <a:t>加经验公式</a:t>
+            </a:r>
             <a:endParaRPr lang="zh-CN" altLang="en-US"/>
           </a:p>
         </p:txBody>
@@ -1072,10 +1241,6 @@
           <a:bodyPr/>
           <a:lstStyle/>
           <a:p>
-            <a:r>
-              <a:rPr lang="zh-CN" altLang="en-US"/>
-              <a:t>不做公式修正</a:t>
-            </a:r>
             <a:endParaRPr lang="zh-CN" altLang="en-US"/>
           </a:p>
         </p:txBody>
@@ -1089,6 +1254,101 @@
 </file>
 
 <file path=ppt/notesSlides/notesSlide15.xml><?xml version="1.0" encoding="utf-8"?>
+<p:notes xmlns:a="http://schemas.openxmlformats.org/drawingml/2006/main" xmlns:r="http://schemas.openxmlformats.org/officeDocument/2006/relationships" xmlns:p="http://schemas.openxmlformats.org/presentationml/2006/main">
+  <p:cSld>
+    <p:spTree>
+      <p:nvGrpSpPr>
+        <p:cNvPr id="1" name=""/>
+        <p:cNvGrpSpPr/>
+        <p:nvPr/>
+      </p:nvGrpSpPr>
+      <p:grpSpPr>
+        <a:xfrm>
+          <a:off x="0" y="0"/>
+          <a:ext cx="0" cy="0"/>
+          <a:chOff x="0" y="0"/>
+          <a:chExt cx="0" cy="0"/>
+        </a:xfrm>
+      </p:grpSpPr>
+      <p:sp>
+        <p:nvSpPr>
+          <p:cNvPr id="2" name="幻灯片图像占位符 1"/>
+          <p:cNvSpPr>
+            <a:spLocks noGrp="1" noRot="1" noChangeAspect="1"/>
+          </p:cNvSpPr>
+          <p:nvPr>
+            <p:ph type="sldImg" idx="2"/>
+          </p:nvPr>
+        </p:nvSpPr>
+        <p:spPr/>
+      </p:sp>
+      <p:sp>
+        <p:nvSpPr>
+          <p:cNvPr id="3" name="灯片编号占位符 2"/>
+          <p:cNvSpPr>
+            <a:spLocks noGrp="1"/>
+          </p:cNvSpPr>
+          <p:nvPr>
+            <p:ph type="sldNum" sz="quarter" idx="5"/>
+          </p:nvPr>
+        </p:nvSpPr>
+        <p:spPr/>
+        <p:txBody>
+          <a:bodyPr/>
+          <a:lstStyle/>
+          <a:p>
+            <a:pPr lvl="0" algn="r"/>
+            <a:fld id="{9A0DB2DC-4C9A-4742-B13C-FB6460FD3503}" type="slidenum">
+              <a:rPr lang="zh-CN" altLang="en-US" dirty="0">
+                <a:ea typeface="宋体" pitchFamily="2" charset="-122"/>
+              </a:rPr>
+            </a:fld>
+            <a:endParaRPr lang="zh-CN" altLang="en-US" sz="1200" dirty="0">
+              <a:ea typeface="宋体" pitchFamily="2" charset="-122"/>
+            </a:endParaRPr>
+          </a:p>
+        </p:txBody>
+      </p:sp>
+      <p:sp>
+        <p:nvSpPr>
+          <p:cNvPr id="4" name="文本占位符 3"/>
+          <p:cNvSpPr>
+            <a:spLocks noGrp="1"/>
+          </p:cNvSpPr>
+          <p:nvPr>
+            <p:ph type="body" sz="quarter"/>
+          </p:nvPr>
+        </p:nvSpPr>
+        <p:spPr>
+          <a:xfrm>
+            <a:off x="662016" y="3931500"/>
+            <a:ext cx="5296132" cy="3216682"/>
+          </a:xfrm>
+          <a:prstGeom prst="rect">
+            <a:avLst/>
+          </a:prstGeom>
+        </p:spPr>
+        <p:txBody>
+          <a:bodyPr/>
+          <a:lstStyle/>
+          <a:p>
+            <a:r>
+              <a:rPr lang="zh-CN" altLang="en-US"/>
+              <a:t>不做公式修正</a:t>
+            </a:r>
+            <a:endParaRPr lang="zh-CN" altLang="en-US"/>
+          </a:p>
+        </p:txBody>
+      </p:sp>
+    </p:spTree>
+  </p:cSld>
+  <p:clrMapOvr>
+    <a:masterClrMapping/>
+  </p:clrMapOvr>
+</p:notes>
+</file>
+
+<file path=ppt/notesSlides/notesSlide16.xml><?xml version="1.0" encoding="utf-8"?>
 <p:notes xmlns:a="http://schemas.openxmlformats.org/drawingml/2006/main" xmlns:r="http://schemas.openxmlformats.org/officeDocument/2006/relationships" xmlns:p="http://schemas.openxmlformats.org/presentationml/2006/main">
   <p:cSld>
     <p:spTree>
@@ -5064,7 +5324,7 @@
                 <a:cs typeface="Arial" panose="02080604020202020204" pitchFamily="34" charset="0"/>
                 <a:sym typeface="+mn-ea"/>
               </a:rPr>
-              <a:t>研究伽玛辐射在无限大介质中的累计因子</a:t>
+              <a:t>研究伽玛辐射在无限大介质中的累积因子</a:t>
             </a:r>
             <a:endParaRPr lang="en-US" altLang="zh-CN" sz="2800" dirty="0">
               <a:solidFill>
@@ -5206,30 +5466,6 @@
           <a:chExt cx="0" cy="0"/>
         </a:xfrm>
       </p:grpSpPr>
-      <p:pic>
-        <p:nvPicPr>
-          <p:cNvPr id="16" name="图片 15" descr="-302d754455fc121e"/>
-          <p:cNvPicPr>
-            <a:picLocks noChangeAspect="1"/>
-          </p:cNvPicPr>
-          <p:nvPr/>
-        </p:nvPicPr>
-        <p:blipFill>
-          <a:blip r:embed="rId1"/>
-          <a:stretch>
-            <a:fillRect/>
-          </a:stretch>
-        </p:blipFill>
-        <p:spPr>
-          <a:xfrm>
-            <a:off x="4331335" y="1844675"/>
-            <a:ext cx="4747260" cy="3669030"/>
-          </a:xfrm>
-          <a:prstGeom prst="rect">
-            <a:avLst/>
-          </a:prstGeom>
-        </p:spPr>
-      </p:pic>
       <p:sp>
         <p:nvSpPr>
           <p:cNvPr id="6" name="文本框 5"/>
@@ -5724,7 +5960,7 @@
           <p:nvPr/>
         </p:nvGraphicFramePr>
         <p:xfrm>
-          <a:off x="427990" y="5085080"/>
+          <a:off x="1188085" y="5085080"/>
           <a:ext cx="3981450" cy="1506855"/>
         </p:xfrm>
         <a:graphic>
@@ -5737,8 +5973,6 @@
                 <a:gridCol w="736600"/>
                 <a:gridCol w="737870"/>
                 <a:gridCol w="736600"/>
-                <a:gridCol w="736600"/>
-                <a:gridCol w="1033780"/>
               </a:tblGrid>
               <a:tr h="457200">
                 <a:tc>
@@ -5946,140 +6180,6 @@
                     </a:solidFill>
                   </a:tcPr>
                 </a:tc>
-                <a:tc>
-                  <a:txBody>
-                    <a:bodyPr/>
-                    <a:p>
-                      <a:pPr algn="ctr">
-                        <a:buNone/>
-                      </a:pPr>
-                      <a:r>
-                        <a:rPr lang="zh-CN" sz="1100" b="0">
-                          <a:solidFill>
-                            <a:srgbClr val="000000"/>
-                          </a:solidFill>
-                          <a:latin typeface="Arial" panose="02080604020202020204" pitchFamily="34" charset="0"/>
-                          <a:ea typeface="宋体" pitchFamily="2" charset="-122"/>
-                        </a:rPr>
-                        <a:t>模拟未散射</a:t>
-                      </a:r>
-                      <a:endParaRPr lang="en-US" altLang="en-US" sz="1100" b="0">
-                        <a:solidFill>
-                          <a:srgbClr val="000000"/>
-                        </a:solidFill>
-                        <a:latin typeface="宋体" pitchFamily="2" charset="-122"/>
-                      </a:endParaRPr>
-                    </a:p>
-                  </a:txBody>
-                  <a:tcPr marL="12700" marR="12700" marT="12700" vert="horz" anchor="ctr" anchorCtr="0">
-                    <a:lnL w="6350" cap="flat" cmpd="sng">
-                      <a:solidFill>
-                        <a:srgbClr val="000000"/>
-                      </a:solidFill>
-                      <a:prstDash val="solid"/>
-                      <a:headEnd type="none" w="med" len="med"/>
-                      <a:tailEnd type="none" w="med" len="med"/>
-                    </a:lnL>
-                    <a:lnR w="6350" cap="flat" cmpd="sng">
-                      <a:solidFill>
-                        <a:srgbClr val="000000"/>
-                      </a:solidFill>
-                      <a:prstDash val="solid"/>
-                      <a:headEnd type="none" w="med" len="med"/>
-                      <a:tailEnd type="none" w="med" len="med"/>
-                    </a:lnR>
-                    <a:lnT w="6350" cap="flat" cmpd="sng">
-                      <a:solidFill>
-                        <a:srgbClr val="000000"/>
-                      </a:solidFill>
-                      <a:prstDash val="solid"/>
-                      <a:headEnd type="none" w="med" len="med"/>
-                      <a:tailEnd type="none" w="med" len="med"/>
-                    </a:lnT>
-                    <a:lnB w="6350" cap="flat" cmpd="sng">
-                      <a:solidFill>
-                        <a:srgbClr val="000000"/>
-                      </a:solidFill>
-                      <a:prstDash val="solid"/>
-                      <a:headEnd type="none" w="med" len="med"/>
-                      <a:tailEnd type="none" w="med" len="med"/>
-                    </a:lnB>
-                    <a:lnTlToBr>
-                      <a:noFill/>
-                    </a:lnTlToBr>
-                    <a:lnBlToTr>
-                      <a:noFill/>
-                    </a:lnBlToTr>
-                    <a:noFill/>
-                  </a:tcPr>
-                </a:tc>
-                <a:tc>
-                  <a:txBody>
-                    <a:bodyPr/>
-                    <a:p>
-                      <a:pPr algn="ctr">
-                        <a:buNone/>
-                      </a:pPr>
-                      <a:r>
-                        <a:rPr lang="zh-CN" sz="1100" b="0">
-                          <a:solidFill>
-                            <a:srgbClr val="000000"/>
-                          </a:solidFill>
-                          <a:latin typeface="Arial" panose="02080604020202020204" pitchFamily="34" charset="0"/>
-                          <a:ea typeface="宋体" pitchFamily="2" charset="-122"/>
-                        </a:rPr>
-                        <a:t>偏差</a:t>
-                      </a:r>
-                      <a:endParaRPr lang="en-US" altLang="en-US" sz="1100" b="0">
-                        <a:solidFill>
-                          <a:srgbClr val="000000"/>
-                        </a:solidFill>
-                        <a:latin typeface="宋体" pitchFamily="2" charset="-122"/>
-                      </a:endParaRPr>
-                    </a:p>
-                  </a:txBody>
-                  <a:tcPr marL="12700" marR="12700" marT="12700" vert="horz" anchor="ctr" anchorCtr="0">
-                    <a:lnL w="6350" cap="flat" cmpd="sng">
-                      <a:solidFill>
-                        <a:srgbClr val="000000"/>
-                      </a:solidFill>
-                      <a:prstDash val="solid"/>
-                      <a:headEnd type="none" w="med" len="med"/>
-                      <a:tailEnd type="none" w="med" len="med"/>
-                    </a:lnL>
-                    <a:lnR w="6350" cap="flat" cmpd="sng">
-                      <a:solidFill>
-                        <a:srgbClr val="000000"/>
-                      </a:solidFill>
-                      <a:prstDash val="solid"/>
-                      <a:headEnd type="none" w="med" len="med"/>
-                      <a:tailEnd type="none" w="med" len="med"/>
-                    </a:lnR>
-                    <a:lnT w="6350" cap="flat" cmpd="sng">
-                      <a:solidFill>
-                        <a:srgbClr val="000000"/>
-                      </a:solidFill>
-                      <a:prstDash val="solid"/>
-                      <a:headEnd type="none" w="med" len="med"/>
-                      <a:tailEnd type="none" w="med" len="med"/>
-                    </a:lnT>
-                    <a:lnB w="6350" cap="flat" cmpd="sng">
-                      <a:solidFill>
-                        <a:srgbClr val="000000"/>
-                      </a:solidFill>
-                      <a:prstDash val="solid"/>
-                      <a:headEnd type="none" w="med" len="med"/>
-                      <a:tailEnd type="none" w="med" len="med"/>
-                    </a:lnB>
-                    <a:lnTlToBr>
-                      <a:noFill/>
-                    </a:lnTlToBr>
-                    <a:lnBlToTr>
-                      <a:noFill/>
-                    </a:lnBlToTr>
-                    <a:noFill/>
-                  </a:tcPr>
-                </a:tc>
               </a:tr>
               <a:tr h="262255">
                 <a:tc>
@@ -6282,138 +6382,6 @@
                     <a:solidFill>
                       <a:srgbClr val="FFFF00"/>
                     </a:solidFill>
-                  </a:tcPr>
-                </a:tc>
-                <a:tc>
-                  <a:txBody>
-                    <a:bodyPr/>
-                    <a:p>
-                      <a:pPr algn="ctr">
-                        <a:buNone/>
-                      </a:pPr>
-                      <a:r>
-                        <a:rPr lang="en-US" sz="1100" b="0">
-                          <a:solidFill>
-                            <a:srgbClr val="000000"/>
-                          </a:solidFill>
-                          <a:latin typeface="宋体" pitchFamily="2" charset="-122"/>
-                        </a:rPr>
-                        <a:t>778076</a:t>
-                      </a:r>
-                      <a:endParaRPr lang="en-US" altLang="en-US" sz="1100" b="0">
-                        <a:solidFill>
-                          <a:srgbClr val="000000"/>
-                        </a:solidFill>
-                        <a:latin typeface="宋体" pitchFamily="2" charset="-122"/>
-                      </a:endParaRPr>
-                    </a:p>
-                  </a:txBody>
-                  <a:tcPr marL="12700" marR="12700" marT="12700" vert="horz" anchor="ctr" anchorCtr="0">
-                    <a:lnL w="6350" cap="flat" cmpd="sng">
-                      <a:solidFill>
-                        <a:srgbClr val="000000"/>
-                      </a:solidFill>
-                      <a:prstDash val="solid"/>
-                      <a:headEnd type="none" w="med" len="med"/>
-                      <a:tailEnd type="none" w="med" len="med"/>
-                    </a:lnL>
-                    <a:lnR w="6350" cap="flat" cmpd="sng">
-                      <a:solidFill>
-                        <a:srgbClr val="000000"/>
-                      </a:solidFill>
-                      <a:prstDash val="solid"/>
-                      <a:headEnd type="none" w="med" len="med"/>
-                      <a:tailEnd type="none" w="med" len="med"/>
-                    </a:lnR>
-                    <a:lnT w="6350" cap="flat" cmpd="sng">
-                      <a:solidFill>
-                        <a:srgbClr val="000000"/>
-                      </a:solidFill>
-                      <a:prstDash val="solid"/>
-                      <a:headEnd type="none" w="med" len="med"/>
-                      <a:tailEnd type="none" w="med" len="med"/>
-                    </a:lnT>
-                    <a:lnB w="6350" cap="flat" cmpd="sng">
-                      <a:solidFill>
-                        <a:srgbClr val="000000"/>
-                      </a:solidFill>
-                      <a:prstDash val="solid"/>
-                      <a:headEnd type="none" w="med" len="med"/>
-                      <a:tailEnd type="none" w="med" len="med"/>
-                    </a:lnB>
-                    <a:lnTlToBr>
-                      <a:noFill/>
-                    </a:lnTlToBr>
-                    <a:lnBlToTr>
-                      <a:noFill/>
-                    </a:lnBlToTr>
-                    <a:noFill/>
-                  </a:tcPr>
-                </a:tc>
-                <a:tc>
-                  <a:txBody>
-                    <a:bodyPr/>
-                    <a:p>
-                      <a:pPr algn="ctr">
-                        <a:buNone/>
-                      </a:pPr>
-                      <a:r>
-                        <a:rPr lang="en-US" sz="1100" b="0">
-                          <a:solidFill>
-                            <a:srgbClr val="000000"/>
-                          </a:solidFill>
-                          <a:latin typeface="宋体" pitchFamily="2" charset="-122"/>
-                        </a:rPr>
-                        <a:t>0.022930177</a:t>
-                      </a:r>
-                      <a:endParaRPr lang="en-US" altLang="en-US" sz="1100" b="0">
-                        <a:solidFill>
-                          <a:srgbClr val="000000"/>
-                        </a:solidFill>
-                        <a:latin typeface="宋体" pitchFamily="2" charset="-122"/>
-                      </a:endParaRPr>
-                    </a:p>
-                  </a:txBody>
-                  <a:tcPr marL="12700" marR="12700" marT="12700" vert="horz" anchor="ctr" anchorCtr="0">
-                    <a:lnL w="6350" cap="flat" cmpd="sng">
-                      <a:solidFill>
-                        <a:srgbClr val="000000"/>
-                      </a:solidFill>
-                      <a:prstDash val="solid"/>
-                      <a:headEnd type="none" w="med" len="med"/>
-                      <a:tailEnd type="none" w="med" len="med"/>
-                    </a:lnL>
-                    <a:lnR w="6350" cap="flat" cmpd="sng">
-                      <a:solidFill>
-                        <a:srgbClr val="000000"/>
-                      </a:solidFill>
-                      <a:prstDash val="solid"/>
-                      <a:headEnd type="none" w="med" len="med"/>
-                      <a:tailEnd type="none" w="med" len="med"/>
-                    </a:lnR>
-                    <a:lnT w="6350" cap="flat" cmpd="sng">
-                      <a:solidFill>
-                        <a:srgbClr val="000000"/>
-                      </a:solidFill>
-                      <a:prstDash val="solid"/>
-                      <a:headEnd type="none" w="med" len="med"/>
-                      <a:tailEnd type="none" w="med" len="med"/>
-                    </a:lnT>
-                    <a:lnB w="6350" cap="flat" cmpd="sng">
-                      <a:solidFill>
-                        <a:srgbClr val="000000"/>
-                      </a:solidFill>
-                      <a:prstDash val="solid"/>
-                      <a:headEnd type="none" w="med" len="med"/>
-                      <a:tailEnd type="none" w="med" len="med"/>
-                    </a:lnB>
-                    <a:lnTlToBr>
-                      <a:noFill/>
-                    </a:lnTlToBr>
-                    <a:lnBlToTr>
-                      <a:noFill/>
-                    </a:lnBlToTr>
-                    <a:noFill/>
                   </a:tcPr>
                 </a:tc>
               </a:tr>
@@ -6620,138 +6588,6 @@
                     </a:solidFill>
                   </a:tcPr>
                 </a:tc>
-                <a:tc>
-                  <a:txBody>
-                    <a:bodyPr/>
-                    <a:p>
-                      <a:pPr algn="ctr">
-                        <a:buNone/>
-                      </a:pPr>
-                      <a:r>
-                        <a:rPr lang="en-US" sz="1100" b="0">
-                          <a:solidFill>
-                            <a:srgbClr val="000000"/>
-                          </a:solidFill>
-                          <a:latin typeface="宋体" pitchFamily="2" charset="-122"/>
-                        </a:rPr>
-                        <a:t>607862</a:t>
-                      </a:r>
-                      <a:endParaRPr lang="en-US" altLang="en-US" sz="1100" b="0">
-                        <a:solidFill>
-                          <a:srgbClr val="000000"/>
-                        </a:solidFill>
-                        <a:latin typeface="宋体" pitchFamily="2" charset="-122"/>
-                      </a:endParaRPr>
-                    </a:p>
-                  </a:txBody>
-                  <a:tcPr marL="12700" marR="12700" marT="12700" vert="horz" anchor="ctr" anchorCtr="0">
-                    <a:lnL w="6350" cap="flat" cmpd="sng">
-                      <a:solidFill>
-                        <a:srgbClr val="000000"/>
-                      </a:solidFill>
-                      <a:prstDash val="solid"/>
-                      <a:headEnd type="none" w="med" len="med"/>
-                      <a:tailEnd type="none" w="med" len="med"/>
-                    </a:lnL>
-                    <a:lnR w="6350" cap="flat" cmpd="sng">
-                      <a:solidFill>
-                        <a:srgbClr val="000000"/>
-                      </a:solidFill>
-                      <a:prstDash val="solid"/>
-                      <a:headEnd type="none" w="med" len="med"/>
-                      <a:tailEnd type="none" w="med" len="med"/>
-                    </a:lnR>
-                    <a:lnT w="6350" cap="flat" cmpd="sng">
-                      <a:solidFill>
-                        <a:srgbClr val="000000"/>
-                      </a:solidFill>
-                      <a:prstDash val="solid"/>
-                      <a:headEnd type="none" w="med" len="med"/>
-                      <a:tailEnd type="none" w="med" len="med"/>
-                    </a:lnT>
-                    <a:lnB w="6350" cap="flat" cmpd="sng">
-                      <a:solidFill>
-                        <a:srgbClr val="000000"/>
-                      </a:solidFill>
-                      <a:prstDash val="solid"/>
-                      <a:headEnd type="none" w="med" len="med"/>
-                      <a:tailEnd type="none" w="med" len="med"/>
-                    </a:lnB>
-                    <a:lnTlToBr>
-                      <a:noFill/>
-                    </a:lnTlToBr>
-                    <a:lnBlToTr>
-                      <a:noFill/>
-                    </a:lnBlToTr>
-                    <a:noFill/>
-                  </a:tcPr>
-                </a:tc>
-                <a:tc>
-                  <a:txBody>
-                    <a:bodyPr/>
-                    <a:p>
-                      <a:pPr algn="ctr">
-                        <a:buNone/>
-                      </a:pPr>
-                      <a:r>
-                        <a:rPr lang="en-US" sz="1100" b="0">
-                          <a:solidFill>
-                            <a:srgbClr val="000000"/>
-                          </a:solidFill>
-                          <a:latin typeface="宋体" pitchFamily="2" charset="-122"/>
-                        </a:rPr>
-                        <a:t>0.084563656</a:t>
-                      </a:r>
-                      <a:endParaRPr lang="en-US" altLang="en-US" sz="1100" b="0">
-                        <a:solidFill>
-                          <a:srgbClr val="000000"/>
-                        </a:solidFill>
-                        <a:latin typeface="宋体" pitchFamily="2" charset="-122"/>
-                      </a:endParaRPr>
-                    </a:p>
-                  </a:txBody>
-                  <a:tcPr marL="12700" marR="12700" marT="12700" vert="horz" anchor="ctr" anchorCtr="0">
-                    <a:lnL w="6350" cap="flat" cmpd="sng">
-                      <a:solidFill>
-                        <a:srgbClr val="000000"/>
-                      </a:solidFill>
-                      <a:prstDash val="solid"/>
-                      <a:headEnd type="none" w="med" len="med"/>
-                      <a:tailEnd type="none" w="med" len="med"/>
-                    </a:lnL>
-                    <a:lnR w="6350" cap="flat" cmpd="sng">
-                      <a:solidFill>
-                        <a:srgbClr val="000000"/>
-                      </a:solidFill>
-                      <a:prstDash val="solid"/>
-                      <a:headEnd type="none" w="med" len="med"/>
-                      <a:tailEnd type="none" w="med" len="med"/>
-                    </a:lnR>
-                    <a:lnT w="6350" cap="flat" cmpd="sng">
-                      <a:solidFill>
-                        <a:srgbClr val="000000"/>
-                      </a:solidFill>
-                      <a:prstDash val="solid"/>
-                      <a:headEnd type="none" w="med" len="med"/>
-                      <a:tailEnd type="none" w="med" len="med"/>
-                    </a:lnT>
-                    <a:lnB w="6350" cap="flat" cmpd="sng">
-                      <a:solidFill>
-                        <a:srgbClr val="000000"/>
-                      </a:solidFill>
-                      <a:prstDash val="solid"/>
-                      <a:headEnd type="none" w="med" len="med"/>
-                      <a:tailEnd type="none" w="med" len="med"/>
-                    </a:lnB>
-                    <a:lnTlToBr>
-                      <a:noFill/>
-                    </a:lnTlToBr>
-                    <a:lnBlToTr>
-                      <a:noFill/>
-                    </a:lnBlToTr>
-                    <a:noFill/>
-                  </a:tcPr>
-                </a:tc>
               </a:tr>
               <a:tr h="262890">
                 <a:tc>
@@ -6954,138 +6790,6 @@
                     <a:solidFill>
                       <a:srgbClr val="FFFF00"/>
                     </a:solidFill>
-                  </a:tcPr>
-                </a:tc>
-                <a:tc>
-                  <a:txBody>
-                    <a:bodyPr/>
-                    <a:p>
-                      <a:pPr algn="ctr">
-                        <a:buNone/>
-                      </a:pPr>
-                      <a:r>
-                        <a:rPr lang="en-US" sz="1100" b="0">
-                          <a:solidFill>
-                            <a:srgbClr val="000000"/>
-                          </a:solidFill>
-                          <a:latin typeface="宋体" pitchFamily="2" charset="-122"/>
-                        </a:rPr>
-                        <a:t>474736</a:t>
-                      </a:r>
-                      <a:endParaRPr lang="en-US" altLang="en-US" sz="1100" b="0">
-                        <a:solidFill>
-                          <a:srgbClr val="000000"/>
-                        </a:solidFill>
-                        <a:latin typeface="宋体" pitchFamily="2" charset="-122"/>
-                      </a:endParaRPr>
-                    </a:p>
-                  </a:txBody>
-                  <a:tcPr marL="12700" marR="12700" marT="12700" vert="horz" anchor="ctr" anchorCtr="0">
-                    <a:lnL w="6350" cap="flat" cmpd="sng">
-                      <a:solidFill>
-                        <a:srgbClr val="000000"/>
-                      </a:solidFill>
-                      <a:prstDash val="solid"/>
-                      <a:headEnd type="none" w="med" len="med"/>
-                      <a:tailEnd type="none" w="med" len="med"/>
-                    </a:lnL>
-                    <a:lnR w="6350" cap="flat" cmpd="sng">
-                      <a:solidFill>
-                        <a:srgbClr val="000000"/>
-                      </a:solidFill>
-                      <a:prstDash val="solid"/>
-                      <a:headEnd type="none" w="med" len="med"/>
-                      <a:tailEnd type="none" w="med" len="med"/>
-                    </a:lnR>
-                    <a:lnT w="6350" cap="flat" cmpd="sng">
-                      <a:solidFill>
-                        <a:srgbClr val="000000"/>
-                      </a:solidFill>
-                      <a:prstDash val="solid"/>
-                      <a:headEnd type="none" w="med" len="med"/>
-                      <a:tailEnd type="none" w="med" len="med"/>
-                    </a:lnT>
-                    <a:lnB w="6350" cap="flat" cmpd="sng">
-                      <a:solidFill>
-                        <a:srgbClr val="000000"/>
-                      </a:solidFill>
-                      <a:prstDash val="solid"/>
-                      <a:headEnd type="none" w="med" len="med"/>
-                      <a:tailEnd type="none" w="med" len="med"/>
-                    </a:lnB>
-                    <a:lnTlToBr>
-                      <a:noFill/>
-                    </a:lnTlToBr>
-                    <a:lnBlToTr>
-                      <a:noFill/>
-                    </a:lnBlToTr>
-                    <a:noFill/>
-                  </a:tcPr>
-                </a:tc>
-                <a:tc>
-                  <a:txBody>
-                    <a:bodyPr/>
-                    <a:p>
-                      <a:pPr algn="ctr">
-                        <a:buNone/>
-                      </a:pPr>
-                      <a:r>
-                        <a:rPr lang="en-US" sz="1100" b="0">
-                          <a:solidFill>
-                            <a:srgbClr val="000000"/>
-                          </a:solidFill>
-                          <a:latin typeface="宋体" pitchFamily="2" charset="-122"/>
-                        </a:rPr>
-                        <a:t>0.134683693</a:t>
-                      </a:r>
-                      <a:endParaRPr lang="en-US" altLang="en-US" sz="1100" b="0">
-                        <a:solidFill>
-                          <a:srgbClr val="000000"/>
-                        </a:solidFill>
-                        <a:latin typeface="宋体" pitchFamily="2" charset="-122"/>
-                      </a:endParaRPr>
-                    </a:p>
-                  </a:txBody>
-                  <a:tcPr marL="12700" marR="12700" marT="12700" vert="horz" anchor="ctr" anchorCtr="0">
-                    <a:lnL w="6350" cap="flat" cmpd="sng">
-                      <a:solidFill>
-                        <a:srgbClr val="000000"/>
-                      </a:solidFill>
-                      <a:prstDash val="solid"/>
-                      <a:headEnd type="none" w="med" len="med"/>
-                      <a:tailEnd type="none" w="med" len="med"/>
-                    </a:lnL>
-                    <a:lnR w="6350" cap="flat" cmpd="sng">
-                      <a:solidFill>
-                        <a:srgbClr val="000000"/>
-                      </a:solidFill>
-                      <a:prstDash val="solid"/>
-                      <a:headEnd type="none" w="med" len="med"/>
-                      <a:tailEnd type="none" w="med" len="med"/>
-                    </a:lnR>
-                    <a:lnT w="6350" cap="flat" cmpd="sng">
-                      <a:solidFill>
-                        <a:srgbClr val="000000"/>
-                      </a:solidFill>
-                      <a:prstDash val="solid"/>
-                      <a:headEnd type="none" w="med" len="med"/>
-                      <a:tailEnd type="none" w="med" len="med"/>
-                    </a:lnT>
-                    <a:lnB w="6350" cap="flat" cmpd="sng">
-                      <a:solidFill>
-                        <a:srgbClr val="000000"/>
-                      </a:solidFill>
-                      <a:prstDash val="solid"/>
-                      <a:headEnd type="none" w="med" len="med"/>
-                      <a:tailEnd type="none" w="med" len="med"/>
-                    </a:lnB>
-                    <a:lnTlToBr>
-                      <a:noFill/>
-                    </a:lnTlToBr>
-                    <a:lnBlToTr>
-                      <a:noFill/>
-                    </a:lnBlToTr>
-                    <a:noFill/>
                   </a:tcPr>
                 </a:tc>
               </a:tr>
@@ -7292,138 +6996,6 @@
                     </a:solidFill>
                   </a:tcPr>
                 </a:tc>
-                <a:tc>
-                  <a:txBody>
-                    <a:bodyPr/>
-                    <a:p>
-                      <a:pPr algn="ctr">
-                        <a:buNone/>
-                      </a:pPr>
-                      <a:r>
-                        <a:rPr lang="en-US" sz="1100" b="0">
-                          <a:solidFill>
-                            <a:srgbClr val="000000"/>
-                          </a:solidFill>
-                          <a:latin typeface="宋体" pitchFamily="2" charset="-122"/>
-                        </a:rPr>
-                        <a:t>371161</a:t>
-                      </a:r>
-                      <a:endParaRPr lang="en-US" altLang="en-US" sz="1100" b="0">
-                        <a:solidFill>
-                          <a:srgbClr val="000000"/>
-                        </a:solidFill>
-                        <a:latin typeface="宋体" pitchFamily="2" charset="-122"/>
-                      </a:endParaRPr>
-                    </a:p>
-                  </a:txBody>
-                  <a:tcPr marL="12700" marR="12700" marT="12700" vert="horz" anchor="ctr" anchorCtr="0">
-                    <a:lnL w="6350" cap="flat" cmpd="sng">
-                      <a:solidFill>
-                        <a:srgbClr val="000000"/>
-                      </a:solidFill>
-                      <a:prstDash val="solid"/>
-                      <a:headEnd type="none" w="med" len="med"/>
-                      <a:tailEnd type="none" w="med" len="med"/>
-                    </a:lnL>
-                    <a:lnR w="6350" cap="flat" cmpd="sng">
-                      <a:solidFill>
-                        <a:srgbClr val="000000"/>
-                      </a:solidFill>
-                      <a:prstDash val="solid"/>
-                      <a:headEnd type="none" w="med" len="med"/>
-                      <a:tailEnd type="none" w="med" len="med"/>
-                    </a:lnR>
-                    <a:lnT w="6350" cap="flat" cmpd="sng">
-                      <a:solidFill>
-                        <a:srgbClr val="000000"/>
-                      </a:solidFill>
-                      <a:prstDash val="solid"/>
-                      <a:headEnd type="none" w="med" len="med"/>
-                      <a:tailEnd type="none" w="med" len="med"/>
-                    </a:lnT>
-                    <a:lnB w="6350" cap="flat" cmpd="sng">
-                      <a:solidFill>
-                        <a:srgbClr val="000000"/>
-                      </a:solidFill>
-                      <a:prstDash val="solid"/>
-                      <a:headEnd type="none" w="med" len="med"/>
-                      <a:tailEnd type="none" w="med" len="med"/>
-                    </a:lnB>
-                    <a:lnTlToBr>
-                      <a:noFill/>
-                    </a:lnTlToBr>
-                    <a:lnBlToTr>
-                      <a:noFill/>
-                    </a:lnBlToTr>
-                    <a:noFill/>
-                  </a:tcPr>
-                </a:tc>
-                <a:tc>
-                  <a:txBody>
-                    <a:bodyPr/>
-                    <a:p>
-                      <a:pPr algn="ctr">
-                        <a:buNone/>
-                      </a:pPr>
-                      <a:r>
-                        <a:rPr lang="en-US" sz="1100" b="0">
-                          <a:solidFill>
-                            <a:srgbClr val="000000"/>
-                          </a:solidFill>
-                          <a:latin typeface="宋体" pitchFamily="2" charset="-122"/>
-                        </a:rPr>
-                        <a:t>0.169687142</a:t>
-                      </a:r>
-                      <a:endParaRPr lang="en-US" altLang="en-US" sz="1100" b="0">
-                        <a:solidFill>
-                          <a:srgbClr val="000000"/>
-                        </a:solidFill>
-                        <a:latin typeface="宋体" pitchFamily="2" charset="-122"/>
-                      </a:endParaRPr>
-                    </a:p>
-                  </a:txBody>
-                  <a:tcPr marL="12700" marR="12700" marT="12700" vert="horz" anchor="ctr" anchorCtr="0">
-                    <a:lnL w="6350" cap="flat" cmpd="sng">
-                      <a:solidFill>
-                        <a:srgbClr val="000000"/>
-                      </a:solidFill>
-                      <a:prstDash val="solid"/>
-                      <a:headEnd type="none" w="med" len="med"/>
-                      <a:tailEnd type="none" w="med" len="med"/>
-                    </a:lnL>
-                    <a:lnR w="6350" cap="flat" cmpd="sng">
-                      <a:solidFill>
-                        <a:srgbClr val="000000"/>
-                      </a:solidFill>
-                      <a:prstDash val="solid"/>
-                      <a:headEnd type="none" w="med" len="med"/>
-                      <a:tailEnd type="none" w="med" len="med"/>
-                    </a:lnR>
-                    <a:lnT w="6350" cap="flat" cmpd="sng">
-                      <a:solidFill>
-                        <a:srgbClr val="000000"/>
-                      </a:solidFill>
-                      <a:prstDash val="solid"/>
-                      <a:headEnd type="none" w="med" len="med"/>
-                      <a:tailEnd type="none" w="med" len="med"/>
-                    </a:lnT>
-                    <a:lnB w="6350" cap="flat" cmpd="sng">
-                      <a:solidFill>
-                        <a:srgbClr val="000000"/>
-                      </a:solidFill>
-                      <a:prstDash val="solid"/>
-                      <a:headEnd type="none" w="med" len="med"/>
-                      <a:tailEnd type="none" w="med" len="med"/>
-                    </a:lnB>
-                    <a:lnTlToBr>
-                      <a:noFill/>
-                    </a:lnTlToBr>
-                    <a:lnBlToTr>
-                      <a:noFill/>
-                    </a:lnBlToTr>
-                    <a:noFill/>
-                  </a:tcPr>
-                </a:tc>
               </a:tr>
             </a:tbl>
           </a:graphicData>
@@ -7438,6 +7010,30 @@
           <p:nvPr/>
         </p:nvPicPr>
         <p:blipFill>
+          <a:blip r:embed="rId1"/>
+          <a:stretch>
+            <a:fillRect/>
+          </a:stretch>
+        </p:blipFill>
+        <p:spPr>
+          <a:xfrm>
+            <a:off x="828040" y="2416810"/>
+            <a:ext cx="3002915" cy="2524125"/>
+          </a:xfrm>
+          <a:prstGeom prst="rect">
+            <a:avLst/>
+          </a:prstGeom>
+        </p:spPr>
+      </p:pic>
+      <p:pic>
+        <p:nvPicPr>
+          <p:cNvPr id="8" name="图片 7" descr="g4"/>
+          <p:cNvPicPr>
+            <a:picLocks noChangeAspect="1"/>
+          </p:cNvPicPr>
+          <p:nvPr/>
+        </p:nvPicPr>
+        <p:blipFill>
           <a:blip r:embed="rId2"/>
           <a:stretch>
             <a:fillRect/>
@@ -7445,14 +7041,237 @@
         </p:blipFill>
         <p:spPr>
           <a:xfrm>
-            <a:off x="828040" y="2416810"/>
-            <a:ext cx="3002915" cy="2524125"/>
+            <a:off x="4572000" y="1700530"/>
+            <a:ext cx="4474210" cy="3355975"/>
           </a:xfrm>
           <a:prstGeom prst="rect">
             <a:avLst/>
           </a:prstGeom>
         </p:spPr>
       </p:pic>
+      <p:sp>
+        <p:nvSpPr>
+          <p:cNvPr id="36" name="文本框 35"/>
+          <p:cNvSpPr txBox="1"/>
+          <p:nvPr/>
+        </p:nvSpPr>
+        <p:spPr>
+          <a:xfrm>
+            <a:off x="7430770" y="1052195"/>
+            <a:ext cx="709295" cy="553085"/>
+          </a:xfrm>
+          <a:prstGeom prst="rect">
+            <a:avLst/>
+          </a:prstGeom>
+          <a:noFill/>
+        </p:spPr>
+        <p:txBody>
+          <a:bodyPr wrap="square" rtlCol="0">
+            <a:spAutoFit/>
+          </a:bodyPr>
+          <a:p>
+            <a:pPr>
+              <a:lnSpc>
+                <a:spcPct val="150000"/>
+              </a:lnSpc>
+              <a:buNone/>
+            </a:pPr>
+            <a:r>
+              <a:rPr lang="zh-CN" altLang="en-US" sz="2000" dirty="0">
+                <a:latin typeface="黑体" panose="02010609060101010101" pitchFamily="49" charset="-122"/>
+                <a:ea typeface="黑体" panose="02010609060101010101" pitchFamily="49" charset="-122"/>
+              </a:rPr>
+              <a:t>拟合</a:t>
+            </a:r>
+            <a:endParaRPr lang="zh-CN" altLang="en-US" sz="2000" dirty="0">
+              <a:latin typeface="黑体" panose="02010609060101010101" pitchFamily="49" charset="-122"/>
+              <a:ea typeface="黑体" panose="02010609060101010101" pitchFamily="49" charset="-122"/>
+            </a:endParaRPr>
+          </a:p>
+        </p:txBody>
+      </p:sp>
+      <p:pic>
+        <p:nvPicPr>
+          <p:cNvPr id="11" name="图片 10" descr="MommyTalk1636002581088"/>
+          <p:cNvPicPr>
+            <a:picLocks noChangeAspect="1"/>
+          </p:cNvPicPr>
+          <p:nvPr/>
+        </p:nvPicPr>
+        <p:blipFill>
+          <a:blip r:embed="rId3"/>
+          <a:stretch>
+            <a:fillRect/>
+          </a:stretch>
+        </p:blipFill>
+        <p:spPr>
+          <a:xfrm>
+            <a:off x="5675630" y="1124585"/>
+            <a:ext cx="1755140" cy="454025"/>
+          </a:xfrm>
+          <a:prstGeom prst="rect">
+            <a:avLst/>
+          </a:prstGeom>
+        </p:spPr>
+      </p:pic>
+      <p:sp>
+        <p:nvSpPr>
+          <p:cNvPr id="9" name="文本框 8"/>
+          <p:cNvSpPr txBox="1"/>
+          <p:nvPr/>
+        </p:nvSpPr>
+        <p:spPr>
+          <a:xfrm>
+            <a:off x="6804025" y="5156835"/>
+            <a:ext cx="1636395" cy="553085"/>
+          </a:xfrm>
+          <a:prstGeom prst="rect">
+            <a:avLst/>
+          </a:prstGeom>
+          <a:noFill/>
+        </p:spPr>
+        <p:txBody>
+          <a:bodyPr wrap="square" rtlCol="0">
+            <a:spAutoFit/>
+          </a:bodyPr>
+          <a:p>
+            <a:pPr>
+              <a:lnSpc>
+                <a:spcPct val="150000"/>
+              </a:lnSpc>
+              <a:buNone/>
+            </a:pPr>
+            <a:r>
+              <a:rPr lang="zh-CN" altLang="en-US" sz="2000" dirty="0">
+                <a:latin typeface="思源宋体 CN" panose="02020400000000000000" charset="-122"/>
+                <a:ea typeface="思源宋体 CN" panose="02020400000000000000" charset="-122"/>
+              </a:rPr>
+              <a:t>μ</a:t>
+            </a:r>
+            <a:r>
+              <a:rPr lang="en-US" altLang="zh-CN" sz="2000" baseline="-25000" dirty="0">
+                <a:latin typeface="思源宋体 CN" panose="02020400000000000000" charset="-122"/>
+                <a:ea typeface="思源宋体 CN" panose="02020400000000000000" charset="-122"/>
+              </a:rPr>
+              <a:t>2</a:t>
+            </a:r>
+            <a:r>
+              <a:rPr lang="en-US" altLang="zh-CN" sz="2000" dirty="0">
+                <a:latin typeface="思源宋体 CN" panose="02020400000000000000" charset="-122"/>
+                <a:ea typeface="思源宋体 CN" panose="02020400000000000000" charset="-122"/>
+              </a:rPr>
+              <a:t>=0.1199</a:t>
+            </a:r>
+            <a:endParaRPr lang="en-US" altLang="zh-CN" sz="2000" dirty="0">
+              <a:latin typeface="思源宋体 CN" panose="02020400000000000000" charset="-122"/>
+              <a:ea typeface="思源宋体 CN" panose="02020400000000000000" charset="-122"/>
+            </a:endParaRPr>
+          </a:p>
+        </p:txBody>
+      </p:sp>
+      <p:sp>
+        <p:nvSpPr>
+          <p:cNvPr id="12" name="文本框 11"/>
+          <p:cNvSpPr txBox="1"/>
+          <p:nvPr/>
+        </p:nvSpPr>
+        <p:spPr>
+          <a:xfrm>
+            <a:off x="5004435" y="5156835"/>
+            <a:ext cx="1636395" cy="553085"/>
+          </a:xfrm>
+          <a:prstGeom prst="rect">
+            <a:avLst/>
+          </a:prstGeom>
+          <a:noFill/>
+        </p:spPr>
+        <p:txBody>
+          <a:bodyPr wrap="square" rtlCol="0">
+            <a:spAutoFit/>
+          </a:bodyPr>
+          <a:p>
+            <a:pPr>
+              <a:lnSpc>
+                <a:spcPct val="150000"/>
+              </a:lnSpc>
+              <a:buNone/>
+            </a:pPr>
+            <a:r>
+              <a:rPr lang="zh-CN" altLang="en-US" sz="2000" dirty="0">
+                <a:latin typeface="思源宋体 CN" panose="02020400000000000000" charset="-122"/>
+                <a:ea typeface="思源宋体 CN" panose="02020400000000000000" charset="-122"/>
+              </a:rPr>
+              <a:t>μ</a:t>
+            </a:r>
+            <a:r>
+              <a:rPr lang="en-US" altLang="zh-CN" sz="2000" baseline="-25000" dirty="0">
+                <a:latin typeface="思源宋体 CN" panose="02020400000000000000" charset="-122"/>
+                <a:ea typeface="思源宋体 CN" panose="02020400000000000000" charset="-122"/>
+              </a:rPr>
+              <a:t>1</a:t>
+            </a:r>
+            <a:r>
+              <a:rPr lang="en-US" altLang="zh-CN" sz="2000" dirty="0">
+                <a:latin typeface="思源宋体 CN" panose="02020400000000000000" charset="-122"/>
+                <a:ea typeface="思源宋体 CN" panose="02020400000000000000" charset="-122"/>
+              </a:rPr>
+              <a:t>=0.093217</a:t>
+            </a:r>
+            <a:endParaRPr lang="en-US" altLang="zh-CN" sz="2000" dirty="0">
+              <a:latin typeface="思源宋体 CN" panose="02020400000000000000" charset="-122"/>
+              <a:ea typeface="思源宋体 CN" panose="02020400000000000000" charset="-122"/>
+            </a:endParaRPr>
+          </a:p>
+        </p:txBody>
+      </p:sp>
+      <p:sp>
+        <p:nvSpPr>
+          <p:cNvPr id="13" name="文本框 12"/>
+          <p:cNvSpPr txBox="1"/>
+          <p:nvPr/>
+        </p:nvSpPr>
+        <p:spPr>
+          <a:xfrm>
+            <a:off x="5885815" y="5805170"/>
+            <a:ext cx="1544955" cy="553085"/>
+          </a:xfrm>
+          <a:prstGeom prst="rect">
+            <a:avLst/>
+          </a:prstGeom>
+          <a:noFill/>
+        </p:spPr>
+        <p:txBody>
+          <a:bodyPr wrap="square" rtlCol="0">
+            <a:spAutoFit/>
+          </a:bodyPr>
+          <a:p>
+            <a:pPr>
+              <a:lnSpc>
+                <a:spcPct val="150000"/>
+              </a:lnSpc>
+              <a:buNone/>
+            </a:pPr>
+            <a:r>
+              <a:rPr lang="zh-CN" altLang="en-US" sz="2000" dirty="0">
+                <a:latin typeface="黑体" panose="02010609060101010101" pitchFamily="49" charset="-122"/>
+                <a:ea typeface="黑体" panose="02010609060101010101" pitchFamily="49" charset="-122"/>
+              </a:rPr>
+              <a:t>相差</a:t>
+            </a:r>
+            <a:r>
+              <a:rPr lang="en-US" altLang="zh-CN" sz="2000" dirty="0">
+                <a:latin typeface="黑体" panose="02010609060101010101" pitchFamily="49" charset="-122"/>
+                <a:ea typeface="黑体" panose="02010609060101010101" pitchFamily="49" charset="-122"/>
+              </a:rPr>
+              <a:t>28.6%</a:t>
+            </a:r>
+            <a:endParaRPr lang="en-US" altLang="zh-CN" sz="2000" dirty="0">
+              <a:latin typeface="黑体" panose="02010609060101010101" pitchFamily="49" charset="-122"/>
+              <a:ea typeface="黑体" panose="02010609060101010101" pitchFamily="49" charset="-122"/>
+            </a:endParaRPr>
+          </a:p>
+        </p:txBody>
+      </p:sp>
     </p:spTree>
   </p:cSld>
   <p:clrMapOvr>
@@ -9333,31 +9152,6 @@
           </a:p>
         </p:txBody>
       </p:sp>
-      <p:pic>
-        <p:nvPicPr>
-          <p:cNvPr id="11" name="图片 10"/>
-          <p:cNvPicPr>
-            <a:picLocks noChangeAspect="1"/>
-          </p:cNvPicPr>
-          <p:nvPr/>
-        </p:nvPicPr>
-        <p:blipFill>
-          <a:blip r:embed="rId1"/>
-          <a:srcRect l="6858" t="5920" r="5208"/>
-          <a:stretch>
-            <a:fillRect/>
-          </a:stretch>
-        </p:blipFill>
-        <p:spPr>
-          <a:xfrm>
-            <a:off x="4845050" y="2060575"/>
-            <a:ext cx="4298950" cy="3592830"/>
-          </a:xfrm>
-          <a:prstGeom prst="rect">
-            <a:avLst/>
-          </a:prstGeom>
-        </p:spPr>
-      </p:pic>
       <p:sp>
         <p:nvSpPr>
           <p:cNvPr id="15" name="文本框 14"/>
@@ -9366,7 +9160,7 @@
         </p:nvSpPr>
         <p:spPr>
           <a:xfrm>
-            <a:off x="323850" y="1988820"/>
+            <a:off x="325120" y="1988820"/>
             <a:ext cx="3966210" cy="968375"/>
           </a:xfrm>
           <a:prstGeom prst="rect">
@@ -9647,7 +9441,7 @@
                 <a:ea typeface="+mn-ea"/>
                 <a:cs typeface="Times New Roman" panose="02020603050405020304" pitchFamily="18" charset="0"/>
               </a:rPr>
-              <a:t>利用前述公式计算仿真得到的累计因子结果</a:t>
+              <a:t>利用前述公式计算仿真得到的累积因子结果</a:t>
             </a:r>
             <a:r>
               <a:rPr lang="en-US" altLang="zh-CN" kern="100" dirty="0">
@@ -9668,6 +9462,119 @@
             <a:endParaRPr lang="zh-CN" altLang="en-US" sz="2000" kern="100" dirty="0">
               <a:latin typeface="+mn-ea"/>
               <a:ea typeface="+mn-ea"/>
+              <a:cs typeface="Times New Roman" panose="02020603050405020304" pitchFamily="18" charset="0"/>
+            </a:endParaRPr>
+          </a:p>
+        </p:txBody>
+      </p:sp>
+      <p:pic>
+        <p:nvPicPr>
+          <p:cNvPr id="3" name="图片 2" descr="spere"/>
+          <p:cNvPicPr>
+            <a:picLocks noChangeAspect="1"/>
+          </p:cNvPicPr>
+          <p:nvPr/>
+        </p:nvPicPr>
+        <p:blipFill>
+          <a:blip r:embed="rId1">
+            <a:extLst>
+              <a:ext uri="{96DAC541-7B7A-43D3-8B79-37D633B846F1}">
+                <asvg:svgBlip xmlns:asvg="http://schemas.microsoft.com/office/drawing/2016/SVG/main" r:embed="rId2"/>
+              </a:ext>
+            </a:extLst>
+          </a:blip>
+          <a:srcRect l="22023" t="27176" r="17844" b="27417"/>
+          <a:stretch>
+            <a:fillRect/>
+          </a:stretch>
+        </p:blipFill>
+        <p:spPr>
+          <a:xfrm>
+            <a:off x="5436235" y="2564765"/>
+            <a:ext cx="2914650" cy="3114040"/>
+          </a:xfrm>
+          <a:prstGeom prst="rect">
+            <a:avLst/>
+          </a:prstGeom>
+        </p:spPr>
+      </p:pic>
+      <p:sp>
+        <p:nvSpPr>
+          <p:cNvPr id="4" name="文本框 3"/>
+          <p:cNvSpPr txBox="1"/>
+          <p:nvPr/>
+        </p:nvSpPr>
+        <p:spPr>
+          <a:xfrm>
+            <a:off x="6300470" y="4004945"/>
+            <a:ext cx="703580" cy="506730"/>
+          </a:xfrm>
+          <a:prstGeom prst="rect">
+            <a:avLst/>
+          </a:prstGeom>
+          <a:noFill/>
+        </p:spPr>
+        <p:txBody>
+          <a:bodyPr wrap="square" rtlCol="0">
+            <a:spAutoFit/>
+          </a:bodyPr>
+          <a:p>
+            <a:pPr>
+              <a:lnSpc>
+                <a:spcPct val="150000"/>
+              </a:lnSpc>
+              <a:buNone/>
+            </a:pPr>
+            <a:r>
+              <a:rPr lang="zh-CN" sz="1800" kern="100" dirty="0">
+                <a:latin typeface="Times New Roman" panose="02020603050405020304" pitchFamily="18" charset="0"/>
+                <a:cs typeface="Times New Roman" panose="02020603050405020304" pitchFamily="18" charset="0"/>
+              </a:rPr>
+              <a:t>点源</a:t>
+            </a:r>
+            <a:endParaRPr lang="zh-CN" sz="1800" kern="100" dirty="0">
+              <a:latin typeface="Times New Roman" panose="02020603050405020304" pitchFamily="18" charset="0"/>
+              <a:cs typeface="Times New Roman" panose="02020603050405020304" pitchFamily="18" charset="0"/>
+            </a:endParaRPr>
+          </a:p>
+        </p:txBody>
+      </p:sp>
+      <p:sp>
+        <p:nvSpPr>
+          <p:cNvPr id="5" name="文本框 4"/>
+          <p:cNvSpPr txBox="1"/>
+          <p:nvPr/>
+        </p:nvSpPr>
+        <p:spPr>
+          <a:xfrm>
+            <a:off x="6128385" y="2276475"/>
+            <a:ext cx="1529715" cy="506730"/>
+          </a:xfrm>
+          <a:prstGeom prst="rect">
+            <a:avLst/>
+          </a:prstGeom>
+          <a:noFill/>
+        </p:spPr>
+        <p:txBody>
+          <a:bodyPr wrap="square" rtlCol="0">
+            <a:spAutoFit/>
+          </a:bodyPr>
+          <a:p>
+            <a:pPr>
+              <a:lnSpc>
+                <a:spcPct val="150000"/>
+              </a:lnSpc>
+              <a:buNone/>
+            </a:pPr>
+            <a:r>
+              <a:rPr lang="zh-CN" sz="1800" kern="100" dirty="0">
+                <a:latin typeface="Times New Roman" panose="02020603050405020304" pitchFamily="18" charset="0"/>
+                <a:cs typeface="Times New Roman" panose="02020603050405020304" pitchFamily="18" charset="0"/>
+              </a:rPr>
+              <a:t>球面探测器</a:t>
+            </a:r>
+            <a:endParaRPr lang="zh-CN" sz="1800" kern="100" dirty="0">
+              <a:latin typeface="Times New Roman" panose="02020603050405020304" pitchFamily="18" charset="0"/>
               <a:cs typeface="Times New Roman" panose="02020603050405020304" pitchFamily="18" charset="0"/>
             </a:endParaRPr>
           </a:p>
@@ -9756,13 +9663,13 @@
       </p:sp>
       <p:sp>
         <p:nvSpPr>
-          <p:cNvPr id="8" name="内容占位符 2"/>
+          <p:cNvPr id="12" name="内容占位符 2"/>
           <p:cNvSpPr txBox="1"/>
           <p:nvPr/>
         </p:nvSpPr>
         <p:spPr>
           <a:xfrm>
-            <a:off x="395459" y="1483210"/>
+            <a:off x="323704" y="1556870"/>
             <a:ext cx="7848401" cy="563880"/>
           </a:xfrm>
           <a:prstGeom prst="rect">
@@ -9961,7 +9868,6 @@
               <a:rPr lang="zh-CN" altLang="en-US" sz="2200" b="1" dirty="0">
                 <a:latin typeface="微软雅黑" panose="020B0503020204020204" pitchFamily="34" charset="-122"/>
                 <a:ea typeface="微软雅黑" panose="020B0503020204020204" pitchFamily="34" charset="-122"/>
-                <a:sym typeface="+mn-ea"/>
               </a:rPr>
               <a:t>无限大介质累积因子的仿真计算</a:t>
             </a:r>
@@ -9977,7 +9883,7 @@
                 <a:latin typeface="微软雅黑" panose="020B0503020204020204" pitchFamily="34" charset="-122"/>
                 <a:ea typeface="微软雅黑" panose="020B0503020204020204" pitchFamily="34" charset="-122"/>
               </a:rPr>
-              <a:t>验证结果</a:t>
+              <a:t>仿真过程</a:t>
             </a:r>
             <a:endParaRPr lang="en-US" altLang="zh-CN" sz="2200" b="1" dirty="0">
               <a:latin typeface="微软雅黑" panose="020B0503020204020204" pitchFamily="34" charset="-122"/>
@@ -9988,7 +9894,7 @@
       </p:sp>
       <p:sp>
         <p:nvSpPr>
-          <p:cNvPr id="3" name="灯片编号占位符 2"/>
+          <p:cNvPr id="2" name="灯片编号占位符 1"/>
           <p:cNvSpPr>
             <a:spLocks noGrp="1"/>
           </p:cNvSpPr>
@@ -9998,7 +9904,7 @@
         </p:nvSpPr>
         <p:spPr>
           <a:xfrm>
-            <a:off x="6751000" y="6207619"/>
+            <a:off x="6732150" y="6178294"/>
             <a:ext cx="2133600" cy="365125"/>
           </a:xfrm>
         </p:spPr>
@@ -10008,93 +9914,17 @@
           <a:p>
             <a:pPr lvl="0"/>
             <a:fld id="{9A0DB2DC-4C9A-4742-B13C-FB6460FD3503}" type="slidenum">
-              <a:rPr lang="zh-CN" altLang="en-US" sz="1800" b="1" smtClean="0"/>
+              <a:rPr lang="zh-CN" altLang="en-US" sz="2400" b="1" smtClean="0"/>
             </a:fld>
-            <a:endParaRPr lang="zh-CN" altLang="en-US" b="1" dirty="0">
+            <a:endParaRPr lang="zh-CN" altLang="en-US" sz="2400" b="1" dirty="0">
               <a:ea typeface="宋体" pitchFamily="2" charset="-122"/>
             </a:endParaRPr>
           </a:p>
         </p:txBody>
       </p:sp>
-      <p:sp>
-        <p:nvSpPr>
-          <p:cNvPr id="37" name="文本框 36"/>
-          <p:cNvSpPr txBox="1"/>
-          <p:nvPr/>
-        </p:nvSpPr>
-        <p:spPr>
-          <a:xfrm>
-            <a:off x="1259840" y="5300980"/>
-            <a:ext cx="6562725" cy="1014730"/>
-          </a:xfrm>
-          <a:prstGeom prst="rect">
-            <a:avLst/>
-          </a:prstGeom>
-          <a:noFill/>
-        </p:spPr>
-        <p:txBody>
-          <a:bodyPr wrap="square" rtlCol="0">
-            <a:spAutoFit/>
-          </a:bodyPr>
-          <a:p>
-            <a:pPr algn="ctr">
-              <a:lnSpc>
-                <a:spcPct val="150000"/>
-              </a:lnSpc>
-              <a:buNone/>
-            </a:pPr>
-            <a:r>
-              <a:rPr lang="zh-CN" altLang="en-US" sz="2000" dirty="0">
-                <a:latin typeface="黑体" panose="02010609060101010101" pitchFamily="49" charset="-122"/>
-                <a:ea typeface="黑体" panose="02010609060101010101" pitchFamily="49" charset="-122"/>
-              </a:rPr>
-              <a:t>在低能区符合良好</a:t>
-            </a:r>
-            <a:r>
-              <a:rPr lang="en-US" altLang="zh-CN" sz="2000" dirty="0">
-                <a:latin typeface="黑体" panose="02010609060101010101" pitchFamily="49" charset="-122"/>
-                <a:ea typeface="黑体" panose="02010609060101010101" pitchFamily="49" charset="-122"/>
-              </a:rPr>
-              <a:t>,</a:t>
-            </a:r>
-            <a:r>
-              <a:rPr lang="zh-CN" altLang="en-US" sz="2000" dirty="0">
-                <a:latin typeface="黑体" panose="02010609060101010101" pitchFamily="49" charset="-122"/>
-                <a:ea typeface="黑体" panose="02010609060101010101" pitchFamily="49" charset="-122"/>
-              </a:rPr>
-              <a:t>在高能区仍有一定偏差</a:t>
-            </a:r>
-            <a:r>
-              <a:rPr lang="en-US" altLang="zh-CN" sz="2000" dirty="0">
-                <a:latin typeface="黑体" panose="02010609060101010101" pitchFamily="49" charset="-122"/>
-                <a:ea typeface="黑体" panose="02010609060101010101" pitchFamily="49" charset="-122"/>
-              </a:rPr>
-              <a:t>,</a:t>
-            </a:r>
-            <a:r>
-              <a:rPr lang="zh-CN" altLang="en-US" sz="2000" dirty="0">
-                <a:latin typeface="黑体" panose="02010609060101010101" pitchFamily="49" charset="-122"/>
-                <a:ea typeface="黑体" panose="02010609060101010101" pitchFamily="49" charset="-122"/>
-              </a:rPr>
-              <a:t>两倍平均自由程时最大偏差约为</a:t>
-            </a:r>
-            <a:r>
-              <a:rPr lang="en-US" altLang="zh-CN" sz="2000" dirty="0">
-                <a:latin typeface="黑体" panose="02010609060101010101" pitchFamily="49" charset="-122"/>
-                <a:ea typeface="黑体" panose="02010609060101010101" pitchFamily="49" charset="-122"/>
-              </a:rPr>
-              <a:t>22%</a:t>
-            </a:r>
-            <a:endParaRPr lang="en-US" altLang="zh-CN" sz="2000" dirty="0">
-              <a:latin typeface="黑体" panose="02010609060101010101" pitchFamily="49" charset="-122"/>
-              <a:ea typeface="黑体" panose="02010609060101010101" pitchFamily="49" charset="-122"/>
-            </a:endParaRPr>
-          </a:p>
-        </p:txBody>
-      </p:sp>
       <p:pic>
         <p:nvPicPr>
-          <p:cNvPr id="25" name="图片 24" descr="Pb2mud0302"/>
+          <p:cNvPr id="11" name="图片 10"/>
           <p:cNvPicPr>
             <a:picLocks noChangeAspect="1"/>
           </p:cNvPicPr>
@@ -10102,56 +9932,341 @@
         </p:nvPicPr>
         <p:blipFill>
           <a:blip r:embed="rId1"/>
+          <a:srcRect l="6858" t="5920" r="5208"/>
           <a:stretch>
             <a:fillRect/>
           </a:stretch>
         </p:blipFill>
         <p:spPr>
           <a:xfrm>
-            <a:off x="107950" y="1844675"/>
-            <a:ext cx="4546600" cy="3513455"/>
+            <a:off x="4845050" y="2060575"/>
+            <a:ext cx="4298950" cy="3592830"/>
           </a:xfrm>
           <a:prstGeom prst="rect">
             <a:avLst/>
           </a:prstGeom>
         </p:spPr>
       </p:pic>
-      <p:pic>
-        <p:nvPicPr>
-          <p:cNvPr id="26" name="图片 25" descr="Pb4mud0302"/>
-          <p:cNvPicPr>
-            <a:picLocks noChangeAspect="1"/>
-          </p:cNvPicPr>
+      <p:sp>
+        <p:nvSpPr>
+          <p:cNvPr id="15" name="文本框 14"/>
+          <p:cNvSpPr txBox="1"/>
           <p:nvPr/>
-        </p:nvPicPr>
-        <p:blipFill>
-          <a:blip r:embed="rId2"/>
-          <a:stretch>
-            <a:fillRect/>
-          </a:stretch>
-        </p:blipFill>
-        <p:spPr>
-          <a:xfrm>
-            <a:off x="4427855" y="1844675"/>
-            <a:ext cx="4583430" cy="3541395"/>
+        </p:nvSpPr>
+        <p:spPr>
+          <a:xfrm>
+            <a:off x="323850" y="1988820"/>
+            <a:ext cx="3966210" cy="968375"/>
           </a:xfrm>
           <a:prstGeom prst="rect">
             <a:avLst/>
           </a:prstGeom>
-        </p:spPr>
-      </p:pic>
+          <a:noFill/>
+        </p:spPr>
+        <p:txBody>
+          <a:bodyPr wrap="square" rtlCol="0">
+            <a:spAutoFit/>
+          </a:bodyPr>
+          <a:p>
+            <a:pPr>
+              <a:lnSpc>
+                <a:spcPct val="150000"/>
+              </a:lnSpc>
+              <a:buNone/>
+            </a:pPr>
+            <a:r>
+              <a:rPr lang="en-US" altLang="zh-CN" sz="2000" dirty="0">
+                <a:latin typeface="黑体" panose="02010609060101010101" pitchFamily="49" charset="-122"/>
+                <a:ea typeface="黑体" panose="02010609060101010101" pitchFamily="49" charset="-122"/>
+                <a:sym typeface="+mn-ea"/>
+              </a:rPr>
+              <a:t>1. </a:t>
+            </a:r>
+            <a:r>
+              <a:rPr lang="zh-CN" altLang="en-US" sz="2000" dirty="0">
+                <a:latin typeface="黑体" panose="02010609060101010101" pitchFamily="49" charset="-122"/>
+                <a:ea typeface="黑体" panose="02010609060101010101" pitchFamily="49" charset="-122"/>
+              </a:rPr>
+              <a:t>建模  </a:t>
+            </a:r>
+            <a:r>
+              <a:rPr lang="zh-CN" altLang="en-US" sz="1800" kern="100" dirty="0">
+                <a:latin typeface="Times New Roman" panose="02020603050405020304" pitchFamily="18" charset="0"/>
+                <a:cs typeface="Times New Roman" panose="02020603050405020304" pitchFamily="18" charset="0"/>
+              </a:rPr>
+              <a:t>建立作为屏蔽物质</a:t>
+            </a:r>
+            <a:r>
+              <a:rPr lang="en-US" altLang="zh-CN" sz="1800" kern="100" dirty="0">
+                <a:latin typeface="Times New Roman" panose="02020603050405020304" pitchFamily="18" charset="0"/>
+                <a:cs typeface="Times New Roman" panose="02020603050405020304" pitchFamily="18" charset="0"/>
+              </a:rPr>
+              <a:t>Pb</a:t>
+            </a:r>
+            <a:r>
+              <a:rPr lang="zh-CN" altLang="en-US" sz="1800" kern="100" dirty="0">
+                <a:latin typeface="Times New Roman" panose="02020603050405020304" pitchFamily="18" charset="0"/>
+                <a:cs typeface="Times New Roman" panose="02020603050405020304" pitchFamily="18" charset="0"/>
+              </a:rPr>
+              <a:t>无限大介质</a:t>
+            </a:r>
+            <a:r>
+              <a:rPr lang="en-US" altLang="zh-CN" sz="1800" kern="100" dirty="0">
+                <a:latin typeface="Times New Roman" panose="02020603050405020304" pitchFamily="18" charset="0"/>
+                <a:cs typeface="Times New Roman" panose="02020603050405020304" pitchFamily="18" charset="0"/>
+              </a:rPr>
+              <a:t>,</a:t>
+            </a:r>
+            <a:r>
+              <a:rPr lang="zh-CN" altLang="en-US" sz="1800" kern="100" dirty="0">
+                <a:latin typeface="Times New Roman" panose="02020603050405020304" pitchFamily="18" charset="0"/>
+                <a:cs typeface="Times New Roman" panose="02020603050405020304" pitchFamily="18" charset="0"/>
+              </a:rPr>
+              <a:t>与作为探测器的真空球壳模型</a:t>
+            </a:r>
+            <a:endParaRPr lang="en-US" altLang="zh-CN" sz="1800" kern="100" dirty="0">
+              <a:latin typeface="Times New Roman" panose="02020603050405020304" pitchFamily="18" charset="0"/>
+              <a:cs typeface="Times New Roman" panose="02020603050405020304" pitchFamily="18" charset="0"/>
+            </a:endParaRPr>
+          </a:p>
+        </p:txBody>
+      </p:sp>
+      <p:sp>
+        <p:nvSpPr>
+          <p:cNvPr id="35" name="文本框 34"/>
+          <p:cNvSpPr txBox="1"/>
+          <p:nvPr/>
+        </p:nvSpPr>
+        <p:spPr>
+          <a:xfrm>
+            <a:off x="297815" y="3068955"/>
+            <a:ext cx="3735070" cy="1383665"/>
+          </a:xfrm>
+          <a:prstGeom prst="rect">
+            <a:avLst/>
+          </a:prstGeom>
+          <a:noFill/>
+        </p:spPr>
+        <p:txBody>
+          <a:bodyPr wrap="square" rtlCol="0">
+            <a:spAutoFit/>
+          </a:bodyPr>
+          <a:p>
+            <a:pPr>
+              <a:lnSpc>
+                <a:spcPct val="150000"/>
+              </a:lnSpc>
+            </a:pPr>
+            <a:r>
+              <a:rPr lang="en-US" altLang="zh-CN" sz="2000" dirty="0">
+                <a:latin typeface="黑体" panose="02010609060101010101" pitchFamily="49" charset="-122"/>
+                <a:ea typeface="黑体" panose="02010609060101010101" pitchFamily="49" charset="-122"/>
+              </a:rPr>
+              <a:t>2. </a:t>
+            </a:r>
+            <a:r>
+              <a:rPr lang="zh-CN" altLang="zh-CN" sz="2000" kern="100" dirty="0">
+                <a:effectLst/>
+                <a:latin typeface="黑体" panose="02010609060101010101" pitchFamily="49" charset="-122"/>
+                <a:ea typeface="黑体" panose="02010609060101010101" pitchFamily="49" charset="-122"/>
+                <a:cs typeface="Times New Roman" panose="02020603050405020304" pitchFamily="18" charset="0"/>
+              </a:rPr>
+              <a:t>统计粒子数</a:t>
+            </a:r>
+            <a:r>
+              <a:rPr lang="en-US" altLang="zh-CN" sz="2000" kern="100" dirty="0">
+                <a:effectLst/>
+                <a:latin typeface="黑体" panose="02010609060101010101" pitchFamily="49" charset="-122"/>
+                <a:ea typeface="黑体" panose="02010609060101010101" pitchFamily="49" charset="-122"/>
+                <a:cs typeface="Times New Roman" panose="02020603050405020304" pitchFamily="18" charset="0"/>
+              </a:rPr>
+              <a:t>  </a:t>
+            </a:r>
+            <a:r>
+              <a:rPr lang="zh-CN" kern="100" dirty="0">
+                <a:latin typeface="Times New Roman" panose="02020603050405020304" pitchFamily="18" charset="0"/>
+                <a:cs typeface="Times New Roman" panose="02020603050405020304" pitchFamily="18" charset="0"/>
+              </a:rPr>
+              <a:t>改写程序</a:t>
+            </a:r>
+            <a:r>
+              <a:rPr lang="zh-CN" altLang="en-US" kern="100" dirty="0">
+                <a:latin typeface="Times New Roman" panose="02020603050405020304" pitchFamily="18" charset="0"/>
+                <a:cs typeface="Times New Roman" panose="02020603050405020304" pitchFamily="18" charset="0"/>
+              </a:rPr>
+              <a:t>，输出未经散射直接到达探测器的光子数与所有到达探测器的光子数</a:t>
+            </a:r>
+            <a:endParaRPr lang="zh-CN" altLang="en-US" kern="100" dirty="0">
+              <a:latin typeface="Times New Roman" panose="02020603050405020304" pitchFamily="18" charset="0"/>
+              <a:cs typeface="Times New Roman" panose="02020603050405020304" pitchFamily="18" charset="0"/>
+            </a:endParaRPr>
+          </a:p>
+        </p:txBody>
+      </p:sp>
+      <p:sp>
+        <p:nvSpPr>
+          <p:cNvPr id="43" name="文本框 42"/>
+          <p:cNvSpPr txBox="1"/>
+          <p:nvPr/>
+        </p:nvSpPr>
+        <p:spPr>
+          <a:xfrm>
+            <a:off x="282575" y="4436745"/>
+            <a:ext cx="4093210" cy="1276350"/>
+          </a:xfrm>
+          <a:prstGeom prst="rect">
+            <a:avLst/>
+          </a:prstGeom>
+          <a:noFill/>
+        </p:spPr>
+        <p:txBody>
+          <a:bodyPr wrap="square" rtlCol="0">
+            <a:spAutoFit/>
+          </a:bodyPr>
+          <a:p>
+            <a:pPr rtl="0">
+              <a:lnSpc>
+                <a:spcPct val="150000"/>
+              </a:lnSpc>
+            </a:pPr>
+            <a:r>
+              <a:rPr lang="en-US" altLang="zh-CN" sz="2000" kern="100" dirty="0">
+                <a:latin typeface="黑体" panose="02010609060101010101" pitchFamily="49" charset="-122"/>
+                <a:ea typeface="黑体" panose="02010609060101010101" pitchFamily="49" charset="-122"/>
+                <a:cs typeface="Times New Roman" panose="02020603050405020304" pitchFamily="18" charset="0"/>
+              </a:rPr>
+              <a:t>3. </a:t>
+            </a:r>
+            <a:r>
+              <a:rPr lang="zh-CN" altLang="en-US" sz="2000" kern="100" dirty="0">
+                <a:latin typeface="黑体" panose="02010609060101010101" pitchFamily="49" charset="-122"/>
+                <a:ea typeface="黑体" panose="02010609060101010101" pitchFamily="49" charset="-122"/>
+                <a:cs typeface="Times New Roman" panose="02020603050405020304" pitchFamily="18" charset="0"/>
+              </a:rPr>
+              <a:t>改变参数  </a:t>
+            </a:r>
+            <a:r>
+              <a:rPr kumimoji="0" lang="zh-CN" altLang="en-US" b="0" i="0" u="none" strike="noStrike" cap="none" normalizeH="0" baseline="0" dirty="0">
+                <a:ln>
+                  <a:noFill/>
+                </a:ln>
+                <a:solidFill>
+                  <a:schemeClr val="tx1"/>
+                </a:solidFill>
+                <a:effectLst/>
+                <a:latin typeface="宋体" pitchFamily="2" charset="-122"/>
+                <a:ea typeface="宋体" pitchFamily="2" charset="-122"/>
+                <a:cs typeface="Times New Roman" panose="02020603050405020304" pitchFamily="18" charset="0"/>
+              </a:rPr>
+              <a:t>改变入射光子能量与相应的屏蔽厚度，重复仿真过程</a:t>
+            </a:r>
+            <a:endParaRPr kumimoji="0" lang="zh-CN" altLang="en-US" b="0" i="0" u="none" strike="noStrike" cap="none" normalizeH="0" baseline="0" dirty="0">
+              <a:ln>
+                <a:noFill/>
+              </a:ln>
+              <a:solidFill>
+                <a:schemeClr val="tx1"/>
+              </a:solidFill>
+              <a:effectLst/>
+              <a:latin typeface="Arial" panose="02080604020202020204" pitchFamily="34" charset="0"/>
+            </a:endParaRPr>
+          </a:p>
+          <a:p>
+            <a:r>
+              <a:rPr lang="zh-CN" altLang="en-US" sz="2000" kern="100" dirty="0">
+                <a:latin typeface="黑体" panose="02010609060101010101" pitchFamily="49" charset="-122"/>
+                <a:ea typeface="黑体" panose="02010609060101010101" pitchFamily="49" charset="-122"/>
+                <a:cs typeface="Times New Roman" panose="02020603050405020304" pitchFamily="18" charset="0"/>
+              </a:rPr>
+              <a:t>  </a:t>
+            </a:r>
+            <a:endParaRPr lang="zh-CN" altLang="en-US" sz="2000" kern="100" dirty="0">
+              <a:latin typeface="黑体" panose="02010609060101010101" pitchFamily="49" charset="-122"/>
+              <a:ea typeface="黑体" panose="02010609060101010101" pitchFamily="49" charset="-122"/>
+              <a:cs typeface="Times New Roman" panose="02020603050405020304" pitchFamily="18" charset="0"/>
+            </a:endParaRPr>
+          </a:p>
+        </p:txBody>
+      </p:sp>
+      <p:sp>
+        <p:nvSpPr>
+          <p:cNvPr id="44" name="文本框 43"/>
+          <p:cNvSpPr txBox="1"/>
+          <p:nvPr/>
+        </p:nvSpPr>
+        <p:spPr>
+          <a:xfrm>
+            <a:off x="282575" y="5444490"/>
+            <a:ext cx="4051300" cy="1014730"/>
+          </a:xfrm>
+          <a:prstGeom prst="rect">
+            <a:avLst/>
+          </a:prstGeom>
+          <a:noFill/>
+        </p:spPr>
+        <p:txBody>
+          <a:bodyPr wrap="square" rtlCol="0">
+            <a:spAutoFit/>
+          </a:bodyPr>
+          <a:p>
+            <a:pPr>
+              <a:lnSpc>
+                <a:spcPct val="150000"/>
+              </a:lnSpc>
+            </a:pPr>
+            <a:r>
+              <a:rPr lang="en-US" altLang="zh-CN" sz="2000" kern="100" dirty="0">
+                <a:latin typeface="黑体" panose="02010609060101010101" pitchFamily="49" charset="-122"/>
+                <a:ea typeface="黑体" panose="02010609060101010101" pitchFamily="49" charset="-122"/>
+                <a:cs typeface="Times New Roman" panose="02020603050405020304" pitchFamily="18" charset="0"/>
+              </a:rPr>
+              <a:t>4. </a:t>
+            </a:r>
+            <a:r>
+              <a:rPr lang="zh-CN" altLang="en-US" sz="2000" kern="100" dirty="0">
+                <a:latin typeface="黑体" panose="02010609060101010101" pitchFamily="49" charset="-122"/>
+                <a:ea typeface="黑体" panose="02010609060101010101" pitchFamily="49" charset="-122"/>
+                <a:cs typeface="Times New Roman" panose="02020603050405020304" pitchFamily="18" charset="0"/>
+              </a:rPr>
+              <a:t>得到结果  </a:t>
+            </a:r>
+            <a:r>
+              <a:rPr lang="zh-CN" altLang="en-US" kern="100" dirty="0">
+                <a:latin typeface="+mn-ea"/>
+                <a:ea typeface="+mn-ea"/>
+                <a:cs typeface="Times New Roman" panose="02020603050405020304" pitchFamily="18" charset="0"/>
+              </a:rPr>
+              <a:t>利用前述公式计算仿真得到的累积因子结果</a:t>
+            </a:r>
+            <a:r>
+              <a:rPr lang="en-US" altLang="zh-CN" kern="100" dirty="0">
+                <a:latin typeface="+mn-ea"/>
+                <a:ea typeface="+mn-ea"/>
+                <a:cs typeface="Times New Roman" panose="02020603050405020304" pitchFamily="18" charset="0"/>
+              </a:rPr>
+              <a:t>,</a:t>
+            </a:r>
+            <a:r>
+              <a:rPr lang="zh-CN" altLang="en-US" kern="100" dirty="0">
+                <a:latin typeface="+mn-ea"/>
+                <a:ea typeface="+mn-ea"/>
+                <a:cs typeface="Times New Roman" panose="02020603050405020304" pitchFamily="18" charset="0"/>
+              </a:rPr>
+              <a:t>并与参考值比较</a:t>
+            </a:r>
+            <a:endParaRPr lang="zh-CN" altLang="en-US" sz="2000" kern="100" dirty="0">
+              <a:latin typeface="+mn-ea"/>
+              <a:ea typeface="+mn-ea"/>
+              <a:cs typeface="Times New Roman" panose="02020603050405020304" pitchFamily="18" charset="0"/>
+            </a:endParaRPr>
+          </a:p>
+        </p:txBody>
+      </p:sp>
     </p:spTree>
   </p:cSld>
   <p:clrMapOvr>
     <a:masterClrMapping/>
   </p:clrMapOvr>
-  <p:timing>
-    <p:tnLst>
-      <p:par>
-        <p:cTn id="1" dur="indefinite" restart="never" nodeType="tmRoot"/>
-      </p:par>
-    </p:tnLst>
-  </p:timing>
 </p:sld>
 </file>
 
@@ -10230,14 +10345,14 @@
       </p:sp>
       <p:sp>
         <p:nvSpPr>
-          <p:cNvPr id="3" name="内容占位符 2"/>
+          <p:cNvPr id="8" name="内容占位符 2"/>
           <p:cNvSpPr txBox="1"/>
           <p:nvPr/>
         </p:nvSpPr>
         <p:spPr>
           <a:xfrm>
-            <a:off x="332740" y="1569085"/>
-            <a:ext cx="6390005" cy="461010"/>
+            <a:off x="395459" y="1483210"/>
+            <a:ext cx="7848401" cy="563880"/>
           </a:xfrm>
           <a:prstGeom prst="rect">
             <a:avLst/>
@@ -10426,27 +10541,43 @@
           </a:lstStyle>
           <a:p>
             <a:pPr marL="0" indent="0">
+              <a:spcAft>
+                <a:spcPts val="0"/>
+              </a:spcAft>
               <a:buNone/>
             </a:pPr>
             <a:r>
-              <a:rPr lang="zh-CN" sz="2200" b="1" dirty="0">
+              <a:rPr lang="zh-CN" altLang="en-US" sz="2200" b="1" dirty="0">
                 <a:latin typeface="微软雅黑" panose="020B0503020204020204" pitchFamily="34" charset="-122"/>
                 <a:ea typeface="微软雅黑" panose="020B0503020204020204" pitchFamily="34" charset="-122"/>
-                <a:sym typeface="Calibri" panose="020F0502020204030204" charset="0"/>
-              </a:rPr>
-              <a:t>无限大平板无限大面源理想模型的累计因子仿真</a:t>
+                <a:sym typeface="+mn-ea"/>
+              </a:rPr>
+              <a:t>无限大介质累积因子的仿真计算</a:t>
+            </a:r>
+            <a:r>
+              <a:rPr lang="en-US" altLang="zh-CN" sz="2200" b="1" dirty="0">
+                <a:latin typeface="微软雅黑" panose="020B0503020204020204" pitchFamily="34" charset="-122"/>
+                <a:ea typeface="微软雅黑" panose="020B0503020204020204" pitchFamily="34" charset="-122"/>
+              </a:rPr>
+              <a:t>——</a:t>
+            </a:r>
+            <a:r>
+              <a:rPr lang="zh-CN" altLang="en-US" sz="2200" b="1" dirty="0">
+                <a:latin typeface="微软雅黑" panose="020B0503020204020204" pitchFamily="34" charset="-122"/>
+                <a:ea typeface="微软雅黑" panose="020B0503020204020204" pitchFamily="34" charset="-122"/>
+              </a:rPr>
+              <a:t>验证结果</a:t>
             </a:r>
             <a:endParaRPr lang="en-US" altLang="zh-CN" sz="2200" b="1" dirty="0">
               <a:latin typeface="微软雅黑" panose="020B0503020204020204" pitchFamily="34" charset="-122"/>
               <a:ea typeface="微软雅黑" panose="020B0503020204020204" pitchFamily="34" charset="-122"/>
-              <a:sym typeface="Calibri" panose="020F0502020204030204" charset="0"/>
             </a:endParaRPr>
           </a:p>
         </p:txBody>
       </p:sp>
       <p:sp>
         <p:nvSpPr>
-          <p:cNvPr id="4" name="灯片编号占位符 3"/>
+          <p:cNvPr id="3" name="灯片编号占位符 2"/>
           <p:cNvSpPr>
             <a:spLocks noGrp="1"/>
           </p:cNvSpPr>
@@ -10456,7 +10587,7 @@
         </p:nvSpPr>
         <p:spPr>
           <a:xfrm>
-            <a:off x="6882267" y="6251275"/>
+            <a:off x="6751000" y="6207619"/>
             <a:ext cx="2133600" cy="365125"/>
           </a:xfrm>
         </p:spPr>
@@ -10474,440 +10605,124 @@
           </a:p>
         </p:txBody>
       </p:sp>
+      <p:sp>
+        <p:nvSpPr>
+          <p:cNvPr id="37" name="文本框 36"/>
+          <p:cNvSpPr txBox="1"/>
+          <p:nvPr/>
+        </p:nvSpPr>
+        <p:spPr>
+          <a:xfrm>
+            <a:off x="1259840" y="5300980"/>
+            <a:ext cx="6562725" cy="1014730"/>
+          </a:xfrm>
+          <a:prstGeom prst="rect">
+            <a:avLst/>
+          </a:prstGeom>
+          <a:noFill/>
+        </p:spPr>
+        <p:txBody>
+          <a:bodyPr wrap="square" rtlCol="0">
+            <a:spAutoFit/>
+          </a:bodyPr>
+          <a:p>
+            <a:pPr algn="ctr">
+              <a:lnSpc>
+                <a:spcPct val="150000"/>
+              </a:lnSpc>
+              <a:buNone/>
+            </a:pPr>
+            <a:r>
+              <a:rPr lang="zh-CN" altLang="en-US" sz="2000" dirty="0">
+                <a:latin typeface="黑体" panose="02010609060101010101" pitchFamily="49" charset="-122"/>
+                <a:ea typeface="黑体" panose="02010609060101010101" pitchFamily="49" charset="-122"/>
+              </a:rPr>
+              <a:t>在低能区符合良好</a:t>
+            </a:r>
+            <a:r>
+              <a:rPr lang="en-US" altLang="zh-CN" sz="2000" dirty="0">
+                <a:latin typeface="黑体" panose="02010609060101010101" pitchFamily="49" charset="-122"/>
+                <a:ea typeface="黑体" panose="02010609060101010101" pitchFamily="49" charset="-122"/>
+              </a:rPr>
+              <a:t>,</a:t>
+            </a:r>
+            <a:r>
+              <a:rPr lang="zh-CN" altLang="en-US" sz="2000" dirty="0">
+                <a:latin typeface="黑体" panose="02010609060101010101" pitchFamily="49" charset="-122"/>
+                <a:ea typeface="黑体" panose="02010609060101010101" pitchFamily="49" charset="-122"/>
+              </a:rPr>
+              <a:t>在高能区仍有一定偏差</a:t>
+            </a:r>
+            <a:r>
+              <a:rPr lang="en-US" altLang="zh-CN" sz="2000" dirty="0">
+                <a:latin typeface="黑体" panose="02010609060101010101" pitchFamily="49" charset="-122"/>
+                <a:ea typeface="黑体" panose="02010609060101010101" pitchFamily="49" charset="-122"/>
+              </a:rPr>
+              <a:t>,</a:t>
+            </a:r>
+            <a:r>
+              <a:rPr lang="zh-CN" altLang="en-US" sz="2000" dirty="0">
+                <a:latin typeface="黑体" panose="02010609060101010101" pitchFamily="49" charset="-122"/>
+                <a:ea typeface="黑体" panose="02010609060101010101" pitchFamily="49" charset="-122"/>
+              </a:rPr>
+              <a:t>两倍平均自由程时最大偏差约为</a:t>
+            </a:r>
+            <a:r>
+              <a:rPr lang="en-US" altLang="zh-CN" sz="2000" dirty="0">
+                <a:latin typeface="黑体" panose="02010609060101010101" pitchFamily="49" charset="-122"/>
+                <a:ea typeface="黑体" panose="02010609060101010101" pitchFamily="49" charset="-122"/>
+              </a:rPr>
+              <a:t>22%</a:t>
+            </a:r>
+            <a:endParaRPr lang="en-US" altLang="zh-CN" sz="2000" dirty="0">
+              <a:latin typeface="黑体" panose="02010609060101010101" pitchFamily="49" charset="-122"/>
+              <a:ea typeface="黑体" panose="02010609060101010101" pitchFamily="49" charset="-122"/>
+            </a:endParaRPr>
+          </a:p>
+        </p:txBody>
+      </p:sp>
       <p:pic>
         <p:nvPicPr>
-          <p:cNvPr id="5" name="图片 4" descr="infplane"/>
+          <p:cNvPr id="4" name="图片 3" descr="Pb4mud0302"/>
           <p:cNvPicPr>
             <a:picLocks noChangeAspect="1"/>
           </p:cNvPicPr>
           <p:nvPr/>
         </p:nvPicPr>
         <p:blipFill>
-          <a:blip r:embed="rId1">
-            <a:extLst>
-              <a:ext uri="{96DAC541-7B7A-43D3-8B79-37D633B846F1}">
-                <asvg:svgBlip xmlns:asvg="http://schemas.microsoft.com/office/drawing/2016/SVG/main" r:embed="rId2"/>
-              </a:ext>
-            </a:extLst>
-          </a:blip>
+          <a:blip r:embed="rId1"/>
           <a:stretch>
             <a:fillRect/>
           </a:stretch>
         </p:blipFill>
         <p:spPr>
           <a:xfrm>
-            <a:off x="467995" y="2073275"/>
-            <a:ext cx="2730500" cy="3863975"/>
+            <a:off x="4500245" y="2047240"/>
+            <a:ext cx="4070350" cy="3145790"/>
           </a:xfrm>
           <a:prstGeom prst="rect">
             <a:avLst/>
           </a:prstGeom>
         </p:spPr>
       </p:pic>
-      <p:sp>
-        <p:nvSpPr>
-          <p:cNvPr id="37" name="文本框 36"/>
-          <p:cNvSpPr txBox="1"/>
-          <p:nvPr/>
-        </p:nvSpPr>
-        <p:spPr>
-          <a:xfrm>
-            <a:off x="4427855" y="1988820"/>
-            <a:ext cx="3782695" cy="2399665"/>
-          </a:xfrm>
-          <a:prstGeom prst="rect">
-            <a:avLst/>
-          </a:prstGeom>
-          <a:noFill/>
-        </p:spPr>
-        <p:txBody>
-          <a:bodyPr wrap="square" rtlCol="0">
-            <a:spAutoFit/>
-          </a:bodyPr>
-          <a:p>
-            <a:pPr marL="342900" indent="-342900" algn="l">
-              <a:lnSpc>
-                <a:spcPct val="150000"/>
-              </a:lnSpc>
-              <a:buFont typeface="Arial" panose="02080604020202020204" pitchFamily="34" charset="0"/>
-              <a:buChar char="•"/>
-            </a:pPr>
-            <a:r>
-              <a:rPr lang="zh-CN" sz="2000" dirty="0">
-                <a:latin typeface="黑体" panose="02010609060101010101" pitchFamily="49" charset="-122"/>
-                <a:ea typeface="黑体" panose="02010609060101010101" pitchFamily="49" charset="-122"/>
-              </a:rPr>
-              <a:t>每一点微元发射的伽玛光子在屏蔽物质中发生散射的概率是相等的</a:t>
-            </a:r>
-            <a:endParaRPr lang="zh-CN" sz="2000" dirty="0">
-              <a:latin typeface="黑体" panose="02010609060101010101" pitchFamily="49" charset="-122"/>
-              <a:ea typeface="黑体" panose="02010609060101010101" pitchFamily="49" charset="-122"/>
-            </a:endParaRPr>
-          </a:p>
-          <a:p>
-            <a:pPr marL="342900" indent="-342900" algn="l">
-              <a:lnSpc>
-                <a:spcPct val="150000"/>
-              </a:lnSpc>
-              <a:buFont typeface="Arial" panose="02080604020202020204" pitchFamily="34" charset="0"/>
-              <a:buChar char="•"/>
-            </a:pPr>
-            <a:r>
-              <a:rPr lang="zh-CN" altLang="en-US" sz="2000" dirty="0">
-                <a:latin typeface="黑体" panose="02010609060101010101" pitchFamily="49" charset="-122"/>
-                <a:ea typeface="黑体" panose="02010609060101010101" pitchFamily="49" charset="-122"/>
-              </a:rPr>
-              <a:t>无论是否经过散射</a:t>
-            </a:r>
-            <a:r>
-              <a:rPr lang="en-US" altLang="zh-CN" sz="2000" dirty="0">
-                <a:latin typeface="黑体" panose="02010609060101010101" pitchFamily="49" charset="-122"/>
-                <a:ea typeface="黑体" panose="02010609060101010101" pitchFamily="49" charset="-122"/>
-              </a:rPr>
-              <a:t>,</a:t>
-            </a:r>
-            <a:r>
-              <a:rPr lang="zh-CN" altLang="en-US" sz="2000" dirty="0">
-                <a:latin typeface="黑体" panose="02010609060101010101" pitchFamily="49" charset="-122"/>
-                <a:ea typeface="黑体" panose="02010609060101010101" pitchFamily="49" charset="-122"/>
-              </a:rPr>
-              <a:t>所有伽玛光子都会到达探测器</a:t>
-            </a:r>
-            <a:endParaRPr lang="zh-CN" altLang="en-US" sz="2000" dirty="0">
-              <a:latin typeface="黑体" panose="02010609060101010101" pitchFamily="49" charset="-122"/>
-              <a:ea typeface="黑体" panose="02010609060101010101" pitchFamily="49" charset="-122"/>
-            </a:endParaRPr>
-          </a:p>
-        </p:txBody>
-      </p:sp>
-      <p:sp>
-        <p:nvSpPr>
-          <p:cNvPr id="7" name="文本框 6"/>
-          <p:cNvSpPr txBox="1"/>
-          <p:nvPr/>
-        </p:nvSpPr>
-        <p:spPr>
-          <a:xfrm>
-            <a:off x="3564255" y="5231130"/>
-            <a:ext cx="2602865" cy="1337945"/>
-          </a:xfrm>
-          <a:prstGeom prst="rect">
-            <a:avLst/>
-          </a:prstGeom>
-          <a:noFill/>
-        </p:spPr>
-        <p:txBody>
-          <a:bodyPr wrap="square" rtlCol="0">
-            <a:spAutoFit/>
-          </a:bodyPr>
-          <a:p>
-            <a:pPr algn="l">
-              <a:lnSpc>
-                <a:spcPct val="150000"/>
-              </a:lnSpc>
-              <a:buNone/>
-            </a:pPr>
-            <a:r>
-              <a:rPr lang="zh-CN" sz="1800" dirty="0">
-                <a:latin typeface="黑体" panose="02010609060101010101" pitchFamily="49" charset="-122"/>
-                <a:ea typeface="黑体" panose="02010609060101010101" pitchFamily="49" charset="-122"/>
-              </a:rPr>
-              <a:t>无限大面源的累计因子与一单向点源的累计因子理论上相等</a:t>
-            </a:r>
-            <a:endParaRPr lang="zh-CN" altLang="en-US" sz="1800" dirty="0">
-              <a:latin typeface="黑体" panose="02010609060101010101" pitchFamily="49" charset="-122"/>
-              <a:ea typeface="黑体" panose="02010609060101010101" pitchFamily="49" charset="-122"/>
-            </a:endParaRPr>
-          </a:p>
-        </p:txBody>
-      </p:sp>
-      <p:sp>
-        <p:nvSpPr>
-          <p:cNvPr id="8" name="文本框 7"/>
-          <p:cNvSpPr txBox="1"/>
-          <p:nvPr/>
-        </p:nvSpPr>
-        <p:spPr>
-          <a:xfrm>
-            <a:off x="6659880" y="5661025"/>
-            <a:ext cx="2493010" cy="478155"/>
-          </a:xfrm>
-          <a:prstGeom prst="rect">
-            <a:avLst/>
-          </a:prstGeom>
-          <a:noFill/>
-        </p:spPr>
-        <p:txBody>
-          <a:bodyPr wrap="square" rtlCol="0">
-            <a:spAutoFit/>
-          </a:bodyPr>
-          <a:p>
-            <a:pPr algn="ctr">
-              <a:lnSpc>
-                <a:spcPct val="140000"/>
-              </a:lnSpc>
-              <a:buNone/>
-            </a:pPr>
-            <a:r>
-              <a:rPr lang="zh-CN" sz="1800" dirty="0">
-                <a:latin typeface="黑体" panose="02010609060101010101" pitchFamily="49" charset="-122"/>
-                <a:ea typeface="黑体" panose="02010609060101010101" pitchFamily="49" charset="-122"/>
-              </a:rPr>
-              <a:t>有进行理论计算的可能</a:t>
-            </a:r>
-            <a:endParaRPr lang="zh-CN" altLang="en-US" sz="1800" dirty="0">
-              <a:latin typeface="黑体" panose="02010609060101010101" pitchFamily="49" charset="-122"/>
-              <a:ea typeface="黑体" panose="02010609060101010101" pitchFamily="49" charset="-122"/>
-            </a:endParaRPr>
-          </a:p>
-        </p:txBody>
-      </p:sp>
-      <p:cxnSp>
-        <p:nvCxnSpPr>
-          <p:cNvPr id="12" name="直接箭头连接符 11"/>
-          <p:cNvCxnSpPr>
-            <a:stCxn id="7" idx="3"/>
-            <a:endCxn id="8" idx="1"/>
-          </p:cNvCxnSpPr>
-          <p:nvPr/>
-        </p:nvCxnSpPr>
-        <p:spPr>
-          <a:xfrm>
-            <a:off x="6167120" y="5900420"/>
-            <a:ext cx="492760" cy="0"/>
-          </a:xfrm>
-          <a:prstGeom prst="straightConnector1">
-            <a:avLst/>
-          </a:prstGeom>
-          <a:ln>
-            <a:tailEnd type="arrow" w="med" len="med"/>
-          </a:ln>
-        </p:spPr>
-        <p:style>
-          <a:lnRef idx="3">
-            <a:schemeClr val="dk1"/>
-          </a:lnRef>
-          <a:fillRef idx="0">
-            <a:schemeClr val="dk1"/>
-          </a:fillRef>
-          <a:effectRef idx="2">
-            <a:schemeClr val="dk1"/>
-          </a:effectRef>
-          <a:fontRef idx="minor">
-            <a:schemeClr val="tx1"/>
-          </a:fontRef>
-        </p:style>
-      </p:cxnSp>
-      <p:cxnSp>
-        <p:nvCxnSpPr>
-          <p:cNvPr id="13" name="直接连接符 12"/>
-          <p:cNvCxnSpPr/>
-          <p:nvPr/>
-        </p:nvCxnSpPr>
-        <p:spPr>
-          <a:xfrm flipH="1">
-            <a:off x="683895" y="2204720"/>
-            <a:ext cx="8255" cy="3600450"/>
-          </a:xfrm>
-          <a:prstGeom prst="line">
-            <a:avLst/>
-          </a:prstGeom>
-        </p:spPr>
-        <p:style>
-          <a:lnRef idx="3">
-            <a:schemeClr val="dk1"/>
-          </a:lnRef>
-          <a:fillRef idx="0">
-            <a:schemeClr val="dk1"/>
-          </a:fillRef>
-          <a:effectRef idx="2">
-            <a:schemeClr val="dk1"/>
-          </a:effectRef>
-          <a:fontRef idx="minor">
-            <a:schemeClr val="tx1"/>
-          </a:fontRef>
-        </p:style>
-      </p:cxnSp>
-      <p:cxnSp>
-        <p:nvCxnSpPr>
-          <p:cNvPr id="15" name="直接连接符 14"/>
-          <p:cNvCxnSpPr/>
-          <p:nvPr/>
-        </p:nvCxnSpPr>
-        <p:spPr>
-          <a:xfrm flipH="1">
-            <a:off x="3060065" y="2205355"/>
-            <a:ext cx="8255" cy="3600450"/>
-          </a:xfrm>
-          <a:prstGeom prst="line">
-            <a:avLst/>
-          </a:prstGeom>
-        </p:spPr>
-        <p:style>
-          <a:lnRef idx="3">
-            <a:schemeClr val="dk1"/>
-          </a:lnRef>
-          <a:fillRef idx="0">
-            <a:schemeClr val="dk1"/>
-          </a:fillRef>
-          <a:effectRef idx="2">
-            <a:schemeClr val="dk1"/>
-          </a:effectRef>
-          <a:fontRef idx="minor">
-            <a:schemeClr val="tx1"/>
-          </a:fontRef>
-        </p:style>
-      </p:cxnSp>
-      <p:sp>
-        <p:nvSpPr>
-          <p:cNvPr id="16" name="文本框 15"/>
-          <p:cNvSpPr txBox="1"/>
-          <p:nvPr/>
-        </p:nvSpPr>
-        <p:spPr>
-          <a:xfrm>
-            <a:off x="251460" y="5900420"/>
-            <a:ext cx="673735" cy="506730"/>
-          </a:xfrm>
-          <a:prstGeom prst="rect">
-            <a:avLst/>
-          </a:prstGeom>
-          <a:noFill/>
-        </p:spPr>
-        <p:txBody>
-          <a:bodyPr wrap="square" rtlCol="0">
-            <a:spAutoFit/>
-          </a:bodyPr>
-          <a:p>
-            <a:pPr algn="l">
-              <a:lnSpc>
-                <a:spcPct val="150000"/>
-              </a:lnSpc>
-              <a:buNone/>
-            </a:pPr>
-            <a:r>
-              <a:rPr lang="zh-CN" sz="1800" dirty="0">
-                <a:latin typeface="黑体" panose="02010609060101010101" pitchFamily="49" charset="-122"/>
-                <a:ea typeface="黑体" panose="02010609060101010101" pitchFamily="49" charset="-122"/>
-              </a:rPr>
-              <a:t>面源</a:t>
-            </a:r>
-            <a:endParaRPr lang="zh-CN" altLang="en-US" sz="1800" dirty="0">
-              <a:latin typeface="黑体" panose="02010609060101010101" pitchFamily="49" charset="-122"/>
-              <a:ea typeface="黑体" panose="02010609060101010101" pitchFamily="49" charset="-122"/>
-            </a:endParaRPr>
-          </a:p>
-        </p:txBody>
-      </p:sp>
-      <p:sp>
-        <p:nvSpPr>
-          <p:cNvPr id="18" name="文本框 17"/>
-          <p:cNvSpPr txBox="1"/>
-          <p:nvPr/>
-        </p:nvSpPr>
-        <p:spPr>
-          <a:xfrm>
-            <a:off x="1475740" y="5805170"/>
-            <a:ext cx="673735" cy="865505"/>
-          </a:xfrm>
-          <a:prstGeom prst="rect">
-            <a:avLst/>
-          </a:prstGeom>
-          <a:noFill/>
-        </p:spPr>
-        <p:txBody>
-          <a:bodyPr wrap="square" rtlCol="0">
-            <a:spAutoFit/>
-          </a:bodyPr>
-          <a:p>
-            <a:pPr algn="l">
-              <a:lnSpc>
-                <a:spcPct val="140000"/>
-              </a:lnSpc>
-              <a:buNone/>
-            </a:pPr>
-            <a:r>
-              <a:rPr lang="zh-CN" sz="1800" dirty="0">
-                <a:latin typeface="黑体" panose="02010609060101010101" pitchFamily="49" charset="-122"/>
-                <a:ea typeface="黑体" panose="02010609060101010101" pitchFamily="49" charset="-122"/>
-              </a:rPr>
-              <a:t>屏蔽物质</a:t>
-            </a:r>
-            <a:endParaRPr lang="zh-CN" altLang="en-US" sz="1800" dirty="0">
-              <a:latin typeface="黑体" panose="02010609060101010101" pitchFamily="49" charset="-122"/>
-              <a:ea typeface="黑体" panose="02010609060101010101" pitchFamily="49" charset="-122"/>
-            </a:endParaRPr>
-          </a:p>
-        </p:txBody>
-      </p:sp>
-      <p:sp>
-        <p:nvSpPr>
-          <p:cNvPr id="19" name="文本框 18"/>
-          <p:cNvSpPr txBox="1"/>
-          <p:nvPr/>
-        </p:nvSpPr>
-        <p:spPr>
-          <a:xfrm>
-            <a:off x="2667000" y="5937250"/>
-            <a:ext cx="925830" cy="506730"/>
-          </a:xfrm>
-          <a:prstGeom prst="rect">
-            <a:avLst/>
-          </a:prstGeom>
-          <a:noFill/>
-        </p:spPr>
-        <p:txBody>
-          <a:bodyPr wrap="square" rtlCol="0">
-            <a:spAutoFit/>
-          </a:bodyPr>
-          <a:p>
-            <a:pPr algn="l">
-              <a:lnSpc>
-                <a:spcPct val="150000"/>
-              </a:lnSpc>
-              <a:buNone/>
-            </a:pPr>
-            <a:r>
-              <a:rPr lang="zh-CN" sz="1800" dirty="0">
-                <a:latin typeface="黑体" panose="02010609060101010101" pitchFamily="49" charset="-122"/>
-                <a:ea typeface="黑体" panose="02010609060101010101" pitchFamily="49" charset="-122"/>
-              </a:rPr>
-              <a:t>探测器</a:t>
-            </a:r>
-            <a:endParaRPr lang="zh-CN" altLang="en-US" sz="1800" dirty="0">
-              <a:latin typeface="黑体" panose="02010609060101010101" pitchFamily="49" charset="-122"/>
-              <a:ea typeface="黑体" panose="02010609060101010101" pitchFamily="49" charset="-122"/>
-            </a:endParaRPr>
-          </a:p>
-        </p:txBody>
-      </p:sp>
       <p:pic>
         <p:nvPicPr>
-          <p:cNvPr id="11" name="图形 10"/>
+          <p:cNvPr id="5" name="图片 4" descr="Pb2mud0302"/>
           <p:cNvPicPr>
             <a:picLocks noChangeAspect="1"/>
           </p:cNvPicPr>
           <p:nvPr/>
         </p:nvPicPr>
         <p:blipFill>
-          <a:blip r:embed="rId3">
-            <a:extLst>
-              <a:ext uri="{28A0092B-C50C-407E-A947-70E740481C1C}">
-                <a14:useLocalDpi xmlns:a14="http://schemas.microsoft.com/office/drawing/2010/main" val="0"/>
-              </a:ext>
-              <a:ext uri="{96DAC541-7B7A-43D3-8B79-37D633B846F1}">
-                <asvg:svgBlip xmlns:asvg="http://schemas.microsoft.com/office/drawing/2016/SVG/main" r:embed="rId4"/>
-              </a:ext>
-            </a:extLst>
-          </a:blip>
+          <a:blip r:embed="rId2"/>
           <a:stretch>
             <a:fillRect/>
           </a:stretch>
         </p:blipFill>
         <p:spPr>
           <a:xfrm>
-            <a:off x="4211776" y="4436736"/>
-            <a:ext cx="3870600" cy="734924"/>
+            <a:off x="467995" y="2047240"/>
+            <a:ext cx="4070350" cy="3145790"/>
           </a:xfrm>
           <a:prstGeom prst="rect">
             <a:avLst/>
@@ -10919,6 +10734,13 @@
   <p:clrMapOvr>
     <a:masterClrMapping/>
   </p:clrMapOvr>
+  <p:timing>
+    <p:tnLst>
+      <p:par>
+        <p:cTn id="1" dur="indefinite" restart="never" nodeType="tmRoot"/>
+      </p:par>
+    </p:tnLst>
+  </p:timing>
 </p:sld>
 </file>
 
@@ -11201,7 +11023,7 @@
                 <a:ea typeface="微软雅黑" panose="020B0503020204020204" pitchFamily="34" charset="-122"/>
                 <a:sym typeface="Calibri" panose="020F0502020204030204" charset="0"/>
               </a:rPr>
-              <a:t>无限大平板无限大面源理想模型的累计因子仿真</a:t>
+              <a:t>无限大平板无限大面源理想模型的累积因子仿真</a:t>
             </a:r>
             <a:endParaRPr lang="en-US" altLang="zh-CN" sz="2200" b="1" dirty="0">
               <a:latin typeface="微软雅黑" panose="020B0503020204020204" pitchFamily="34" charset="-122"/>
@@ -11223,8 +11045,8 @@
         </p:nvSpPr>
         <p:spPr>
           <a:xfrm>
-            <a:off x="6882130" y="6251575"/>
-            <a:ext cx="2268855" cy="414020"/>
+            <a:off x="6882267" y="6251275"/>
+            <a:ext cx="2133600" cy="365125"/>
           </a:xfrm>
         </p:spPr>
         <p:txBody>
@@ -11243,46 +11065,438 @@
       </p:sp>
       <p:pic>
         <p:nvPicPr>
-          <p:cNvPr id="2" name="图片 1" descr="Pb2mud"/>
+          <p:cNvPr id="5" name="图片 4" descr="infplane"/>
           <p:cNvPicPr>
             <a:picLocks noChangeAspect="1"/>
           </p:cNvPicPr>
           <p:nvPr/>
         </p:nvPicPr>
         <p:blipFill>
-          <a:blip r:embed="rId1"/>
+          <a:blip r:embed="rId1">
+            <a:extLst>
+              <a:ext uri="{96DAC541-7B7A-43D3-8B79-37D633B846F1}">
+                <asvg:svgBlip xmlns:asvg="http://schemas.microsoft.com/office/drawing/2016/SVG/main" r:embed="rId2"/>
+              </a:ext>
+            </a:extLst>
+          </a:blip>
           <a:stretch>
             <a:fillRect/>
           </a:stretch>
         </p:blipFill>
         <p:spPr>
           <a:xfrm>
-            <a:off x="251460" y="1956435"/>
-            <a:ext cx="4316730" cy="3336925"/>
+            <a:off x="467995" y="2073275"/>
+            <a:ext cx="2730500" cy="3863975"/>
           </a:xfrm>
           <a:prstGeom prst="rect">
             <a:avLst/>
           </a:prstGeom>
         </p:spPr>
       </p:pic>
+      <p:sp>
+        <p:nvSpPr>
+          <p:cNvPr id="37" name="文本框 36"/>
+          <p:cNvSpPr txBox="1"/>
+          <p:nvPr/>
+        </p:nvSpPr>
+        <p:spPr>
+          <a:xfrm>
+            <a:off x="4427855" y="1988820"/>
+            <a:ext cx="3782695" cy="2399665"/>
+          </a:xfrm>
+          <a:prstGeom prst="rect">
+            <a:avLst/>
+          </a:prstGeom>
+          <a:noFill/>
+        </p:spPr>
+        <p:txBody>
+          <a:bodyPr wrap="square" rtlCol="0">
+            <a:spAutoFit/>
+          </a:bodyPr>
+          <a:p>
+            <a:pPr marL="342900" indent="-342900" algn="l">
+              <a:lnSpc>
+                <a:spcPct val="150000"/>
+              </a:lnSpc>
+              <a:buFont typeface="Arial" panose="02080604020202020204" pitchFamily="34" charset="0"/>
+              <a:buChar char="•"/>
+            </a:pPr>
+            <a:r>
+              <a:rPr lang="zh-CN" sz="2000" dirty="0">
+                <a:latin typeface="黑体" panose="02010609060101010101" pitchFamily="49" charset="-122"/>
+                <a:ea typeface="黑体" panose="02010609060101010101" pitchFamily="49" charset="-122"/>
+              </a:rPr>
+              <a:t>每一点微元发射的伽玛光子在屏蔽物质中发生散射的概率是相等的</a:t>
+            </a:r>
+            <a:endParaRPr lang="zh-CN" sz="2000" dirty="0">
+              <a:latin typeface="黑体" panose="02010609060101010101" pitchFamily="49" charset="-122"/>
+              <a:ea typeface="黑体" panose="02010609060101010101" pitchFamily="49" charset="-122"/>
+            </a:endParaRPr>
+          </a:p>
+          <a:p>
+            <a:pPr marL="342900" indent="-342900" algn="l">
+              <a:lnSpc>
+                <a:spcPct val="150000"/>
+              </a:lnSpc>
+              <a:buFont typeface="Arial" panose="02080604020202020204" pitchFamily="34" charset="0"/>
+              <a:buChar char="•"/>
+            </a:pPr>
+            <a:r>
+              <a:rPr lang="zh-CN" altLang="en-US" sz="2000" dirty="0">
+                <a:latin typeface="黑体" panose="02010609060101010101" pitchFamily="49" charset="-122"/>
+                <a:ea typeface="黑体" panose="02010609060101010101" pitchFamily="49" charset="-122"/>
+              </a:rPr>
+              <a:t>无论是否经过散射</a:t>
+            </a:r>
+            <a:r>
+              <a:rPr lang="en-US" altLang="zh-CN" sz="2000" dirty="0">
+                <a:latin typeface="黑体" panose="02010609060101010101" pitchFamily="49" charset="-122"/>
+                <a:ea typeface="黑体" panose="02010609060101010101" pitchFamily="49" charset="-122"/>
+              </a:rPr>
+              <a:t>,</a:t>
+            </a:r>
+            <a:r>
+              <a:rPr lang="zh-CN" altLang="en-US" sz="2000" dirty="0">
+                <a:latin typeface="黑体" panose="02010609060101010101" pitchFamily="49" charset="-122"/>
+                <a:ea typeface="黑体" panose="02010609060101010101" pitchFamily="49" charset="-122"/>
+              </a:rPr>
+              <a:t>所有伽玛光子都会到达探测器</a:t>
+            </a:r>
+            <a:endParaRPr lang="zh-CN" altLang="en-US" sz="2000" dirty="0">
+              <a:latin typeface="黑体" panose="02010609060101010101" pitchFamily="49" charset="-122"/>
+              <a:ea typeface="黑体" panose="02010609060101010101" pitchFamily="49" charset="-122"/>
+            </a:endParaRPr>
+          </a:p>
+        </p:txBody>
+      </p:sp>
+      <p:sp>
+        <p:nvSpPr>
+          <p:cNvPr id="7" name="文本框 6"/>
+          <p:cNvSpPr txBox="1"/>
+          <p:nvPr/>
+        </p:nvSpPr>
+        <p:spPr>
+          <a:xfrm>
+            <a:off x="3564255" y="5231130"/>
+            <a:ext cx="2602865" cy="1337945"/>
+          </a:xfrm>
+          <a:prstGeom prst="rect">
+            <a:avLst/>
+          </a:prstGeom>
+          <a:noFill/>
+        </p:spPr>
+        <p:txBody>
+          <a:bodyPr wrap="square" rtlCol="0">
+            <a:spAutoFit/>
+          </a:bodyPr>
+          <a:p>
+            <a:pPr algn="l">
+              <a:lnSpc>
+                <a:spcPct val="150000"/>
+              </a:lnSpc>
+              <a:buNone/>
+            </a:pPr>
+            <a:r>
+              <a:rPr lang="zh-CN" sz="1800" dirty="0">
+                <a:latin typeface="黑体" panose="02010609060101010101" pitchFamily="49" charset="-122"/>
+                <a:ea typeface="黑体" panose="02010609060101010101" pitchFamily="49" charset="-122"/>
+              </a:rPr>
+              <a:t>无限大面源的累积因子与一单向点源的累积因子理论上相等</a:t>
+            </a:r>
+            <a:endParaRPr lang="zh-CN" altLang="en-US" sz="1800" dirty="0">
+              <a:latin typeface="黑体" panose="02010609060101010101" pitchFamily="49" charset="-122"/>
+              <a:ea typeface="黑体" panose="02010609060101010101" pitchFamily="49" charset="-122"/>
+            </a:endParaRPr>
+          </a:p>
+        </p:txBody>
+      </p:sp>
+      <p:sp>
+        <p:nvSpPr>
+          <p:cNvPr id="8" name="文本框 7"/>
+          <p:cNvSpPr txBox="1"/>
+          <p:nvPr/>
+        </p:nvSpPr>
+        <p:spPr>
+          <a:xfrm>
+            <a:off x="6659880" y="5661025"/>
+            <a:ext cx="2493010" cy="478155"/>
+          </a:xfrm>
+          <a:prstGeom prst="rect">
+            <a:avLst/>
+          </a:prstGeom>
+          <a:noFill/>
+        </p:spPr>
+        <p:txBody>
+          <a:bodyPr wrap="square" rtlCol="0">
+            <a:spAutoFit/>
+          </a:bodyPr>
+          <a:p>
+            <a:pPr algn="ctr">
+              <a:lnSpc>
+                <a:spcPct val="140000"/>
+              </a:lnSpc>
+              <a:buNone/>
+            </a:pPr>
+            <a:r>
+              <a:rPr lang="zh-CN" sz="1800" dirty="0">
+                <a:latin typeface="黑体" panose="02010609060101010101" pitchFamily="49" charset="-122"/>
+                <a:ea typeface="黑体" panose="02010609060101010101" pitchFamily="49" charset="-122"/>
+              </a:rPr>
+              <a:t>有进行理论计算的可能</a:t>
+            </a:r>
+            <a:endParaRPr lang="zh-CN" altLang="en-US" sz="1800" dirty="0">
+              <a:latin typeface="黑体" panose="02010609060101010101" pitchFamily="49" charset="-122"/>
+              <a:ea typeface="黑体" panose="02010609060101010101" pitchFamily="49" charset="-122"/>
+            </a:endParaRPr>
+          </a:p>
+        </p:txBody>
+      </p:sp>
+      <p:cxnSp>
+        <p:nvCxnSpPr>
+          <p:cNvPr id="12" name="直接箭头连接符 11"/>
+          <p:cNvCxnSpPr>
+            <a:stCxn id="7" idx="3"/>
+            <a:endCxn id="8" idx="1"/>
+          </p:cNvCxnSpPr>
+          <p:nvPr/>
+        </p:nvCxnSpPr>
+        <p:spPr>
+          <a:xfrm>
+            <a:off x="6167120" y="5900420"/>
+            <a:ext cx="492760" cy="0"/>
+          </a:xfrm>
+          <a:prstGeom prst="straightConnector1">
+            <a:avLst/>
+          </a:prstGeom>
+          <a:ln>
+            <a:tailEnd type="arrow" w="med" len="med"/>
+          </a:ln>
+        </p:spPr>
+        <p:style>
+          <a:lnRef idx="3">
+            <a:schemeClr val="dk1"/>
+          </a:lnRef>
+          <a:fillRef idx="0">
+            <a:schemeClr val="dk1"/>
+          </a:fillRef>
+          <a:effectRef idx="2">
+            <a:schemeClr val="dk1"/>
+          </a:effectRef>
+          <a:fontRef idx="minor">
+            <a:schemeClr val="tx1"/>
+          </a:fontRef>
+        </p:style>
+      </p:cxnSp>
+      <p:cxnSp>
+        <p:nvCxnSpPr>
+          <p:cNvPr id="13" name="直接连接符 12"/>
+          <p:cNvCxnSpPr/>
+          <p:nvPr/>
+        </p:nvCxnSpPr>
+        <p:spPr>
+          <a:xfrm flipH="1">
+            <a:off x="683895" y="2204720"/>
+            <a:ext cx="8255" cy="3600450"/>
+          </a:xfrm>
+          <a:prstGeom prst="line">
+            <a:avLst/>
+          </a:prstGeom>
+        </p:spPr>
+        <p:style>
+          <a:lnRef idx="3">
+            <a:schemeClr val="dk1"/>
+          </a:lnRef>
+          <a:fillRef idx="0">
+            <a:schemeClr val="dk1"/>
+          </a:fillRef>
+          <a:effectRef idx="2">
+            <a:schemeClr val="dk1"/>
+          </a:effectRef>
+          <a:fontRef idx="minor">
+            <a:schemeClr val="tx1"/>
+          </a:fontRef>
+        </p:style>
+      </p:cxnSp>
+      <p:cxnSp>
+        <p:nvCxnSpPr>
+          <p:cNvPr id="15" name="直接连接符 14"/>
+          <p:cNvCxnSpPr/>
+          <p:nvPr/>
+        </p:nvCxnSpPr>
+        <p:spPr>
+          <a:xfrm flipH="1">
+            <a:off x="3060065" y="2205355"/>
+            <a:ext cx="8255" cy="3600450"/>
+          </a:xfrm>
+          <a:prstGeom prst="line">
+            <a:avLst/>
+          </a:prstGeom>
+        </p:spPr>
+        <p:style>
+          <a:lnRef idx="3">
+            <a:schemeClr val="dk1"/>
+          </a:lnRef>
+          <a:fillRef idx="0">
+            <a:schemeClr val="dk1"/>
+          </a:fillRef>
+          <a:effectRef idx="2">
+            <a:schemeClr val="dk1"/>
+          </a:effectRef>
+          <a:fontRef idx="minor">
+            <a:schemeClr val="tx1"/>
+          </a:fontRef>
+        </p:style>
+      </p:cxnSp>
+      <p:sp>
+        <p:nvSpPr>
+          <p:cNvPr id="16" name="文本框 15"/>
+          <p:cNvSpPr txBox="1"/>
+          <p:nvPr/>
+        </p:nvSpPr>
+        <p:spPr>
+          <a:xfrm>
+            <a:off x="251460" y="5900420"/>
+            <a:ext cx="673735" cy="506730"/>
+          </a:xfrm>
+          <a:prstGeom prst="rect">
+            <a:avLst/>
+          </a:prstGeom>
+          <a:noFill/>
+        </p:spPr>
+        <p:txBody>
+          <a:bodyPr wrap="square" rtlCol="0">
+            <a:spAutoFit/>
+          </a:bodyPr>
+          <a:p>
+            <a:pPr algn="l">
+              <a:lnSpc>
+                <a:spcPct val="150000"/>
+              </a:lnSpc>
+              <a:buNone/>
+            </a:pPr>
+            <a:r>
+              <a:rPr lang="zh-CN" sz="1800" dirty="0">
+                <a:latin typeface="黑体" panose="02010609060101010101" pitchFamily="49" charset="-122"/>
+                <a:ea typeface="黑体" panose="02010609060101010101" pitchFamily="49" charset="-122"/>
+              </a:rPr>
+              <a:t>面源</a:t>
+            </a:r>
+            <a:endParaRPr lang="zh-CN" altLang="en-US" sz="1800" dirty="0">
+              <a:latin typeface="黑体" panose="02010609060101010101" pitchFamily="49" charset="-122"/>
+              <a:ea typeface="黑体" panose="02010609060101010101" pitchFamily="49" charset="-122"/>
+            </a:endParaRPr>
+          </a:p>
+        </p:txBody>
+      </p:sp>
+      <p:sp>
+        <p:nvSpPr>
+          <p:cNvPr id="18" name="文本框 17"/>
+          <p:cNvSpPr txBox="1"/>
+          <p:nvPr/>
+        </p:nvSpPr>
+        <p:spPr>
+          <a:xfrm>
+            <a:off x="1475740" y="5805170"/>
+            <a:ext cx="673735" cy="865505"/>
+          </a:xfrm>
+          <a:prstGeom prst="rect">
+            <a:avLst/>
+          </a:prstGeom>
+          <a:noFill/>
+        </p:spPr>
+        <p:txBody>
+          <a:bodyPr wrap="square" rtlCol="0">
+            <a:spAutoFit/>
+          </a:bodyPr>
+          <a:p>
+            <a:pPr algn="l">
+              <a:lnSpc>
+                <a:spcPct val="140000"/>
+              </a:lnSpc>
+              <a:buNone/>
+            </a:pPr>
+            <a:r>
+              <a:rPr lang="zh-CN" sz="1800" dirty="0">
+                <a:latin typeface="黑体" panose="02010609060101010101" pitchFamily="49" charset="-122"/>
+                <a:ea typeface="黑体" panose="02010609060101010101" pitchFamily="49" charset="-122"/>
+              </a:rPr>
+              <a:t>屏蔽物质</a:t>
+            </a:r>
+            <a:endParaRPr lang="zh-CN" altLang="en-US" sz="1800" dirty="0">
+              <a:latin typeface="黑体" panose="02010609060101010101" pitchFamily="49" charset="-122"/>
+              <a:ea typeface="黑体" panose="02010609060101010101" pitchFamily="49" charset="-122"/>
+            </a:endParaRPr>
+          </a:p>
+        </p:txBody>
+      </p:sp>
+      <p:sp>
+        <p:nvSpPr>
+          <p:cNvPr id="19" name="文本框 18"/>
+          <p:cNvSpPr txBox="1"/>
+          <p:nvPr/>
+        </p:nvSpPr>
+        <p:spPr>
+          <a:xfrm>
+            <a:off x="2667000" y="5937250"/>
+            <a:ext cx="925830" cy="506730"/>
+          </a:xfrm>
+          <a:prstGeom prst="rect">
+            <a:avLst/>
+          </a:prstGeom>
+          <a:noFill/>
+        </p:spPr>
+        <p:txBody>
+          <a:bodyPr wrap="square" rtlCol="0">
+            <a:spAutoFit/>
+          </a:bodyPr>
+          <a:p>
+            <a:pPr algn="l">
+              <a:lnSpc>
+                <a:spcPct val="150000"/>
+              </a:lnSpc>
+              <a:buNone/>
+            </a:pPr>
+            <a:r>
+              <a:rPr lang="zh-CN" sz="1800" dirty="0">
+                <a:latin typeface="黑体" panose="02010609060101010101" pitchFamily="49" charset="-122"/>
+                <a:ea typeface="黑体" panose="02010609060101010101" pitchFamily="49" charset="-122"/>
+              </a:rPr>
+              <a:t>探测器</a:t>
+            </a:r>
+            <a:endParaRPr lang="zh-CN" altLang="en-US" sz="1800" dirty="0">
+              <a:latin typeface="黑体" panose="02010609060101010101" pitchFamily="49" charset="-122"/>
+              <a:ea typeface="黑体" panose="02010609060101010101" pitchFamily="49" charset="-122"/>
+            </a:endParaRPr>
+          </a:p>
+        </p:txBody>
+      </p:sp>
       <p:pic>
         <p:nvPicPr>
-          <p:cNvPr id="5" name="图片 4" descr="Pb4mud"/>
+          <p:cNvPr id="11" name="图形 10"/>
           <p:cNvPicPr>
             <a:picLocks noChangeAspect="1"/>
           </p:cNvPicPr>
           <p:nvPr/>
         </p:nvPicPr>
         <p:blipFill>
-          <a:blip r:embed="rId2"/>
+          <a:blip r:embed="rId3">
+            <a:extLst>
+              <a:ext uri="{28A0092B-C50C-407E-A947-70E740481C1C}">
+                <a14:useLocalDpi xmlns:a14="http://schemas.microsoft.com/office/drawing/2010/main" val="0"/>
+              </a:ext>
+              <a:ext uri="{96DAC541-7B7A-43D3-8B79-37D633B846F1}">
+                <asvg:svgBlip xmlns:asvg="http://schemas.microsoft.com/office/drawing/2016/SVG/main" r:embed="rId4"/>
+              </a:ext>
+            </a:extLst>
+          </a:blip>
           <a:stretch>
             <a:fillRect/>
           </a:stretch>
         </p:blipFill>
         <p:spPr>
           <a:xfrm>
-            <a:off x="4572000" y="1956435"/>
-            <a:ext cx="4354830" cy="3366135"/>
+            <a:off x="4211776" y="4436736"/>
+            <a:ext cx="3870600" cy="734924"/>
           </a:xfrm>
           <a:prstGeom prst="rect">
             <a:avLst/>
@@ -11322,8 +11536,8 @@
         </p:nvSpPr>
         <p:spPr>
           <a:xfrm>
-            <a:off x="323850" y="908685"/>
-            <a:ext cx="7242810" cy="645160"/>
+            <a:off x="323704" y="836820"/>
+            <a:ext cx="3269125" cy="646331"/>
           </a:xfrm>
           <a:prstGeom prst="rect">
             <a:avLst/>
@@ -11336,10 +11550,6 @@
           </a:bodyPr>
           <a:lstStyle/>
           <a:p>
-            <a:pPr algn="l">
-              <a:buClrTx/>
-              <a:buSzTx/>
-            </a:pPr>
             <a:r>
               <a:rPr lang="zh-CN" altLang="en-US" sz="3600" b="1" dirty="0">
                 <a:solidFill>
@@ -11354,520 +11564,8 @@
                 </a:effectLst>
                 <a:latin typeface="微软雅黑" panose="020B0503020204020204" pitchFamily="34" charset="-122"/>
                 <a:ea typeface="微软雅黑" panose="020B0503020204020204" pitchFamily="34" charset="-122"/>
-                <a:sym typeface="Calibri" panose="020F0502020204030204" charset="0"/>
-              </a:rPr>
-              <a:t>后期拟完成的研究工作及进度安排</a:t>
-            </a:r>
-            <a:endParaRPr lang="zh-CN" altLang="en-US" sz="3600" b="1" dirty="0">
-              <a:solidFill>
-                <a:schemeClr val="tx2"/>
-              </a:solidFill>
-              <a:effectLst>
-                <a:outerShdw blurRad="38100" dist="38100" dir="2700000" algn="tl">
-                  <a:srgbClr val="000000">
-                    <a:alpha val="43137"/>
-                  </a:srgbClr>
-                </a:outerShdw>
-              </a:effectLst>
-              <a:latin typeface="微软雅黑" panose="020B0503020204020204" pitchFamily="34" charset="-122"/>
-              <a:ea typeface="微软雅黑" panose="020B0503020204020204" pitchFamily="34" charset="-122"/>
-              <a:sym typeface="Calibri" panose="020F0502020204030204" charset="0"/>
-            </a:endParaRPr>
-          </a:p>
-        </p:txBody>
-      </p:sp>
-      <p:sp>
-        <p:nvSpPr>
-          <p:cNvPr id="10" name="Rectangle 4"/>
-          <p:cNvSpPr>
-            <a:spLocks noChangeArrowheads="1"/>
-          </p:cNvSpPr>
-          <p:nvPr/>
-        </p:nvSpPr>
-        <p:spPr bwMode="auto">
-          <a:xfrm>
-            <a:off x="107690" y="116770"/>
-            <a:ext cx="9144000" cy="0"/>
-          </a:xfrm>
-          <a:prstGeom prst="rect">
-            <a:avLst/>
-          </a:prstGeom>
-          <a:noFill/>
-          <a:ln>
-            <a:noFill/>
-          </a:ln>
-          <a:effectLst/>
-          <a:extLst>
-            <a:ext uri="{909E8E84-426E-40DD-AFC4-6F175D3DCCD1}">
-              <a14:hiddenFill xmlns:a14="http://schemas.microsoft.com/office/drawing/2010/main">
-                <a:solidFill>
-                  <a:schemeClr val="accent1"/>
-                </a:solidFill>
-              </a14:hiddenFill>
-            </a:ext>
-            <a:ext uri="{91240B29-F687-4F45-9708-019B960494DF}">
-              <a14:hiddenLine xmlns:a14="http://schemas.microsoft.com/office/drawing/2010/main" w="9525">
-                <a:solidFill>
-                  <a:schemeClr val="tx1"/>
-                </a:solidFill>
-                <a:miter lim="800000"/>
-                <a:headEnd/>
-                <a:tailEnd/>
-              </a14:hiddenLine>
-            </a:ext>
-            <a:ext uri="{AF507438-7753-43E0-B8FC-AC1667EBCBE1}">
-              <a14:hiddenEffects xmlns:a14="http://schemas.microsoft.com/office/drawing/2010/main">
-                <a:effectLst>
-                  <a:outerShdw dist="35921" dir="2700000" algn="ctr" rotWithShape="0">
-                    <a:schemeClr val="bg2"/>
-                  </a:outerShdw>
-                </a:effectLst>
-              </a14:hiddenEffects>
-            </a:ext>
-          </a:extLst>
-        </p:spPr>
-        <p:txBody>
-          <a:bodyPr vert="horz" wrap="none" lIns="91440" tIns="45720" rIns="91440" bIns="45720" numCol="1" anchor="ctr" anchorCtr="0" compatLnSpc="1">
-            <a:spAutoFit/>
-          </a:bodyPr>
-          <a:lstStyle/>
-          <a:p>
-            <a:endParaRPr lang="zh-CN" altLang="en-US"/>
-          </a:p>
-        </p:txBody>
-      </p:sp>
-      <p:sp>
-        <p:nvSpPr>
-          <p:cNvPr id="19" name="Rectangle 9"/>
-          <p:cNvSpPr>
-            <a:spLocks noChangeArrowheads="1"/>
-          </p:cNvSpPr>
-          <p:nvPr/>
-        </p:nvSpPr>
-        <p:spPr bwMode="auto">
-          <a:xfrm>
-            <a:off x="0" y="0"/>
-            <a:ext cx="9144000" cy="0"/>
-          </a:xfrm>
-          <a:prstGeom prst="rect">
-            <a:avLst/>
-          </a:prstGeom>
-          <a:noFill/>
-          <a:ln>
-            <a:noFill/>
-          </a:ln>
-          <a:effectLst/>
-          <a:extLst>
-            <a:ext uri="{909E8E84-426E-40DD-AFC4-6F175D3DCCD1}">
-              <a14:hiddenFill xmlns:a14="http://schemas.microsoft.com/office/drawing/2010/main">
-                <a:solidFill>
-                  <a:schemeClr val="accent1"/>
-                </a:solidFill>
-              </a14:hiddenFill>
-            </a:ext>
-            <a:ext uri="{91240B29-F687-4F45-9708-019B960494DF}">
-              <a14:hiddenLine xmlns:a14="http://schemas.microsoft.com/office/drawing/2010/main" w="9525">
-                <a:solidFill>
-                  <a:schemeClr val="tx1"/>
-                </a:solidFill>
-                <a:miter lim="800000"/>
-                <a:headEnd/>
-                <a:tailEnd/>
-              </a14:hiddenLine>
-            </a:ext>
-            <a:ext uri="{AF507438-7753-43E0-B8FC-AC1667EBCBE1}">
-              <a14:hiddenEffects xmlns:a14="http://schemas.microsoft.com/office/drawing/2010/main">
-                <a:effectLst>
-                  <a:outerShdw dist="35921" dir="2700000" algn="ctr" rotWithShape="0">
-                    <a:schemeClr val="bg2"/>
-                  </a:outerShdw>
-                </a:effectLst>
-              </a14:hiddenEffects>
-            </a:ext>
-          </a:extLst>
-        </p:spPr>
-        <p:txBody>
-          <a:bodyPr vert="horz" wrap="none" lIns="91440" tIns="45720" rIns="91440" bIns="45720" numCol="1" anchor="ctr" anchorCtr="0" compatLnSpc="1">
-            <a:spAutoFit/>
-          </a:bodyPr>
-          <a:lstStyle/>
-          <a:p>
-            <a:endParaRPr lang="zh-CN" altLang="en-US"/>
-          </a:p>
-        </p:txBody>
-      </p:sp>
-      <p:graphicFrame>
-        <p:nvGraphicFramePr>
-          <p:cNvPr id="2" name="表格 1"/>
-          <p:cNvGraphicFramePr>
-            <a:graphicFrameLocks noGrp="1"/>
-          </p:cNvGraphicFramePr>
-          <p:nvPr/>
-        </p:nvGraphicFramePr>
-        <p:xfrm>
-          <a:off x="1043940" y="2480945"/>
-          <a:ext cx="7416800" cy="2837180"/>
-        </p:xfrm>
-        <a:graphic>
-          <a:graphicData uri="http://schemas.openxmlformats.org/drawingml/2006/table">
-            <a:tbl>
-              <a:tblPr firstRow="1" firstCol="1" bandRow="1">
-                <a:tableStyleId>{69012ECD-51FC-41F1-AA8D-1B2483CD663E}</a:tableStyleId>
-              </a:tblPr>
-              <a:tblGrid>
-                <a:gridCol w="3217545"/>
-                <a:gridCol w="4199255"/>
-              </a:tblGrid>
-              <a:tr h="351790">
-                <a:tc>
-                  <a:txBody>
-                    <a:bodyPr/>
-                    <a:lstStyle/>
-                    <a:p>
-                      <a:pPr indent="306070" algn="ctr" fontAlgn="base">
-                        <a:lnSpc>
-                          <a:spcPct val="115000"/>
-                        </a:lnSpc>
-                        <a:spcBef>
-                          <a:spcPts val="300"/>
-                        </a:spcBef>
-                        <a:spcAft>
-                          <a:spcPts val="300"/>
-                        </a:spcAft>
-                      </a:pPr>
-                      <a:r>
-                        <a:rPr lang="zh-CN" sz="2000" kern="1200" dirty="0">
-                          <a:effectLst/>
-                        </a:rPr>
-                        <a:t>时间</a:t>
-                      </a:r>
-                      <a:endParaRPr lang="zh-CN" sz="2000" dirty="0">
-                        <a:effectLst/>
-                        <a:latin typeface="黑体" panose="02010609060101010101" pitchFamily="49" charset="-122"/>
-                        <a:ea typeface="黑体" panose="02010609060101010101" pitchFamily="49" charset="-122"/>
-                        <a:cs typeface="宋体" pitchFamily="2" charset="-122"/>
-                      </a:endParaRPr>
-                    </a:p>
-                  </a:txBody>
-                  <a:tcPr marL="68580" marR="68580" marT="0" marB="0" anchor="b"/>
-                </a:tc>
-                <a:tc>
-                  <a:txBody>
-                    <a:bodyPr/>
-                    <a:lstStyle/>
-                    <a:p>
-                      <a:pPr indent="306070" algn="ctr" fontAlgn="base">
-                        <a:lnSpc>
-                          <a:spcPct val="115000"/>
-                        </a:lnSpc>
-                        <a:spcBef>
-                          <a:spcPts val="300"/>
-                        </a:spcBef>
-                        <a:spcAft>
-                          <a:spcPts val="300"/>
-                        </a:spcAft>
-                      </a:pPr>
-                      <a:r>
-                        <a:rPr lang="zh-CN" sz="2000" kern="1200" dirty="0">
-                          <a:effectLst/>
-                        </a:rPr>
-                        <a:t>进度安排</a:t>
-                      </a:r>
-                      <a:endParaRPr lang="zh-CN" sz="2000" dirty="0">
-                        <a:effectLst/>
-                        <a:latin typeface="黑体" panose="02010609060101010101" pitchFamily="49" charset="-122"/>
-                        <a:ea typeface="黑体" panose="02010609060101010101" pitchFamily="49" charset="-122"/>
-                        <a:cs typeface="宋体" pitchFamily="2" charset="-122"/>
-                      </a:endParaRPr>
-                    </a:p>
-                  </a:txBody>
-                  <a:tcPr marL="68580" marR="68580" marT="0" marB="0" anchor="b"/>
-                </a:tc>
-              </a:tr>
-              <a:tr h="1242695">
-                <a:tc>
-                  <a:txBody>
-                    <a:bodyPr/>
-                    <a:lstStyle/>
-                    <a:p>
-                      <a:pPr indent="306070" algn="ctr" fontAlgn="base">
-                        <a:lnSpc>
-                          <a:spcPct val="125000"/>
-                        </a:lnSpc>
-                        <a:spcBef>
-                          <a:spcPts val="300"/>
-                        </a:spcBef>
-                        <a:spcAft>
-                          <a:spcPts val="300"/>
-                        </a:spcAft>
-                      </a:pPr>
-                      <a:r>
-                        <a:rPr lang="en-US" sz="2000" kern="1200" dirty="0">
-                          <a:effectLst/>
-                        </a:rPr>
-                        <a:t>4</a:t>
-                      </a:r>
-                      <a:r>
-                        <a:rPr lang="zh-CN" sz="2000" kern="1200" dirty="0">
-                          <a:effectLst/>
-                        </a:rPr>
-                        <a:t>月</a:t>
-                      </a:r>
-                      <a:endParaRPr lang="zh-CN" sz="2000" dirty="0">
-                        <a:effectLst/>
-                        <a:latin typeface="黑体" panose="02010609060101010101" pitchFamily="49" charset="-122"/>
-                        <a:ea typeface="黑体" panose="02010609060101010101" pitchFamily="49" charset="-122"/>
-                        <a:cs typeface="宋体" pitchFamily="2" charset="-122"/>
-                      </a:endParaRPr>
-                    </a:p>
-                  </a:txBody>
-                  <a:tcPr marL="68580" marR="68580" marT="0" marB="0" anchor="ctr"/>
-                </a:tc>
-                <a:tc>
-                  <a:txBody>
-                    <a:bodyPr/>
-                    <a:lstStyle/>
-                    <a:p>
-                      <a:pPr indent="304800" algn="ctr" fontAlgn="base">
-                        <a:lnSpc>
-                          <a:spcPct val="115000"/>
-                        </a:lnSpc>
-                        <a:spcBef>
-                          <a:spcPts val="300"/>
-                        </a:spcBef>
-                        <a:spcAft>
-                          <a:spcPts val="300"/>
-                        </a:spcAft>
-                      </a:pPr>
-                      <a:r>
-                        <a:rPr lang="zh-CN" sz="2000" dirty="0">
-                          <a:effectLst/>
-                        </a:rPr>
-                        <a:t>进一步修正无限大介质仿真结果</a:t>
-                      </a:r>
-                      <a:r>
-                        <a:rPr lang="en-US" altLang="zh-CN" sz="2000" dirty="0">
-                          <a:effectLst/>
-                        </a:rPr>
-                        <a:t>   </a:t>
-                      </a:r>
-                      <a:r>
-                        <a:rPr lang="zh-CN" sz="2000" dirty="0">
-                          <a:effectLst/>
-                        </a:rPr>
-                        <a:t>理想模型的进一步仿真</a:t>
-                      </a:r>
-                      <a:endParaRPr lang="zh-CN" sz="2000" dirty="0">
-                        <a:effectLst/>
-                        <a:latin typeface="黑体" panose="02010609060101010101" pitchFamily="49" charset="-122"/>
-                        <a:ea typeface="黑体" panose="02010609060101010101" pitchFamily="49" charset="-122"/>
-                        <a:cs typeface="宋体" pitchFamily="2" charset="-122"/>
-                      </a:endParaRPr>
-                    </a:p>
-                  </a:txBody>
-                  <a:tcPr marL="68580" marR="68580" marT="0" marB="0" anchor="ctr"/>
-                </a:tc>
-              </a:tr>
-              <a:tr h="1242695">
-                <a:tc>
-                  <a:txBody>
-                    <a:bodyPr/>
-                    <a:lstStyle/>
-                    <a:p>
-                      <a:pPr indent="306070" algn="ctr" fontAlgn="base">
-                        <a:lnSpc>
-                          <a:spcPct val="125000"/>
-                        </a:lnSpc>
-                        <a:spcBef>
-                          <a:spcPts val="300"/>
-                        </a:spcBef>
-                        <a:spcAft>
-                          <a:spcPts val="300"/>
-                        </a:spcAft>
-                      </a:pPr>
-                      <a:r>
-                        <a:rPr lang="en-US" sz="2000" kern="1200" dirty="0">
-                          <a:effectLst/>
-                        </a:rPr>
-                        <a:t>5</a:t>
-                      </a:r>
-                      <a:r>
-                        <a:rPr lang="zh-CN" sz="2000" kern="1200" dirty="0">
-                          <a:effectLst/>
-                        </a:rPr>
-                        <a:t>月</a:t>
-                      </a:r>
-                      <a:endParaRPr lang="zh-CN" sz="2000" dirty="0">
-                        <a:effectLst/>
-                        <a:latin typeface="黑体" panose="02010609060101010101" pitchFamily="49" charset="-122"/>
-                        <a:ea typeface="黑体" panose="02010609060101010101" pitchFamily="49" charset="-122"/>
-                        <a:cs typeface="宋体" pitchFamily="2" charset="-122"/>
-                      </a:endParaRPr>
-                    </a:p>
-                  </a:txBody>
-                  <a:tcPr marL="68580" marR="68580" marT="0" marB="0" anchor="ctr"/>
-                </a:tc>
-                <a:tc>
-                  <a:txBody>
-                    <a:bodyPr/>
-                    <a:lstStyle/>
-                    <a:p>
-                      <a:pPr indent="304800" algn="ctr" fontAlgn="base">
-                        <a:lnSpc>
-                          <a:spcPct val="115000"/>
-                        </a:lnSpc>
-                        <a:spcBef>
-                          <a:spcPts val="300"/>
-                        </a:spcBef>
-                        <a:spcAft>
-                          <a:spcPts val="300"/>
-                        </a:spcAft>
-                      </a:pPr>
-                      <a:r>
-                        <a:rPr lang="zh-CN" sz="2000" dirty="0">
-                          <a:effectLst/>
-                        </a:rPr>
-                        <a:t>累计因子经验公式的修正</a:t>
-                      </a:r>
-                      <a:endParaRPr lang="zh-CN" sz="2000" dirty="0">
-                        <a:effectLst/>
-                      </a:endParaRPr>
-                    </a:p>
-                    <a:p>
-                      <a:pPr indent="304800" algn="ctr" fontAlgn="base">
-                        <a:lnSpc>
-                          <a:spcPct val="115000"/>
-                        </a:lnSpc>
-                        <a:spcBef>
-                          <a:spcPts val="300"/>
-                        </a:spcBef>
-                        <a:spcAft>
-                          <a:spcPts val="300"/>
-                        </a:spcAft>
-                      </a:pPr>
-                      <a:r>
-                        <a:rPr lang="zh-CN" sz="2000" kern="1200" dirty="0">
-                          <a:effectLst/>
-                        </a:rPr>
-                        <a:t>撰写毕业论文</a:t>
-                      </a:r>
-                      <a:endParaRPr lang="zh-CN" sz="2000" dirty="0">
-                        <a:effectLst/>
-                        <a:latin typeface="黑体" panose="02010609060101010101" pitchFamily="49" charset="-122"/>
-                        <a:ea typeface="黑体" panose="02010609060101010101" pitchFamily="49" charset="-122"/>
-                        <a:cs typeface="宋体" pitchFamily="2" charset="-122"/>
-                      </a:endParaRPr>
-                    </a:p>
-                  </a:txBody>
-                  <a:tcPr marL="68580" marR="68580" marT="0" marB="0" anchor="ctr"/>
-                </a:tc>
-              </a:tr>
-            </a:tbl>
-          </a:graphicData>
-        </a:graphic>
-      </p:graphicFrame>
-      <p:sp>
-        <p:nvSpPr>
-          <p:cNvPr id="5" name="灯片编号占位符 4"/>
-          <p:cNvSpPr>
-            <a:spLocks noGrp="1"/>
-          </p:cNvSpPr>
-          <p:nvPr>
-            <p:ph type="sldNum" sz="quarter" idx="12"/>
-          </p:nvPr>
-        </p:nvSpPr>
-        <p:spPr>
-          <a:xfrm>
-            <a:off x="6804155" y="6237195"/>
-            <a:ext cx="2133600" cy="365125"/>
-          </a:xfrm>
-        </p:spPr>
-        <p:txBody>
-          <a:bodyPr/>
-          <a:lstStyle/>
-          <a:p>
-            <a:pPr lvl="0"/>
-            <a:fld id="{9A0DB2DC-4C9A-4742-B13C-FB6460FD3503}" type="slidenum">
-              <a:rPr lang="zh-CN" altLang="en-US" sz="1800" b="1" smtClean="0"/>
-            </a:fld>
-            <a:endParaRPr lang="zh-CN" altLang="en-US" sz="1800" b="1" dirty="0">
-              <a:ea typeface="宋体" pitchFamily="2" charset="-122"/>
-            </a:endParaRPr>
-          </a:p>
-        </p:txBody>
-      </p:sp>
-    </p:spTree>
-  </p:cSld>
-  <p:clrMapOvr>
-    <a:masterClrMapping/>
-  </p:clrMapOvr>
-</p:sld>
-</file>
-
-<file path=ppt/slides/slide17.xml><?xml version="1.0" encoding="utf-8"?>
-<p:sld xmlns:a="http://schemas.openxmlformats.org/drawingml/2006/main" xmlns:r="http://schemas.openxmlformats.org/officeDocument/2006/relationships" xmlns:p="http://schemas.openxmlformats.org/presentationml/2006/main">
-  <p:cSld>
-    <p:spTree>
-      <p:nvGrpSpPr>
-        <p:cNvPr id="1" name=""/>
-        <p:cNvGrpSpPr/>
-        <p:nvPr/>
-      </p:nvGrpSpPr>
-      <p:grpSpPr>
-        <a:xfrm>
-          <a:off x="0" y="0"/>
-          <a:ext cx="0" cy="0"/>
-          <a:chOff x="0" y="0"/>
-          <a:chExt cx="0" cy="0"/>
-        </a:xfrm>
-      </p:grpSpPr>
-      <p:sp>
-        <p:nvSpPr>
-          <p:cNvPr id="6" name="文本框 5"/>
-          <p:cNvSpPr txBox="1"/>
-          <p:nvPr/>
-        </p:nvSpPr>
-        <p:spPr>
-          <a:xfrm>
-            <a:off x="323850" y="836930"/>
-            <a:ext cx="4058285" cy="645160"/>
-          </a:xfrm>
-          <a:prstGeom prst="rect">
-            <a:avLst/>
-          </a:prstGeom>
-          <a:noFill/>
-        </p:spPr>
-        <p:txBody>
-          <a:bodyPr wrap="square" rtlCol="0">
-            <a:spAutoFit/>
-          </a:bodyPr>
-          <a:lstStyle/>
-          <a:p>
-            <a:pPr marL="0" algn="l">
-              <a:lnSpc>
-                <a:spcPct val="100000"/>
-              </a:lnSpc>
-              <a:buClrTx/>
-              <a:buSzTx/>
-              <a:buNone/>
-            </a:pPr>
-            <a:r>
-              <a:rPr lang="zh-CN" altLang="en-US" sz="3600" b="1" dirty="0">
-                <a:solidFill>
-                  <a:schemeClr val="tx2"/>
-                </a:solidFill>
-                <a:effectLst>
-                  <a:outerShdw blurRad="38100" dist="38100" dir="2700000" algn="tl">
-                    <a:srgbClr val="000000">
-                      <a:alpha val="43137"/>
-                    </a:srgbClr>
-                  </a:outerShdw>
-                </a:effectLst>
-                <a:latin typeface="微软雅黑" panose="020B0503020204020204" pitchFamily="34" charset="-122"/>
-                <a:ea typeface="微软雅黑" panose="020B0503020204020204" pitchFamily="34" charset="-122"/>
-                <a:sym typeface="Calibri" panose="020F0502020204030204" charset="0"/>
-              </a:rPr>
-              <a:t>存在的问题与困难</a:t>
+              </a:rPr>
+              <a:t>研究成果</a:t>
             </a:r>
             <a:endParaRPr lang="zh-CN" altLang="en-US" sz="3600" b="1" dirty="0">
               <a:solidFill>
@@ -11894,8 +11592,8 @@
         </p:nvSpPr>
         <p:spPr>
           <a:xfrm>
-            <a:off x="323704" y="1483151"/>
-            <a:ext cx="8568596" cy="3961985"/>
+            <a:off x="332740" y="1569085"/>
+            <a:ext cx="6390005" cy="461010"/>
           </a:xfrm>
           <a:prstGeom prst="rect">
             <a:avLst/>
@@ -12084,209 +11782,184 @@
           </a:lstStyle>
           <a:p>
             <a:pPr marL="0" indent="0">
-              <a:lnSpc>
-                <a:spcPct val="150000"/>
-              </a:lnSpc>
               <a:buNone/>
             </a:pPr>
             <a:r>
-              <a:rPr lang="zh-CN" altLang="en-US" sz="2000" b="1" dirty="0">
-                <a:latin typeface="黑体" panose="02010609060101010101" pitchFamily="49" charset="-122"/>
-                <a:ea typeface="黑体" panose="02010609060101010101" pitchFamily="49" charset="-122"/>
+              <a:rPr lang="zh-CN" sz="2200" b="1" dirty="0">
+                <a:latin typeface="微软雅黑" panose="020B0503020204020204" pitchFamily="34" charset="-122"/>
+                <a:ea typeface="微软雅黑" panose="020B0503020204020204" pitchFamily="34" charset="-122"/>
                 <a:sym typeface="Calibri" panose="020F0502020204030204" charset="0"/>
               </a:rPr>
-              <a:t>（</a:t>
-            </a:r>
-            <a:r>
-              <a:rPr lang="en-US" altLang="zh-CN" sz="2000" b="1" dirty="0">
-                <a:latin typeface="黑体" panose="02010609060101010101" pitchFamily="49" charset="-122"/>
-                <a:ea typeface="黑体" panose="02010609060101010101" pitchFamily="49" charset="-122"/>
+              <a:t>无限大平板无限大面源理想模型的累积因子仿真</a:t>
+            </a:r>
+            <a:endParaRPr lang="en-US" altLang="zh-CN" sz="2200" b="1" dirty="0">
+              <a:latin typeface="微软雅黑" panose="020B0503020204020204" pitchFamily="34" charset="-122"/>
+              <a:ea typeface="微软雅黑" panose="020B0503020204020204" pitchFamily="34" charset="-122"/>
+              <a:sym typeface="Calibri" panose="020F0502020204030204" charset="0"/>
+            </a:endParaRPr>
+          </a:p>
+        </p:txBody>
+      </p:sp>
+      <p:sp>
+        <p:nvSpPr>
+          <p:cNvPr id="4" name="灯片编号占位符 3"/>
+          <p:cNvSpPr>
+            <a:spLocks noGrp="1"/>
+          </p:cNvSpPr>
+          <p:nvPr>
+            <p:ph type="sldNum" sz="quarter" idx="12"/>
+          </p:nvPr>
+        </p:nvSpPr>
+        <p:spPr>
+          <a:xfrm>
+            <a:off x="6882130" y="6251575"/>
+            <a:ext cx="2268855" cy="414020"/>
+          </a:xfrm>
+        </p:spPr>
+        <p:txBody>
+          <a:bodyPr/>
+          <a:lstStyle/>
+          <a:p>
+            <a:pPr lvl="0"/>
+            <a:fld id="{9A0DB2DC-4C9A-4742-B13C-FB6460FD3503}" type="slidenum">
+              <a:rPr lang="zh-CN" altLang="en-US" sz="1800" b="1" smtClean="0"/>
+            </a:fld>
+            <a:endParaRPr lang="zh-CN" altLang="en-US" b="1" dirty="0">
+              <a:ea typeface="宋体" pitchFamily="2" charset="-122"/>
+            </a:endParaRPr>
+          </a:p>
+        </p:txBody>
+      </p:sp>
+      <p:pic>
+        <p:nvPicPr>
+          <p:cNvPr id="2" name="图片 1" descr="Pb2mud"/>
+          <p:cNvPicPr>
+            <a:picLocks noChangeAspect="1"/>
+          </p:cNvPicPr>
+          <p:nvPr/>
+        </p:nvPicPr>
+        <p:blipFill>
+          <a:blip r:embed="rId1"/>
+          <a:stretch>
+            <a:fillRect/>
+          </a:stretch>
+        </p:blipFill>
+        <p:spPr>
+          <a:xfrm>
+            <a:off x="251460" y="1956435"/>
+            <a:ext cx="4316730" cy="3336925"/>
+          </a:xfrm>
+          <a:prstGeom prst="rect">
+            <a:avLst/>
+          </a:prstGeom>
+        </p:spPr>
+      </p:pic>
+      <p:pic>
+        <p:nvPicPr>
+          <p:cNvPr id="5" name="图片 4" descr="Pb4mud"/>
+          <p:cNvPicPr>
+            <a:picLocks noChangeAspect="1"/>
+          </p:cNvPicPr>
+          <p:nvPr/>
+        </p:nvPicPr>
+        <p:blipFill>
+          <a:blip r:embed="rId2"/>
+          <a:stretch>
+            <a:fillRect/>
+          </a:stretch>
+        </p:blipFill>
+        <p:spPr>
+          <a:xfrm>
+            <a:off x="4572000" y="1956435"/>
+            <a:ext cx="4354830" cy="3366135"/>
+          </a:xfrm>
+          <a:prstGeom prst="rect">
+            <a:avLst/>
+          </a:prstGeom>
+        </p:spPr>
+      </p:pic>
+    </p:spTree>
+  </p:cSld>
+  <p:clrMapOvr>
+    <a:masterClrMapping/>
+  </p:clrMapOvr>
+</p:sld>
+</file>
+
+<file path=ppt/slides/slide17.xml><?xml version="1.0" encoding="utf-8"?>
+<p:sld xmlns:a="http://schemas.openxmlformats.org/drawingml/2006/main" xmlns:r="http://schemas.openxmlformats.org/officeDocument/2006/relationships" xmlns:p="http://schemas.openxmlformats.org/presentationml/2006/main">
+  <p:cSld>
+    <p:spTree>
+      <p:nvGrpSpPr>
+        <p:cNvPr id="1" name=""/>
+        <p:cNvGrpSpPr/>
+        <p:nvPr/>
+      </p:nvGrpSpPr>
+      <p:grpSpPr>
+        <a:xfrm>
+          <a:off x="0" y="0"/>
+          <a:ext cx="0" cy="0"/>
+          <a:chOff x="0" y="0"/>
+          <a:chExt cx="0" cy="0"/>
+        </a:xfrm>
+      </p:grpSpPr>
+      <p:sp>
+        <p:nvSpPr>
+          <p:cNvPr id="6" name="文本框 5"/>
+          <p:cNvSpPr txBox="1"/>
+          <p:nvPr/>
+        </p:nvSpPr>
+        <p:spPr>
+          <a:xfrm>
+            <a:off x="323850" y="908685"/>
+            <a:ext cx="7242810" cy="645160"/>
+          </a:xfrm>
+          <a:prstGeom prst="rect">
+            <a:avLst/>
+          </a:prstGeom>
+          <a:noFill/>
+        </p:spPr>
+        <p:txBody>
+          <a:bodyPr wrap="square" rtlCol="0">
+            <a:spAutoFit/>
+          </a:bodyPr>
+          <a:lstStyle/>
+          <a:p>
+            <a:pPr algn="l">
+              <a:buClrTx/>
+              <a:buSzTx/>
+            </a:pPr>
+            <a:r>
+              <a:rPr lang="zh-CN" altLang="en-US" sz="3600" b="1" dirty="0">
+                <a:solidFill>
+                  <a:schemeClr val="tx2"/>
+                </a:solidFill>
+                <a:effectLst>
+                  <a:outerShdw blurRad="38100" dist="38100" dir="2700000" algn="tl">
+                    <a:srgbClr val="000000">
+                      <a:alpha val="43137"/>
+                    </a:srgbClr>
+                  </a:outerShdw>
+                </a:effectLst>
+                <a:latin typeface="微软雅黑" panose="020B0503020204020204" pitchFamily="34" charset="-122"/>
+                <a:ea typeface="微软雅黑" panose="020B0503020204020204" pitchFamily="34" charset="-122"/>
                 <a:sym typeface="Calibri" panose="020F0502020204030204" charset="0"/>
               </a:rPr>
-              <a:t>1</a:t>
-            </a:r>
-            <a:r>
-              <a:rPr lang="zh-CN" altLang="en-US" sz="2000" b="1" dirty="0">
-                <a:latin typeface="黑体" panose="02010609060101010101" pitchFamily="49" charset="-122"/>
-                <a:ea typeface="黑体" panose="02010609060101010101" pitchFamily="49" charset="-122"/>
-                <a:sym typeface="Calibri" panose="020F0502020204030204" charset="0"/>
-              </a:rPr>
-              <a:t>）</a:t>
-            </a:r>
-            <a:r>
-              <a:rPr lang="zh-CN" sz="2000" kern="100" dirty="0">
-                <a:effectLst/>
-                <a:latin typeface="黑体" panose="02010609060101010101" pitchFamily="49" charset="-122"/>
-                <a:ea typeface="黑体" panose="02010609060101010101" pitchFamily="49" charset="-122"/>
-                <a:cs typeface="Times New Roman" panose="02020603050405020304" pitchFamily="18" charset="0"/>
-              </a:rPr>
-              <a:t>高能区仿真误差</a:t>
-            </a:r>
-            <a:endParaRPr lang="zh-CN" sz="2000" kern="100" dirty="0">
-              <a:effectLst/>
-              <a:latin typeface="黑体" panose="02010609060101010101" pitchFamily="49" charset="-122"/>
-              <a:ea typeface="黑体" panose="02010609060101010101" pitchFamily="49" charset="-122"/>
-              <a:cs typeface="Times New Roman" panose="02020603050405020304" pitchFamily="18" charset="0"/>
-            </a:endParaRPr>
-          </a:p>
-          <a:p>
-            <a:pPr marL="0" indent="0">
-              <a:lnSpc>
-                <a:spcPct val="150000"/>
-              </a:lnSpc>
-              <a:buNone/>
-            </a:pPr>
-            <a:r>
-              <a:rPr lang="zh-CN" sz="2000" kern="100" dirty="0">
-                <a:effectLst/>
-                <a:latin typeface="+mn-ea"/>
-                <a:cs typeface="Times New Roman" panose="02020603050405020304" pitchFamily="18" charset="0"/>
-              </a:rPr>
-              <a:t>能量在</a:t>
-            </a:r>
-            <a:r>
-              <a:rPr lang="en-US" altLang="zh-CN" sz="2000" kern="100" dirty="0">
-                <a:effectLst/>
-                <a:latin typeface="+mn-ea"/>
-                <a:cs typeface="Times New Roman" panose="02020603050405020304" pitchFamily="18" charset="0"/>
-              </a:rPr>
-              <a:t>4MeV</a:t>
-            </a:r>
-            <a:r>
-              <a:rPr lang="zh-CN" altLang="en-US" sz="2000" kern="100" dirty="0">
-                <a:effectLst/>
-                <a:latin typeface="+mn-ea"/>
-                <a:cs typeface="Times New Roman" panose="02020603050405020304" pitchFamily="18" charset="0"/>
-              </a:rPr>
-              <a:t>以上时累计因子的仿真结果仍有一定误差</a:t>
-            </a:r>
-            <a:r>
-              <a:rPr lang="en-US" altLang="zh-CN" sz="2000" kern="100" dirty="0">
-                <a:effectLst/>
-                <a:latin typeface="+mn-ea"/>
-                <a:cs typeface="Times New Roman" panose="02020603050405020304" pitchFamily="18" charset="0"/>
-              </a:rPr>
-              <a:t>,</a:t>
-            </a:r>
-            <a:r>
-              <a:rPr lang="zh-CN" altLang="en-US" sz="2000" kern="100" dirty="0">
-                <a:effectLst/>
-                <a:latin typeface="+mn-ea"/>
-                <a:cs typeface="Times New Roman" panose="02020603050405020304" pitchFamily="18" charset="0"/>
-              </a:rPr>
-              <a:t>有待进一步修正</a:t>
-            </a:r>
-            <a:endParaRPr lang="zh-CN" altLang="en-US" sz="2000" kern="100" dirty="0">
-              <a:effectLst/>
-              <a:latin typeface="+mn-ea"/>
-              <a:cs typeface="Times New Roman" panose="02020603050405020304" pitchFamily="18" charset="0"/>
-            </a:endParaRPr>
-          </a:p>
-          <a:p>
-            <a:pPr marL="0" indent="0">
-              <a:lnSpc>
-                <a:spcPct val="150000"/>
-              </a:lnSpc>
-              <a:buNone/>
-            </a:pPr>
-            <a:endParaRPr lang="zh-CN" sz="2000" kern="100" dirty="0">
-              <a:effectLst/>
-              <a:latin typeface="+mn-ea"/>
-              <a:cs typeface="Times New Roman" panose="02020603050405020304" pitchFamily="18" charset="0"/>
-            </a:endParaRPr>
-          </a:p>
-          <a:p>
-            <a:pPr marL="0" indent="0">
-              <a:lnSpc>
-                <a:spcPct val="150000"/>
-              </a:lnSpc>
-              <a:buNone/>
-            </a:pPr>
-            <a:r>
-              <a:rPr lang="zh-CN" altLang="en-US" sz="2000" b="1" dirty="0">
-                <a:latin typeface="黑体" panose="02010609060101010101" pitchFamily="49" charset="-122"/>
-                <a:ea typeface="黑体" panose="02010609060101010101" pitchFamily="49" charset="-122"/>
-                <a:sym typeface="Calibri" panose="020F0502020204030204" charset="0"/>
-              </a:rPr>
-              <a:t>（</a:t>
-            </a:r>
-            <a:r>
-              <a:rPr lang="en-US" altLang="zh-CN" sz="2000" b="1" dirty="0">
-                <a:latin typeface="黑体" panose="02010609060101010101" pitchFamily="49" charset="-122"/>
-                <a:ea typeface="黑体" panose="02010609060101010101" pitchFamily="49" charset="-122"/>
-                <a:sym typeface="Calibri" panose="020F0502020204030204" charset="0"/>
-              </a:rPr>
-              <a:t>2</a:t>
-            </a:r>
-            <a:r>
-              <a:rPr lang="zh-CN" altLang="en-US" sz="2000" b="1" dirty="0">
-                <a:latin typeface="黑体" panose="02010609060101010101" pitchFamily="49" charset="-122"/>
-                <a:ea typeface="黑体" panose="02010609060101010101" pitchFamily="49" charset="-122"/>
-                <a:sym typeface="Calibri" panose="020F0502020204030204" charset="0"/>
-              </a:rPr>
-              <a:t>）</a:t>
-            </a:r>
-            <a:r>
-              <a:rPr lang="zh-CN" sz="2000" kern="100" dirty="0">
-                <a:effectLst/>
-                <a:latin typeface="黑体" panose="02010609060101010101" pitchFamily="49" charset="-122"/>
-                <a:ea typeface="黑体" panose="02010609060101010101" pitchFamily="49" charset="-122"/>
-                <a:cs typeface="Times New Roman" panose="02020603050405020304" pitchFamily="18" charset="0"/>
-              </a:rPr>
-              <a:t>理论计算累计因子</a:t>
-            </a:r>
-            <a:endParaRPr lang="zh-CN" sz="2000" kern="100" dirty="0">
-              <a:effectLst/>
-              <a:latin typeface="黑体" panose="02010609060101010101" pitchFamily="49" charset="-122"/>
-              <a:ea typeface="黑体" panose="02010609060101010101" pitchFamily="49" charset="-122"/>
-              <a:cs typeface="Times New Roman" panose="02020603050405020304" pitchFamily="18" charset="0"/>
-            </a:endParaRPr>
-          </a:p>
-          <a:p>
-            <a:pPr marL="0" indent="0">
-              <a:lnSpc>
-                <a:spcPct val="150000"/>
-              </a:lnSpc>
-              <a:buNone/>
-            </a:pPr>
-            <a:r>
-              <a:rPr lang="zh-CN" sz="2000" kern="100" dirty="0">
-                <a:latin typeface="+mn-ea"/>
-                <a:cs typeface="Times New Roman" panose="02020603050405020304" pitchFamily="18" charset="0"/>
-              </a:rPr>
-              <a:t>理想无限大面源无限大平板屏蔽的模型中</a:t>
-            </a:r>
-            <a:r>
-              <a:rPr lang="en-US" altLang="zh-CN" sz="2000" kern="100" dirty="0">
-                <a:latin typeface="+mn-ea"/>
-                <a:cs typeface="Times New Roman" panose="02020603050405020304" pitchFamily="18" charset="0"/>
-              </a:rPr>
-              <a:t>,</a:t>
-            </a:r>
-            <a:r>
-              <a:rPr lang="zh-CN" altLang="en-US" sz="2000" kern="100" dirty="0">
-                <a:latin typeface="+mn-ea"/>
-                <a:cs typeface="Times New Roman" panose="02020603050405020304" pitchFamily="18" charset="0"/>
-              </a:rPr>
-              <a:t>有希望从理论上对累计因子进行计算</a:t>
-            </a:r>
-            <a:r>
-              <a:rPr lang="en-US" altLang="zh-CN" sz="2000" kern="100" dirty="0">
-                <a:latin typeface="+mn-ea"/>
-                <a:cs typeface="Times New Roman" panose="02020603050405020304" pitchFamily="18" charset="0"/>
-              </a:rPr>
-              <a:t>,</a:t>
-            </a:r>
-            <a:r>
-              <a:rPr lang="zh-CN" altLang="en-US" sz="2000" kern="100" dirty="0">
-                <a:latin typeface="+mn-ea"/>
-                <a:cs typeface="Times New Roman" panose="02020603050405020304" pitchFamily="18" charset="0"/>
-              </a:rPr>
-              <a:t>但仍有一定困难</a:t>
-            </a:r>
-            <a:endParaRPr lang="zh-CN" altLang="en-US" sz="2000" b="1" kern="100" dirty="0">
-              <a:latin typeface="+mn-ea"/>
-              <a:cs typeface="Times New Roman" panose="02020603050405020304" pitchFamily="18" charset="0"/>
+              <a:t>后期拟完成的研究工作及进度安排</a:t>
+            </a:r>
+            <a:endParaRPr lang="zh-CN" altLang="en-US" sz="3600" b="1" dirty="0">
+              <a:solidFill>
+                <a:schemeClr val="tx2"/>
+              </a:solidFill>
+              <a:effectLst>
+                <a:outerShdw blurRad="38100" dist="38100" dir="2700000" algn="tl">
+                  <a:srgbClr val="000000">
+                    <a:alpha val="43137"/>
+                  </a:srgbClr>
+                </a:outerShdw>
+              </a:effectLst>
+              <a:latin typeface="微软雅黑" panose="020B0503020204020204" pitchFamily="34" charset="-122"/>
+              <a:ea typeface="微软雅黑" panose="020B0503020204020204" pitchFamily="34" charset="-122"/>
               <a:sym typeface="Calibri" panose="020F0502020204030204" charset="0"/>
             </a:endParaRPr>
           </a:p>
@@ -12412,9 +12085,289 @@
           </a:p>
         </p:txBody>
       </p:sp>
-      <p:sp>
-        <p:nvSpPr>
-          <p:cNvPr id="2" name="灯片编号占位符 1"/>
+      <p:graphicFrame>
+        <p:nvGraphicFramePr>
+          <p:cNvPr id="2" name="表格 1"/>
+          <p:cNvGraphicFramePr>
+            <a:graphicFrameLocks noGrp="1"/>
+          </p:cNvGraphicFramePr>
+          <p:nvPr/>
+        </p:nvGraphicFramePr>
+        <p:xfrm>
+          <a:off x="755650" y="2420620"/>
+          <a:ext cx="7812405" cy="2837180"/>
+        </p:xfrm>
+        <a:graphic>
+          <a:graphicData uri="http://schemas.openxmlformats.org/drawingml/2006/table">
+            <a:tbl>
+              <a:tblPr firstRow="1" firstCol="1" bandRow="1">
+                <a:tableStyleId>{69012ECD-51FC-41F1-AA8D-1B2483CD663E}</a:tableStyleId>
+              </a:tblPr>
+              <a:tblGrid>
+                <a:gridCol w="3306445"/>
+                <a:gridCol w="4505960"/>
+              </a:tblGrid>
+              <a:tr h="351790">
+                <a:tc>
+                  <a:txBody>
+                    <a:bodyPr/>
+                    <a:lstStyle/>
+                    <a:p>
+                      <a:pPr indent="306070" algn="ctr" fontAlgn="base">
+                        <a:lnSpc>
+                          <a:spcPct val="115000"/>
+                        </a:lnSpc>
+                        <a:spcBef>
+                          <a:spcPts val="300"/>
+                        </a:spcBef>
+                        <a:spcAft>
+                          <a:spcPts val="300"/>
+                        </a:spcAft>
+                      </a:pPr>
+                      <a:r>
+                        <a:rPr lang="zh-CN" sz="2000" kern="1200" dirty="0">
+                          <a:effectLst/>
+                        </a:rPr>
+                        <a:t>时间</a:t>
+                      </a:r>
+                      <a:endParaRPr lang="zh-CN" sz="2000" dirty="0">
+                        <a:effectLst/>
+                        <a:latin typeface="黑体" panose="02010609060101010101" pitchFamily="49" charset="-122"/>
+                        <a:ea typeface="黑体" panose="02010609060101010101" pitchFamily="49" charset="-122"/>
+                        <a:cs typeface="宋体" pitchFamily="2" charset="-122"/>
+                      </a:endParaRPr>
+                    </a:p>
+                  </a:txBody>
+                  <a:tcPr marL="68580" marR="68580" marT="0" marB="0" anchor="b"/>
+                </a:tc>
+                <a:tc>
+                  <a:txBody>
+                    <a:bodyPr/>
+                    <a:lstStyle/>
+                    <a:p>
+                      <a:pPr indent="306070" algn="ctr" fontAlgn="base">
+                        <a:lnSpc>
+                          <a:spcPct val="115000"/>
+                        </a:lnSpc>
+                        <a:spcBef>
+                          <a:spcPts val="300"/>
+                        </a:spcBef>
+                        <a:spcAft>
+                          <a:spcPts val="300"/>
+                        </a:spcAft>
+                      </a:pPr>
+                      <a:r>
+                        <a:rPr lang="zh-CN" sz="2000" kern="1200" dirty="0">
+                          <a:effectLst/>
+                        </a:rPr>
+                        <a:t>进度安排</a:t>
+                      </a:r>
+                      <a:endParaRPr lang="zh-CN" sz="2000" dirty="0">
+                        <a:effectLst/>
+                        <a:latin typeface="黑体" panose="02010609060101010101" pitchFamily="49" charset="-122"/>
+                        <a:ea typeface="黑体" panose="02010609060101010101" pitchFamily="49" charset="-122"/>
+                        <a:cs typeface="宋体" pitchFamily="2" charset="-122"/>
+                      </a:endParaRPr>
+                    </a:p>
+                  </a:txBody>
+                  <a:tcPr marL="68580" marR="68580" marT="0" marB="0" anchor="b"/>
+                </a:tc>
+              </a:tr>
+              <a:tr h="1242695">
+                <a:tc>
+                  <a:txBody>
+                    <a:bodyPr/>
+                    <a:lstStyle/>
+                    <a:p>
+                      <a:pPr indent="306070" algn="ctr" fontAlgn="base">
+                        <a:lnSpc>
+                          <a:spcPct val="125000"/>
+                        </a:lnSpc>
+                        <a:spcBef>
+                          <a:spcPts val="300"/>
+                        </a:spcBef>
+                        <a:spcAft>
+                          <a:spcPts val="300"/>
+                        </a:spcAft>
+                      </a:pPr>
+                      <a:r>
+                        <a:rPr lang="en-US" sz="2000" kern="1200" dirty="0">
+                          <a:effectLst/>
+                        </a:rPr>
+                        <a:t>4</a:t>
+                      </a:r>
+                      <a:r>
+                        <a:rPr lang="zh-CN" sz="2000" kern="1200" dirty="0">
+                          <a:effectLst/>
+                        </a:rPr>
+                        <a:t>月</a:t>
+                      </a:r>
+                      <a:endParaRPr lang="zh-CN" sz="2000" dirty="0">
+                        <a:effectLst/>
+                        <a:latin typeface="黑体" panose="02010609060101010101" pitchFamily="49" charset="-122"/>
+                        <a:ea typeface="黑体" panose="02010609060101010101" pitchFamily="49" charset="-122"/>
+                        <a:cs typeface="宋体" pitchFamily="2" charset="-122"/>
+                      </a:endParaRPr>
+                    </a:p>
+                  </a:txBody>
+                  <a:tcPr marL="68580" marR="68580" marT="0" marB="0" anchor="ctr"/>
+                </a:tc>
+                <a:tc>
+                  <a:txBody>
+                    <a:bodyPr/>
+                    <a:lstStyle/>
+                    <a:p>
+                      <a:pPr indent="304800" algn="ctr" fontAlgn="base">
+                        <a:lnSpc>
+                          <a:spcPct val="115000"/>
+                        </a:lnSpc>
+                        <a:spcBef>
+                          <a:spcPts val="300"/>
+                        </a:spcBef>
+                        <a:spcAft>
+                          <a:spcPts val="300"/>
+                        </a:spcAft>
+                      </a:pPr>
+                      <a:r>
+                        <a:rPr lang="zh-CN" sz="2000" dirty="0">
+                          <a:effectLst/>
+                        </a:rPr>
+                        <a:t>进一步修正无限大介质仿真结果</a:t>
+                      </a:r>
+                      <a:endParaRPr lang="en-US" altLang="zh-CN" sz="2000" dirty="0">
+                        <a:effectLst/>
+                      </a:endParaRPr>
+                    </a:p>
+                    <a:p>
+                      <a:pPr indent="304800" algn="ctr" fontAlgn="base">
+                        <a:lnSpc>
+                          <a:spcPct val="115000"/>
+                        </a:lnSpc>
+                        <a:spcBef>
+                          <a:spcPts val="300"/>
+                        </a:spcBef>
+                        <a:spcAft>
+                          <a:spcPts val="300"/>
+                        </a:spcAft>
+                      </a:pPr>
+                      <a:r>
+                        <a:rPr lang="zh-CN" sz="2000" dirty="0">
+                          <a:effectLst/>
+                        </a:rPr>
+                        <a:t>理想模型的进一步仿真</a:t>
+                      </a:r>
+                      <a:endParaRPr lang="zh-CN" sz="2000" dirty="0">
+                        <a:effectLst/>
+                        <a:latin typeface="黑体" panose="02010609060101010101" pitchFamily="49" charset="-122"/>
+                        <a:ea typeface="黑体" panose="02010609060101010101" pitchFamily="49" charset="-122"/>
+                        <a:cs typeface="宋体" pitchFamily="2" charset="-122"/>
+                      </a:endParaRPr>
+                    </a:p>
+                  </a:txBody>
+                  <a:tcPr marL="68580" marR="68580" marT="0" marB="0" anchor="ctr"/>
+                </a:tc>
+              </a:tr>
+              <a:tr h="1242695">
+                <a:tc>
+                  <a:txBody>
+                    <a:bodyPr/>
+                    <a:lstStyle/>
+                    <a:p>
+                      <a:pPr indent="306070" algn="ctr" fontAlgn="base">
+                        <a:lnSpc>
+                          <a:spcPct val="125000"/>
+                        </a:lnSpc>
+                        <a:spcBef>
+                          <a:spcPts val="300"/>
+                        </a:spcBef>
+                        <a:spcAft>
+                          <a:spcPts val="300"/>
+                        </a:spcAft>
+                      </a:pPr>
+                      <a:r>
+                        <a:rPr lang="en-US" sz="2000" kern="1200" dirty="0">
+                          <a:effectLst/>
+                        </a:rPr>
+                        <a:t>5</a:t>
+                      </a:r>
+                      <a:r>
+                        <a:rPr lang="zh-CN" sz="2000" kern="1200" dirty="0">
+                          <a:effectLst/>
+                        </a:rPr>
+                        <a:t>月</a:t>
+                      </a:r>
+                      <a:endParaRPr lang="zh-CN" sz="2000" dirty="0">
+                        <a:effectLst/>
+                        <a:latin typeface="黑体" panose="02010609060101010101" pitchFamily="49" charset="-122"/>
+                        <a:ea typeface="黑体" panose="02010609060101010101" pitchFamily="49" charset="-122"/>
+                        <a:cs typeface="宋体" pitchFamily="2" charset="-122"/>
+                      </a:endParaRPr>
+                    </a:p>
+                  </a:txBody>
+                  <a:tcPr marL="68580" marR="68580" marT="0" marB="0" anchor="ctr"/>
+                </a:tc>
+                <a:tc>
+                  <a:txBody>
+                    <a:bodyPr/>
+                    <a:lstStyle/>
+                    <a:p>
+                      <a:pPr indent="304800" algn="ctr" fontAlgn="base">
+                        <a:lnSpc>
+                          <a:spcPct val="115000"/>
+                        </a:lnSpc>
+                        <a:spcBef>
+                          <a:spcPts val="300"/>
+                        </a:spcBef>
+                        <a:spcAft>
+                          <a:spcPts val="300"/>
+                        </a:spcAft>
+                      </a:pPr>
+                      <a:r>
+                        <a:rPr lang="zh-CN" sz="2000" dirty="0">
+                          <a:effectLst/>
+                        </a:rPr>
+                        <a:t>模拟其他不同材料和厚度的累积因子</a:t>
+                      </a:r>
+                      <a:endParaRPr lang="zh-CN" sz="2000" dirty="0">
+                        <a:effectLst/>
+                      </a:endParaRPr>
+                    </a:p>
+                    <a:p>
+                      <a:pPr indent="304800" algn="ctr" fontAlgn="base">
+                        <a:lnSpc>
+                          <a:spcPct val="115000"/>
+                        </a:lnSpc>
+                        <a:spcBef>
+                          <a:spcPts val="300"/>
+                        </a:spcBef>
+                        <a:spcAft>
+                          <a:spcPts val="300"/>
+                        </a:spcAft>
+                      </a:pPr>
+                      <a:r>
+                        <a:rPr lang="zh-CN" sz="2000" kern="1200" dirty="0">
+                          <a:effectLst/>
+                        </a:rPr>
+                        <a:t>撰写毕业论文</a:t>
+                      </a:r>
+                      <a:endParaRPr lang="zh-CN" sz="2000" dirty="0">
+                        <a:effectLst/>
+                        <a:latin typeface="黑体" panose="02010609060101010101" pitchFamily="49" charset="-122"/>
+                        <a:ea typeface="黑体" panose="02010609060101010101" pitchFamily="49" charset="-122"/>
+                        <a:cs typeface="宋体" pitchFamily="2" charset="-122"/>
+                      </a:endParaRPr>
+                    </a:p>
+                  </a:txBody>
+                  <a:tcPr marL="68580" marR="68580" marT="0" marB="0" anchor="ctr"/>
+                </a:tc>
+              </a:tr>
+            </a:tbl>
+          </a:graphicData>
+        </a:graphic>
+      </p:graphicFrame>
+      <p:sp>
+        <p:nvSpPr>
+          <p:cNvPr id="5" name="灯片编号占位符 4"/>
           <p:cNvSpPr>
             <a:spLocks noGrp="1"/>
           </p:cNvSpPr>
@@ -12424,7 +12377,7 @@
         </p:nvSpPr>
         <p:spPr>
           <a:xfrm>
-            <a:off x="6755908" y="6101689"/>
+            <a:off x="6804155" y="6237195"/>
             <a:ext cx="2133600" cy="365125"/>
           </a:xfrm>
         </p:spPr>
@@ -12436,7 +12389,7 @@
             <a:fld id="{9A0DB2DC-4C9A-4742-B13C-FB6460FD3503}" type="slidenum">
               <a:rPr lang="zh-CN" altLang="en-US" sz="1800" b="1" smtClean="0"/>
             </a:fld>
-            <a:endParaRPr lang="zh-CN" altLang="en-US" b="1" dirty="0">
+            <a:endParaRPr lang="zh-CN" altLang="en-US" sz="1800" b="1" dirty="0">
               <a:ea typeface="宋体" pitchFamily="2" charset="-122"/>
             </a:endParaRPr>
           </a:p>
@@ -12451,6 +12404,652 @@
 </file>
 
 <file path=ppt/slides/slide18.xml><?xml version="1.0" encoding="utf-8"?>
+<p:sld xmlns:a="http://schemas.openxmlformats.org/drawingml/2006/main" xmlns:r="http://schemas.openxmlformats.org/officeDocument/2006/relationships" xmlns:p="http://schemas.openxmlformats.org/presentationml/2006/main">
+  <p:cSld>
+    <p:spTree>
+      <p:nvGrpSpPr>
+        <p:cNvPr id="1" name=""/>
+        <p:cNvGrpSpPr/>
+        <p:nvPr/>
+      </p:nvGrpSpPr>
+      <p:grpSpPr>
+        <a:xfrm>
+          <a:off x="0" y="0"/>
+          <a:ext cx="0" cy="0"/>
+          <a:chOff x="0" y="0"/>
+          <a:chExt cx="0" cy="0"/>
+        </a:xfrm>
+      </p:grpSpPr>
+      <p:sp>
+        <p:nvSpPr>
+          <p:cNvPr id="6" name="文本框 5"/>
+          <p:cNvSpPr txBox="1"/>
+          <p:nvPr/>
+        </p:nvSpPr>
+        <p:spPr>
+          <a:xfrm>
+            <a:off x="323850" y="836930"/>
+            <a:ext cx="4058285" cy="645160"/>
+          </a:xfrm>
+          <a:prstGeom prst="rect">
+            <a:avLst/>
+          </a:prstGeom>
+          <a:noFill/>
+        </p:spPr>
+        <p:txBody>
+          <a:bodyPr wrap="square" rtlCol="0">
+            <a:spAutoFit/>
+          </a:bodyPr>
+          <a:lstStyle/>
+          <a:p>
+            <a:pPr marL="0" algn="l">
+              <a:lnSpc>
+                <a:spcPct val="100000"/>
+              </a:lnSpc>
+              <a:buClrTx/>
+              <a:buSzTx/>
+              <a:buNone/>
+            </a:pPr>
+            <a:r>
+              <a:rPr lang="zh-CN" altLang="en-US" sz="3600" b="1" dirty="0">
+                <a:solidFill>
+                  <a:schemeClr val="tx2"/>
+                </a:solidFill>
+                <a:effectLst>
+                  <a:outerShdw blurRad="38100" dist="38100" dir="2700000" algn="tl">
+                    <a:srgbClr val="000000">
+                      <a:alpha val="43137"/>
+                    </a:srgbClr>
+                  </a:outerShdw>
+                </a:effectLst>
+                <a:latin typeface="微软雅黑" panose="020B0503020204020204" pitchFamily="34" charset="-122"/>
+                <a:ea typeface="微软雅黑" panose="020B0503020204020204" pitchFamily="34" charset="-122"/>
+                <a:sym typeface="Calibri" panose="020F0502020204030204" charset="0"/>
+              </a:rPr>
+              <a:t>存在的问题与困难</a:t>
+            </a:r>
+            <a:endParaRPr lang="zh-CN" altLang="en-US" sz="3600" b="1" dirty="0">
+              <a:solidFill>
+                <a:schemeClr val="tx2"/>
+              </a:solidFill>
+              <a:effectLst>
+                <a:outerShdw blurRad="38100" dist="38100" dir="2700000" algn="tl">
+                  <a:srgbClr val="000000">
+                    <a:alpha val="43137"/>
+                  </a:srgbClr>
+                </a:outerShdw>
+              </a:effectLst>
+              <a:latin typeface="微软雅黑" panose="020B0503020204020204" pitchFamily="34" charset="-122"/>
+              <a:ea typeface="微软雅黑" panose="020B0503020204020204" pitchFamily="34" charset="-122"/>
+            </a:endParaRPr>
+          </a:p>
+        </p:txBody>
+      </p:sp>
+      <p:sp>
+        <p:nvSpPr>
+          <p:cNvPr id="3" name="内容占位符 2"/>
+          <p:cNvSpPr txBox="1"/>
+          <p:nvPr/>
+        </p:nvSpPr>
+        <p:spPr>
+          <a:xfrm>
+            <a:off x="323704" y="1483151"/>
+            <a:ext cx="8568596" cy="3961985"/>
+          </a:xfrm>
+          <a:prstGeom prst="rect">
+            <a:avLst/>
+          </a:prstGeom>
+          <a:noFill/>
+          <a:ln w="9525">
+            <a:noFill/>
+          </a:ln>
+        </p:spPr>
+        <p:txBody>
+          <a:bodyPr vert="horz">
+            <a:noAutofit/>
+          </a:bodyPr>
+          <a:lstStyle>
+            <a:lvl1pPr marL="342900" lvl="0" indent="-342900" algn="l" defTabSz="914400" eaLnBrk="1" fontAlgn="base" latinLnBrk="0" hangingPunct="1">
+              <a:lnSpc>
+                <a:spcPct val="100000"/>
+              </a:lnSpc>
+              <a:spcBef>
+                <a:spcPct val="20000"/>
+              </a:spcBef>
+              <a:buFont typeface="Arial" panose="02080604020202020204" pitchFamily="34" charset="0"/>
+              <a:buChar char="•"/>
+              <a:defRPr sz="3200" kern="1200">
+                <a:solidFill>
+                  <a:schemeClr val="tx1"/>
+                </a:solidFill>
+                <a:latin typeface="+mn-lt"/>
+                <a:ea typeface="+mn-ea"/>
+                <a:cs typeface="+mn-cs"/>
+                <a:sym typeface="Calibri" panose="020F0502020204030204" charset="0"/>
+              </a:defRPr>
+            </a:lvl1pPr>
+            <a:lvl2pPr marL="742950" lvl="1" indent="-285750" algn="l" defTabSz="914400" eaLnBrk="1" fontAlgn="base" latinLnBrk="0" hangingPunct="1">
+              <a:lnSpc>
+                <a:spcPct val="100000"/>
+              </a:lnSpc>
+              <a:spcBef>
+                <a:spcPct val="20000"/>
+              </a:spcBef>
+              <a:buFont typeface="Arial" panose="02080604020202020204" pitchFamily="34" charset="0"/>
+              <a:buChar char="–"/>
+              <a:defRPr sz="2800" kern="1200">
+                <a:solidFill>
+                  <a:schemeClr val="tx1"/>
+                </a:solidFill>
+                <a:latin typeface="Calibri" panose="020F0502020204030204" charset="0"/>
+                <a:ea typeface="宋体" pitchFamily="2" charset="-122"/>
+                <a:cs typeface="+mn-cs"/>
+                <a:sym typeface="Calibri" panose="020F0502020204030204" charset="0"/>
+              </a:defRPr>
+            </a:lvl2pPr>
+            <a:lvl3pPr marL="1143000" lvl="2" indent="-228600" algn="l" defTabSz="914400" eaLnBrk="1" fontAlgn="base" latinLnBrk="0" hangingPunct="1">
+              <a:lnSpc>
+                <a:spcPct val="100000"/>
+              </a:lnSpc>
+              <a:spcBef>
+                <a:spcPct val="20000"/>
+              </a:spcBef>
+              <a:buFont typeface="Arial" panose="02080604020202020204" pitchFamily="34" charset="0"/>
+              <a:buChar char="•"/>
+              <a:defRPr sz="2400" kern="1200">
+                <a:solidFill>
+                  <a:schemeClr val="tx1"/>
+                </a:solidFill>
+                <a:latin typeface="Calibri" panose="020F0502020204030204" charset="0"/>
+                <a:ea typeface="宋体" pitchFamily="2" charset="-122"/>
+                <a:cs typeface="+mn-cs"/>
+                <a:sym typeface="Calibri" panose="020F0502020204030204" charset="0"/>
+              </a:defRPr>
+            </a:lvl3pPr>
+            <a:lvl4pPr marL="1600200" lvl="3" indent="-228600" algn="l" defTabSz="914400" eaLnBrk="1" fontAlgn="base" latinLnBrk="0" hangingPunct="1">
+              <a:lnSpc>
+                <a:spcPct val="100000"/>
+              </a:lnSpc>
+              <a:spcBef>
+                <a:spcPct val="20000"/>
+              </a:spcBef>
+              <a:buFont typeface="Arial" panose="02080604020202020204" pitchFamily="34" charset="0"/>
+              <a:buChar char="–"/>
+              <a:defRPr sz="2000" kern="1200">
+                <a:solidFill>
+                  <a:schemeClr val="tx1"/>
+                </a:solidFill>
+                <a:latin typeface="Calibri" panose="020F0502020204030204" charset="0"/>
+                <a:ea typeface="宋体" pitchFamily="2" charset="-122"/>
+                <a:cs typeface="+mn-cs"/>
+                <a:sym typeface="Calibri" panose="020F0502020204030204" charset="0"/>
+              </a:defRPr>
+            </a:lvl4pPr>
+            <a:lvl5pPr marL="2057400" lvl="4" indent="-228600" algn="l" defTabSz="914400" eaLnBrk="1" fontAlgn="base" latinLnBrk="0" hangingPunct="1">
+              <a:lnSpc>
+                <a:spcPct val="100000"/>
+              </a:lnSpc>
+              <a:spcBef>
+                <a:spcPct val="20000"/>
+              </a:spcBef>
+              <a:buFont typeface="Arial" panose="02080604020202020204" pitchFamily="34" charset="0"/>
+              <a:buChar char="»"/>
+              <a:defRPr sz="2000" kern="1200">
+                <a:solidFill>
+                  <a:schemeClr val="tx1"/>
+                </a:solidFill>
+                <a:latin typeface="Calibri" panose="020F0502020204030204" charset="0"/>
+                <a:ea typeface="宋体" pitchFamily="2" charset="-122"/>
+                <a:cs typeface="+mn-cs"/>
+                <a:sym typeface="Calibri" panose="020F0502020204030204" charset="0"/>
+              </a:defRPr>
+            </a:lvl5pPr>
+            <a:lvl6pPr marL="2514600" lvl="5" indent="-228600" algn="l" defTabSz="914400" eaLnBrk="1" fontAlgn="base" latinLnBrk="0" hangingPunct="1">
+              <a:lnSpc>
+                <a:spcPct val="100000"/>
+              </a:lnSpc>
+              <a:spcBef>
+                <a:spcPct val="20000"/>
+              </a:spcBef>
+              <a:buFont typeface="Arial" panose="02080604020202020204" pitchFamily="34" charset="0"/>
+              <a:buChar char="»"/>
+              <a:defRPr sz="2000" kern="1200">
+                <a:solidFill>
+                  <a:schemeClr val="tx1"/>
+                </a:solidFill>
+                <a:latin typeface="Calibri" panose="020F0502020204030204" charset="0"/>
+                <a:ea typeface="宋体" pitchFamily="2" charset="-122"/>
+                <a:cs typeface="+mn-cs"/>
+                <a:sym typeface="Calibri" panose="020F0502020204030204" charset="0"/>
+              </a:defRPr>
+            </a:lvl6pPr>
+            <a:lvl7pPr marL="2971800" lvl="6" indent="-228600" algn="l" defTabSz="914400" eaLnBrk="1" fontAlgn="base" latinLnBrk="0" hangingPunct="1">
+              <a:lnSpc>
+                <a:spcPct val="100000"/>
+              </a:lnSpc>
+              <a:spcBef>
+                <a:spcPct val="20000"/>
+              </a:spcBef>
+              <a:buFont typeface="Arial" panose="02080604020202020204" pitchFamily="34" charset="0"/>
+              <a:buChar char="»"/>
+              <a:defRPr sz="2000" kern="1200">
+                <a:solidFill>
+                  <a:schemeClr val="tx1"/>
+                </a:solidFill>
+                <a:latin typeface="Calibri" panose="020F0502020204030204" charset="0"/>
+                <a:ea typeface="宋体" pitchFamily="2" charset="-122"/>
+                <a:cs typeface="+mn-cs"/>
+                <a:sym typeface="Calibri" panose="020F0502020204030204" charset="0"/>
+              </a:defRPr>
+            </a:lvl7pPr>
+            <a:lvl8pPr marL="3429000" lvl="7" indent="-228600" algn="l" defTabSz="914400" eaLnBrk="1" fontAlgn="base" latinLnBrk="0" hangingPunct="1">
+              <a:lnSpc>
+                <a:spcPct val="100000"/>
+              </a:lnSpc>
+              <a:spcBef>
+                <a:spcPct val="20000"/>
+              </a:spcBef>
+              <a:buFont typeface="Arial" panose="02080604020202020204" pitchFamily="34" charset="0"/>
+              <a:buChar char="»"/>
+              <a:defRPr sz="2000" kern="1200">
+                <a:solidFill>
+                  <a:schemeClr val="tx1"/>
+                </a:solidFill>
+                <a:latin typeface="Calibri" panose="020F0502020204030204" charset="0"/>
+                <a:ea typeface="宋体" pitchFamily="2" charset="-122"/>
+                <a:cs typeface="+mn-cs"/>
+                <a:sym typeface="Calibri" panose="020F0502020204030204" charset="0"/>
+              </a:defRPr>
+            </a:lvl8pPr>
+            <a:lvl9pPr marL="3886200" lvl="8" indent="-228600" algn="l" defTabSz="914400" eaLnBrk="1" fontAlgn="base" latinLnBrk="0" hangingPunct="1">
+              <a:lnSpc>
+                <a:spcPct val="100000"/>
+              </a:lnSpc>
+              <a:spcBef>
+                <a:spcPct val="20000"/>
+              </a:spcBef>
+              <a:buFont typeface="Arial" panose="02080604020202020204" pitchFamily="34" charset="0"/>
+              <a:buChar char="»"/>
+              <a:defRPr sz="2000" kern="1200">
+                <a:solidFill>
+                  <a:schemeClr val="tx1"/>
+                </a:solidFill>
+                <a:latin typeface="Calibri" panose="020F0502020204030204" charset="0"/>
+                <a:ea typeface="宋体" pitchFamily="2" charset="-122"/>
+                <a:cs typeface="+mn-cs"/>
+                <a:sym typeface="Calibri" panose="020F0502020204030204" charset="0"/>
+              </a:defRPr>
+            </a:lvl9pPr>
+          </a:lstStyle>
+          <a:p>
+            <a:pPr marL="0" indent="0">
+              <a:lnSpc>
+                <a:spcPct val="150000"/>
+              </a:lnSpc>
+              <a:buNone/>
+            </a:pPr>
+            <a:r>
+              <a:rPr lang="zh-CN" altLang="en-US" sz="2000" b="1" dirty="0">
+                <a:latin typeface="黑体" panose="02010609060101010101" pitchFamily="49" charset="-122"/>
+                <a:ea typeface="黑体" panose="02010609060101010101" pitchFamily="49" charset="-122"/>
+                <a:sym typeface="Calibri" panose="020F0502020204030204" charset="0"/>
+              </a:rPr>
+              <a:t>（</a:t>
+            </a:r>
+            <a:r>
+              <a:rPr lang="en-US" altLang="zh-CN" sz="2000" b="1" dirty="0">
+                <a:latin typeface="黑体" panose="02010609060101010101" pitchFamily="49" charset="-122"/>
+                <a:ea typeface="黑体" panose="02010609060101010101" pitchFamily="49" charset="-122"/>
+                <a:sym typeface="Calibri" panose="020F0502020204030204" charset="0"/>
+              </a:rPr>
+              <a:t>1</a:t>
+            </a:r>
+            <a:r>
+              <a:rPr lang="zh-CN" altLang="en-US" sz="2000" b="1" dirty="0">
+                <a:latin typeface="黑体" panose="02010609060101010101" pitchFamily="49" charset="-122"/>
+                <a:ea typeface="黑体" panose="02010609060101010101" pitchFamily="49" charset="-122"/>
+                <a:sym typeface="Calibri" panose="020F0502020204030204" charset="0"/>
+              </a:rPr>
+              <a:t>）</a:t>
+            </a:r>
+            <a:r>
+              <a:rPr lang="zh-CN" sz="2000" kern="100" dirty="0">
+                <a:effectLst/>
+                <a:latin typeface="黑体" panose="02010609060101010101" pitchFamily="49" charset="-122"/>
+                <a:ea typeface="黑体" panose="02010609060101010101" pitchFamily="49" charset="-122"/>
+                <a:cs typeface="Times New Roman" panose="02020603050405020304" pitchFamily="18" charset="0"/>
+              </a:rPr>
+              <a:t>高能区仿真误差</a:t>
+            </a:r>
+            <a:endParaRPr lang="zh-CN" sz="2000" kern="100" dirty="0">
+              <a:effectLst/>
+              <a:latin typeface="黑体" panose="02010609060101010101" pitchFamily="49" charset="-122"/>
+              <a:ea typeface="黑体" panose="02010609060101010101" pitchFamily="49" charset="-122"/>
+              <a:cs typeface="Times New Roman" panose="02020603050405020304" pitchFamily="18" charset="0"/>
+            </a:endParaRPr>
+          </a:p>
+          <a:p>
+            <a:pPr marL="0" indent="0">
+              <a:lnSpc>
+                <a:spcPct val="150000"/>
+              </a:lnSpc>
+              <a:buNone/>
+            </a:pPr>
+            <a:r>
+              <a:rPr lang="zh-CN" sz="2000" kern="100" dirty="0">
+                <a:effectLst/>
+                <a:latin typeface="+mn-ea"/>
+                <a:cs typeface="Times New Roman" panose="02020603050405020304" pitchFamily="18" charset="0"/>
+              </a:rPr>
+              <a:t>能量在</a:t>
+            </a:r>
+            <a:r>
+              <a:rPr lang="en-US" altLang="zh-CN" sz="2000" kern="100" dirty="0">
+                <a:effectLst/>
+                <a:latin typeface="+mn-ea"/>
+                <a:cs typeface="Times New Roman" panose="02020603050405020304" pitchFamily="18" charset="0"/>
+              </a:rPr>
+              <a:t>4MeV</a:t>
+            </a:r>
+            <a:r>
+              <a:rPr lang="zh-CN" altLang="en-US" sz="2000" kern="100" dirty="0">
+                <a:effectLst/>
+                <a:latin typeface="+mn-ea"/>
+                <a:cs typeface="Times New Roman" panose="02020603050405020304" pitchFamily="18" charset="0"/>
+              </a:rPr>
+              <a:t>以上时累积因子的仿真结果仍有一定误差</a:t>
+            </a:r>
+            <a:r>
+              <a:rPr lang="en-US" altLang="zh-CN" sz="2000" kern="100" dirty="0">
+                <a:effectLst/>
+                <a:latin typeface="+mn-ea"/>
+                <a:cs typeface="Times New Roman" panose="02020603050405020304" pitchFamily="18" charset="0"/>
+              </a:rPr>
+              <a:t>,</a:t>
+            </a:r>
+            <a:r>
+              <a:rPr lang="zh-CN" altLang="en-US" sz="2000" kern="100" dirty="0">
+                <a:effectLst/>
+                <a:latin typeface="+mn-ea"/>
+                <a:cs typeface="Times New Roman" panose="02020603050405020304" pitchFamily="18" charset="0"/>
+              </a:rPr>
+              <a:t>有待进一步修正</a:t>
+            </a:r>
+            <a:endParaRPr lang="zh-CN" altLang="en-US" sz="2000" kern="100" dirty="0">
+              <a:effectLst/>
+              <a:latin typeface="+mn-ea"/>
+              <a:cs typeface="Times New Roman" panose="02020603050405020304" pitchFamily="18" charset="0"/>
+            </a:endParaRPr>
+          </a:p>
+          <a:p>
+            <a:pPr marL="0" indent="0">
+              <a:lnSpc>
+                <a:spcPct val="150000"/>
+              </a:lnSpc>
+              <a:buNone/>
+            </a:pPr>
+            <a:endParaRPr lang="zh-CN" sz="2000" kern="100" dirty="0">
+              <a:effectLst/>
+              <a:latin typeface="+mn-ea"/>
+              <a:cs typeface="Times New Roman" panose="02020603050405020304" pitchFamily="18" charset="0"/>
+            </a:endParaRPr>
+          </a:p>
+          <a:p>
+            <a:pPr marL="0" indent="0">
+              <a:lnSpc>
+                <a:spcPct val="150000"/>
+              </a:lnSpc>
+              <a:buNone/>
+            </a:pPr>
+            <a:r>
+              <a:rPr lang="zh-CN" altLang="en-US" sz="2000" b="1" dirty="0">
+                <a:latin typeface="黑体" panose="02010609060101010101" pitchFamily="49" charset="-122"/>
+                <a:ea typeface="黑体" panose="02010609060101010101" pitchFamily="49" charset="-122"/>
+                <a:sym typeface="Calibri" panose="020F0502020204030204" charset="0"/>
+              </a:rPr>
+              <a:t>（</a:t>
+            </a:r>
+            <a:r>
+              <a:rPr lang="en-US" altLang="zh-CN" sz="2000" b="1" dirty="0">
+                <a:latin typeface="黑体" panose="02010609060101010101" pitchFamily="49" charset="-122"/>
+                <a:ea typeface="黑体" panose="02010609060101010101" pitchFamily="49" charset="-122"/>
+                <a:sym typeface="Calibri" panose="020F0502020204030204" charset="0"/>
+              </a:rPr>
+              <a:t>2</a:t>
+            </a:r>
+            <a:r>
+              <a:rPr lang="zh-CN" altLang="en-US" sz="2000" b="1" dirty="0">
+                <a:latin typeface="黑体" panose="02010609060101010101" pitchFamily="49" charset="-122"/>
+                <a:ea typeface="黑体" panose="02010609060101010101" pitchFamily="49" charset="-122"/>
+                <a:sym typeface="Calibri" panose="020F0502020204030204" charset="0"/>
+              </a:rPr>
+              <a:t>）</a:t>
+            </a:r>
+            <a:r>
+              <a:rPr lang="zh-CN" sz="2000" kern="100" dirty="0">
+                <a:effectLst/>
+                <a:latin typeface="黑体" panose="02010609060101010101" pitchFamily="49" charset="-122"/>
+                <a:ea typeface="黑体" panose="02010609060101010101" pitchFamily="49" charset="-122"/>
+                <a:cs typeface="Times New Roman" panose="02020603050405020304" pitchFamily="18" charset="0"/>
+              </a:rPr>
+              <a:t>理论计算累积因子</a:t>
+            </a:r>
+            <a:endParaRPr lang="zh-CN" sz="2000" kern="100" dirty="0">
+              <a:effectLst/>
+              <a:latin typeface="黑体" panose="02010609060101010101" pitchFamily="49" charset="-122"/>
+              <a:ea typeface="黑体" panose="02010609060101010101" pitchFamily="49" charset="-122"/>
+              <a:cs typeface="Times New Roman" panose="02020603050405020304" pitchFamily="18" charset="0"/>
+            </a:endParaRPr>
+          </a:p>
+          <a:p>
+            <a:pPr marL="0" indent="0">
+              <a:lnSpc>
+                <a:spcPct val="150000"/>
+              </a:lnSpc>
+              <a:buNone/>
+            </a:pPr>
+            <a:r>
+              <a:rPr lang="zh-CN" sz="2000" kern="100" dirty="0">
+                <a:latin typeface="+mn-ea"/>
+                <a:cs typeface="Times New Roman" panose="02020603050405020304" pitchFamily="18" charset="0"/>
+              </a:rPr>
+              <a:t>理想无限大面源无限大平板屏蔽的模型中</a:t>
+            </a:r>
+            <a:r>
+              <a:rPr lang="en-US" altLang="zh-CN" sz="2000" kern="100" dirty="0">
+                <a:latin typeface="+mn-ea"/>
+                <a:cs typeface="Times New Roman" panose="02020603050405020304" pitchFamily="18" charset="0"/>
+              </a:rPr>
+              <a:t>,</a:t>
+            </a:r>
+            <a:r>
+              <a:rPr lang="zh-CN" altLang="en-US" sz="2000" kern="100" dirty="0">
+                <a:latin typeface="+mn-ea"/>
+                <a:cs typeface="Times New Roman" panose="02020603050405020304" pitchFamily="18" charset="0"/>
+              </a:rPr>
+              <a:t>有希望从理论上对累积因子进行计算</a:t>
+            </a:r>
+            <a:r>
+              <a:rPr lang="en-US" altLang="zh-CN" sz="2000" kern="100" dirty="0">
+                <a:latin typeface="+mn-ea"/>
+                <a:cs typeface="Times New Roman" panose="02020603050405020304" pitchFamily="18" charset="0"/>
+              </a:rPr>
+              <a:t>,</a:t>
+            </a:r>
+            <a:r>
+              <a:rPr lang="zh-CN" altLang="en-US" sz="2000" kern="100" dirty="0">
+                <a:latin typeface="+mn-ea"/>
+                <a:cs typeface="Times New Roman" panose="02020603050405020304" pitchFamily="18" charset="0"/>
+              </a:rPr>
+              <a:t>但仍有一定困难</a:t>
+            </a:r>
+            <a:endParaRPr lang="zh-CN" altLang="en-US" sz="2000" b="1" kern="100" dirty="0">
+              <a:latin typeface="+mn-ea"/>
+              <a:cs typeface="Times New Roman" panose="02020603050405020304" pitchFamily="18" charset="0"/>
+              <a:sym typeface="Calibri" panose="020F0502020204030204" charset="0"/>
+            </a:endParaRPr>
+          </a:p>
+        </p:txBody>
+      </p:sp>
+      <p:sp>
+        <p:nvSpPr>
+          <p:cNvPr id="10" name="Rectangle 4"/>
+          <p:cNvSpPr>
+            <a:spLocks noChangeArrowheads="1"/>
+          </p:cNvSpPr>
+          <p:nvPr/>
+        </p:nvSpPr>
+        <p:spPr bwMode="auto">
+          <a:xfrm>
+            <a:off x="107690" y="116770"/>
+            <a:ext cx="9144000" cy="0"/>
+          </a:xfrm>
+          <a:prstGeom prst="rect">
+            <a:avLst/>
+          </a:prstGeom>
+          <a:noFill/>
+          <a:ln>
+            <a:noFill/>
+          </a:ln>
+          <a:effectLst/>
+          <a:extLst>
+            <a:ext uri="{909E8E84-426E-40DD-AFC4-6F175D3DCCD1}">
+              <a14:hiddenFill xmlns:a14="http://schemas.microsoft.com/office/drawing/2010/main">
+                <a:solidFill>
+                  <a:schemeClr val="accent1"/>
+                </a:solidFill>
+              </a14:hiddenFill>
+            </a:ext>
+            <a:ext uri="{91240B29-F687-4F45-9708-019B960494DF}">
+              <a14:hiddenLine xmlns:a14="http://schemas.microsoft.com/office/drawing/2010/main" w="9525">
+                <a:solidFill>
+                  <a:schemeClr val="tx1"/>
+                </a:solidFill>
+                <a:miter lim="800000"/>
+                <a:headEnd/>
+                <a:tailEnd/>
+              </a14:hiddenLine>
+            </a:ext>
+            <a:ext uri="{AF507438-7753-43E0-B8FC-AC1667EBCBE1}">
+              <a14:hiddenEffects xmlns:a14="http://schemas.microsoft.com/office/drawing/2010/main">
+                <a:effectLst>
+                  <a:outerShdw dist="35921" dir="2700000" algn="ctr" rotWithShape="0">
+                    <a:schemeClr val="bg2"/>
+                  </a:outerShdw>
+                </a:effectLst>
+              </a14:hiddenEffects>
+            </a:ext>
+          </a:extLst>
+        </p:spPr>
+        <p:txBody>
+          <a:bodyPr vert="horz" wrap="none" lIns="91440" tIns="45720" rIns="91440" bIns="45720" numCol="1" anchor="ctr" anchorCtr="0" compatLnSpc="1">
+            <a:spAutoFit/>
+          </a:bodyPr>
+          <a:lstStyle/>
+          <a:p>
+            <a:endParaRPr lang="zh-CN" altLang="en-US"/>
+          </a:p>
+        </p:txBody>
+      </p:sp>
+      <p:sp>
+        <p:nvSpPr>
+          <p:cNvPr id="19" name="Rectangle 9"/>
+          <p:cNvSpPr>
+            <a:spLocks noChangeArrowheads="1"/>
+          </p:cNvSpPr>
+          <p:nvPr/>
+        </p:nvSpPr>
+        <p:spPr bwMode="auto">
+          <a:xfrm>
+            <a:off x="0" y="0"/>
+            <a:ext cx="9144000" cy="0"/>
+          </a:xfrm>
+          <a:prstGeom prst="rect">
+            <a:avLst/>
+          </a:prstGeom>
+          <a:noFill/>
+          <a:ln>
+            <a:noFill/>
+          </a:ln>
+          <a:effectLst/>
+          <a:extLst>
+            <a:ext uri="{909E8E84-426E-40DD-AFC4-6F175D3DCCD1}">
+              <a14:hiddenFill xmlns:a14="http://schemas.microsoft.com/office/drawing/2010/main">
+                <a:solidFill>
+                  <a:schemeClr val="accent1"/>
+                </a:solidFill>
+              </a14:hiddenFill>
+            </a:ext>
+            <a:ext uri="{91240B29-F687-4F45-9708-019B960494DF}">
+              <a14:hiddenLine xmlns:a14="http://schemas.microsoft.com/office/drawing/2010/main" w="9525">
+                <a:solidFill>
+                  <a:schemeClr val="tx1"/>
+                </a:solidFill>
+                <a:miter lim="800000"/>
+                <a:headEnd/>
+                <a:tailEnd/>
+              </a14:hiddenLine>
+            </a:ext>
+            <a:ext uri="{AF507438-7753-43E0-B8FC-AC1667EBCBE1}">
+              <a14:hiddenEffects xmlns:a14="http://schemas.microsoft.com/office/drawing/2010/main">
+                <a:effectLst>
+                  <a:outerShdw dist="35921" dir="2700000" algn="ctr" rotWithShape="0">
+                    <a:schemeClr val="bg2"/>
+                  </a:outerShdw>
+                </a:effectLst>
+              </a14:hiddenEffects>
+            </a:ext>
+          </a:extLst>
+        </p:spPr>
+        <p:txBody>
+          <a:bodyPr vert="horz" wrap="none" lIns="91440" tIns="45720" rIns="91440" bIns="45720" numCol="1" anchor="ctr" anchorCtr="0" compatLnSpc="1">
+            <a:spAutoFit/>
+          </a:bodyPr>
+          <a:lstStyle/>
+          <a:p>
+            <a:endParaRPr lang="zh-CN" altLang="en-US"/>
+          </a:p>
+        </p:txBody>
+      </p:sp>
+      <p:sp>
+        <p:nvSpPr>
+          <p:cNvPr id="2" name="灯片编号占位符 1"/>
+          <p:cNvSpPr>
+            <a:spLocks noGrp="1"/>
+          </p:cNvSpPr>
+          <p:nvPr>
+            <p:ph type="sldNum" sz="quarter" idx="12"/>
+          </p:nvPr>
+        </p:nvSpPr>
+        <p:spPr>
+          <a:xfrm>
+            <a:off x="6755908" y="6101689"/>
+            <a:ext cx="2133600" cy="365125"/>
+          </a:xfrm>
+        </p:spPr>
+        <p:txBody>
+          <a:bodyPr/>
+          <a:lstStyle/>
+          <a:p>
+            <a:pPr lvl="0"/>
+            <a:fld id="{9A0DB2DC-4C9A-4742-B13C-FB6460FD3503}" type="slidenum">
+              <a:rPr lang="zh-CN" altLang="en-US" sz="1800" b="1" smtClean="0"/>
+            </a:fld>
+            <a:endParaRPr lang="zh-CN" altLang="en-US" b="1" dirty="0">
+              <a:ea typeface="宋体" pitchFamily="2" charset="-122"/>
+            </a:endParaRPr>
+          </a:p>
+        </p:txBody>
+      </p:sp>
+    </p:spTree>
+  </p:cSld>
+  <p:clrMapOvr>
+    <a:masterClrMapping/>
+  </p:clrMapOvr>
+</p:sld>
+</file>
+
+<file path=ppt/slides/slide19.xml><?xml version="1.0" encoding="utf-8"?>
 <p:sld xmlns:a="http://schemas.openxmlformats.org/drawingml/2006/main" xmlns:r="http://schemas.openxmlformats.org/officeDocument/2006/relationships" xmlns:p="http://schemas.openxmlformats.org/presentationml/2006/main">
   <p:cSld>
     <p:spTree>
@@ -13827,7 +14426,7 @@
         </p:nvSpPr>
         <p:spPr>
           <a:xfrm>
-            <a:off x="4572000" y="2967990"/>
+            <a:off x="4643755" y="4532630"/>
             <a:ext cx="3752215" cy="922020"/>
           </a:xfrm>
           <a:prstGeom prst="rect">
@@ -13847,7 +14446,7 @@
                 <a:ea typeface="黑体" panose="02010609060101010101" pitchFamily="49" charset="-122"/>
                 <a:sym typeface="+mn-ea"/>
               </a:rPr>
-              <a:t>两种经验公式计算累计因子结果在屏蔽距离较大时有明显差距</a:t>
+              <a:t>两种经验公式计算累积因子结果在屏蔽距离较大时有明显差距</a:t>
             </a:r>
             <a:r>
               <a:rPr lang="en-US" altLang="zh-CN" dirty="0">
@@ -13873,6 +14472,388 @@
           </a:p>
         </p:txBody>
       </p:sp>
+      <p:graphicFrame>
+        <p:nvGraphicFramePr>
+          <p:cNvPr id="4" name="对象 6"/>
+          <p:cNvGraphicFramePr>
+            <a:graphicFrameLocks noChangeAspect="1"/>
+          </p:cNvGraphicFramePr>
+          <p:nvPr/>
+        </p:nvGraphicFramePr>
+        <p:xfrm>
+          <a:off x="4719320" y="1646238"/>
+          <a:ext cx="3516313" cy="566737"/>
+        </p:xfrm>
+        <a:graphic>
+          <a:graphicData uri="http://schemas.openxmlformats.org/presentationml/2006/ole">
+            <mc:AlternateContent xmlns:mc="http://schemas.openxmlformats.org/markup-compatibility/2006">
+              <mc:Choice xmlns:v="urn:schemas-microsoft-com:vml" Requires="v">
+                <p:oleObj spid="_x0000_s7" name="" r:id="rId2" imgW="1422400" imgH="228600" progId="Equation.DSMT4">
+                  <p:embed/>
+                </p:oleObj>
+              </mc:Choice>
+              <mc:Fallback>
+                <p:oleObj name="" r:id="rId2" imgW="1422400" imgH="228600" progId="Equation.DSMT4">
+                  <p:embed/>
+                  <p:pic>
+                    <p:nvPicPr>
+                      <p:cNvPr id="0" name="图片 3089"/>
+                      <p:cNvPicPr/>
+                      <p:nvPr/>
+                    </p:nvPicPr>
+                    <p:blipFill>
+                      <a:blip r:embed="rId3"/>
+                      <a:stretch>
+                        <a:fillRect/>
+                      </a:stretch>
+                    </p:blipFill>
+                    <p:spPr>
+                      <a:xfrm>
+                        <a:off x="4719320" y="1646238"/>
+                        <a:ext cx="3516313" cy="566737"/>
+                      </a:xfrm>
+                      <a:prstGeom prst="rect">
+                        <a:avLst/>
+                      </a:prstGeom>
+                      <a:noFill/>
+                      <a:ln w="38100">
+                        <a:noFill/>
+                        <a:miter/>
+                      </a:ln>
+                    </p:spPr>
+                  </p:pic>
+                </p:oleObj>
+              </mc:Fallback>
+            </mc:AlternateContent>
+          </a:graphicData>
+        </a:graphic>
+      </p:graphicFrame>
+      <p:sp>
+        <p:nvSpPr>
+          <p:cNvPr id="19459" name="矩形 3"/>
+          <p:cNvSpPr/>
+          <p:nvPr/>
+        </p:nvSpPr>
+        <p:spPr>
+          <a:xfrm>
+            <a:off x="5701348" y="1124268"/>
+            <a:ext cx="1492885" cy="398780"/>
+          </a:xfrm>
+          <a:prstGeom prst="rect">
+            <a:avLst/>
+          </a:prstGeom>
+          <a:noFill/>
+          <a:ln w="9525">
+            <a:noFill/>
+          </a:ln>
+        </p:spPr>
+        <p:txBody>
+          <a:bodyPr wrap="none">
+            <a:spAutoFit/>
+          </a:bodyPr>
+          <a:lstStyle>
+            <a:lvl1pPr marL="342900" indent="-342900" algn="l" rtl="0" eaLnBrk="0" fontAlgn="base" hangingPunct="0">
+              <a:spcBef>
+                <a:spcPct val="20000"/>
+              </a:spcBef>
+              <a:spcAft>
+                <a:spcPct val="0"/>
+              </a:spcAft>
+              <a:buChar char="•"/>
+              <a:defRPr sz="3200" b="0" kern="1200">
+                <a:solidFill>
+                  <a:schemeClr val="tx1"/>
+                </a:solidFill>
+                <a:latin typeface="+mn-lt"/>
+                <a:ea typeface="+mn-ea"/>
+                <a:cs typeface="+mn-cs"/>
+              </a:defRPr>
+            </a:lvl1pPr>
+            <a:lvl2pPr marL="742950" indent="-285750" algn="l" rtl="0" eaLnBrk="0" fontAlgn="base" hangingPunct="0">
+              <a:spcBef>
+                <a:spcPct val="20000"/>
+              </a:spcBef>
+              <a:spcAft>
+                <a:spcPct val="0"/>
+              </a:spcAft>
+              <a:buChar char="–"/>
+              <a:defRPr sz="2800" kern="1200">
+                <a:solidFill>
+                  <a:schemeClr val="tx1"/>
+                </a:solidFill>
+                <a:latin typeface="+mn-lt"/>
+                <a:ea typeface="+mn-ea"/>
+                <a:cs typeface="+mn-cs"/>
+              </a:defRPr>
+            </a:lvl2pPr>
+            <a:lvl3pPr marL="1143000" indent="-228600" algn="l" rtl="0" eaLnBrk="0" fontAlgn="base" hangingPunct="0">
+              <a:spcBef>
+                <a:spcPct val="20000"/>
+              </a:spcBef>
+              <a:spcAft>
+                <a:spcPct val="0"/>
+              </a:spcAft>
+              <a:buChar char="•"/>
+              <a:defRPr sz="2400" kern="1200">
+                <a:solidFill>
+                  <a:schemeClr val="tx1"/>
+                </a:solidFill>
+                <a:latin typeface="+mn-lt"/>
+                <a:ea typeface="+mn-ea"/>
+                <a:cs typeface="+mn-cs"/>
+              </a:defRPr>
+            </a:lvl3pPr>
+            <a:lvl4pPr marL="1600200" indent="-228600" algn="l" rtl="0" eaLnBrk="0" fontAlgn="base" hangingPunct="0">
+              <a:spcBef>
+                <a:spcPct val="20000"/>
+              </a:spcBef>
+              <a:spcAft>
+                <a:spcPct val="0"/>
+              </a:spcAft>
+              <a:buChar char="–"/>
+              <a:defRPr sz="2000" kern="1200">
+                <a:solidFill>
+                  <a:schemeClr val="tx1"/>
+                </a:solidFill>
+                <a:latin typeface="+mn-lt"/>
+                <a:ea typeface="+mn-ea"/>
+                <a:cs typeface="+mn-cs"/>
+              </a:defRPr>
+            </a:lvl4pPr>
+            <a:lvl5pPr marL="2057400" indent="-228600" algn="l" rtl="0" eaLnBrk="0" fontAlgn="base" hangingPunct="0">
+              <a:spcBef>
+                <a:spcPct val="20000"/>
+              </a:spcBef>
+              <a:spcAft>
+                <a:spcPct val="0"/>
+              </a:spcAft>
+              <a:buChar char="»"/>
+              <a:defRPr sz="2000" kern="1200">
+                <a:solidFill>
+                  <a:schemeClr val="tx1"/>
+                </a:solidFill>
+                <a:latin typeface="+mn-lt"/>
+                <a:ea typeface="+mn-ea"/>
+                <a:cs typeface="+mn-cs"/>
+              </a:defRPr>
+            </a:lvl5pPr>
+          </a:lstStyle>
+          <a:p>
+            <a:pPr marL="0" lvl="0" indent="0" algn="ctr">
+              <a:spcBef>
+                <a:spcPct val="0"/>
+              </a:spcBef>
+              <a:buNone/>
+            </a:pPr>
+            <a:r>
+              <a:rPr lang="en-US" altLang="zh-CN" sz="2000" b="1" dirty="0"/>
+              <a:t> a </a:t>
+            </a:r>
+            <a:r>
+              <a:rPr lang="zh-CN" altLang="en-US" sz="2000" b="1" dirty="0"/>
+              <a:t>泰勒公式</a:t>
+            </a:r>
+            <a:endParaRPr lang="zh-CN" altLang="en-US" sz="2000" b="1" dirty="0"/>
+          </a:p>
+        </p:txBody>
+      </p:sp>
+      <p:sp>
+        <p:nvSpPr>
+          <p:cNvPr id="20482" name="矩形 1"/>
+          <p:cNvSpPr/>
+          <p:nvPr/>
+        </p:nvSpPr>
+        <p:spPr>
+          <a:xfrm>
+            <a:off x="5694998" y="2814320"/>
+            <a:ext cx="1505585" cy="398780"/>
+          </a:xfrm>
+          <a:prstGeom prst="rect">
+            <a:avLst/>
+          </a:prstGeom>
+          <a:noFill/>
+          <a:ln w="9525">
+            <a:noFill/>
+          </a:ln>
+        </p:spPr>
+        <p:txBody>
+          <a:bodyPr wrap="none">
+            <a:spAutoFit/>
+          </a:bodyPr>
+          <a:lstStyle>
+            <a:lvl1pPr marL="342900" indent="-342900" algn="l" rtl="0" eaLnBrk="0" fontAlgn="base" hangingPunct="0">
+              <a:spcBef>
+                <a:spcPct val="20000"/>
+              </a:spcBef>
+              <a:spcAft>
+                <a:spcPct val="0"/>
+              </a:spcAft>
+              <a:buChar char="•"/>
+              <a:defRPr sz="3200" b="0" kern="1200">
+                <a:solidFill>
+                  <a:schemeClr val="tx1"/>
+                </a:solidFill>
+                <a:latin typeface="+mn-lt"/>
+                <a:ea typeface="+mn-ea"/>
+                <a:cs typeface="+mn-cs"/>
+              </a:defRPr>
+            </a:lvl1pPr>
+            <a:lvl2pPr marL="742950" indent="-285750" algn="l" rtl="0" eaLnBrk="0" fontAlgn="base" hangingPunct="0">
+              <a:spcBef>
+                <a:spcPct val="20000"/>
+              </a:spcBef>
+              <a:spcAft>
+                <a:spcPct val="0"/>
+              </a:spcAft>
+              <a:buChar char="–"/>
+              <a:defRPr sz="2800" kern="1200">
+                <a:solidFill>
+                  <a:schemeClr val="tx1"/>
+                </a:solidFill>
+                <a:latin typeface="+mn-lt"/>
+                <a:ea typeface="+mn-ea"/>
+                <a:cs typeface="+mn-cs"/>
+              </a:defRPr>
+            </a:lvl2pPr>
+            <a:lvl3pPr marL="1143000" indent="-228600" algn="l" rtl="0" eaLnBrk="0" fontAlgn="base" hangingPunct="0">
+              <a:spcBef>
+                <a:spcPct val="20000"/>
+              </a:spcBef>
+              <a:spcAft>
+                <a:spcPct val="0"/>
+              </a:spcAft>
+              <a:buChar char="•"/>
+              <a:defRPr sz="2400" kern="1200">
+                <a:solidFill>
+                  <a:schemeClr val="tx1"/>
+                </a:solidFill>
+                <a:latin typeface="+mn-lt"/>
+                <a:ea typeface="+mn-ea"/>
+                <a:cs typeface="+mn-cs"/>
+              </a:defRPr>
+            </a:lvl3pPr>
+            <a:lvl4pPr marL="1600200" indent="-228600" algn="l" rtl="0" eaLnBrk="0" fontAlgn="base" hangingPunct="0">
+              <a:spcBef>
+                <a:spcPct val="20000"/>
+              </a:spcBef>
+              <a:spcAft>
+                <a:spcPct val="0"/>
+              </a:spcAft>
+              <a:buChar char="–"/>
+              <a:defRPr sz="2000" kern="1200">
+                <a:solidFill>
+                  <a:schemeClr val="tx1"/>
+                </a:solidFill>
+                <a:latin typeface="+mn-lt"/>
+                <a:ea typeface="+mn-ea"/>
+                <a:cs typeface="+mn-cs"/>
+              </a:defRPr>
+            </a:lvl4pPr>
+            <a:lvl5pPr marL="2057400" indent="-228600" algn="l" rtl="0" eaLnBrk="0" fontAlgn="base" hangingPunct="0">
+              <a:spcBef>
+                <a:spcPct val="20000"/>
+              </a:spcBef>
+              <a:spcAft>
+                <a:spcPct val="0"/>
+              </a:spcAft>
+              <a:buChar char="»"/>
+              <a:defRPr sz="2000" kern="1200">
+                <a:solidFill>
+                  <a:schemeClr val="tx1"/>
+                </a:solidFill>
+                <a:latin typeface="+mn-lt"/>
+                <a:ea typeface="+mn-ea"/>
+                <a:cs typeface="+mn-cs"/>
+              </a:defRPr>
+            </a:lvl5pPr>
+          </a:lstStyle>
+          <a:p>
+            <a:pPr marL="0" lvl="0" indent="0" algn="ctr">
+              <a:spcBef>
+                <a:spcPct val="0"/>
+              </a:spcBef>
+              <a:buNone/>
+            </a:pPr>
+            <a:r>
+              <a:rPr lang="zh-CN" altLang="en-US" sz="2000" b="1" dirty="0"/>
+              <a:t> </a:t>
+            </a:r>
+            <a:r>
+              <a:rPr lang="en-US" altLang="zh-CN" sz="2000" b="1" dirty="0"/>
+              <a:t>b</a:t>
+            </a:r>
+            <a:r>
+              <a:rPr lang="zh-CN" altLang="en-US" sz="2000" b="1" dirty="0"/>
+              <a:t> 博</a:t>
+            </a:r>
+            <a:r>
+              <a:rPr lang="zh-CN" sz="2000" b="1" dirty="0"/>
+              <a:t>杰</a:t>
+            </a:r>
+            <a:r>
+              <a:rPr lang="zh-CN" altLang="en-US" sz="2000" b="1" dirty="0"/>
+              <a:t>公式</a:t>
+            </a:r>
+            <a:endParaRPr lang="zh-CN" altLang="en-US" sz="2000" b="1" dirty="0"/>
+          </a:p>
+        </p:txBody>
+      </p:sp>
+      <p:graphicFrame>
+        <p:nvGraphicFramePr>
+          <p:cNvPr id="20483" name="对象 2"/>
+          <p:cNvGraphicFramePr>
+            <a:graphicFrameLocks noChangeAspect="1"/>
+          </p:cNvGraphicFramePr>
+          <p:nvPr/>
+        </p:nvGraphicFramePr>
+        <p:xfrm>
+          <a:off x="5339080" y="3213100"/>
+          <a:ext cx="2565400" cy="609600"/>
+        </p:xfrm>
+        <a:graphic>
+          <a:graphicData uri="http://schemas.openxmlformats.org/presentationml/2006/ole">
+            <mc:AlternateContent xmlns:mc="http://schemas.openxmlformats.org/markup-compatibility/2006">
+              <mc:Choice xmlns:v="urn:schemas-microsoft-com:vml" Requires="v">
+                <p:oleObj spid="_x0000_s4100" name="" r:id="rId4" imgW="965200" imgH="228600" progId="Equation.DSMT4">
+                  <p:embed/>
+                </p:oleObj>
+              </mc:Choice>
+              <mc:Fallback>
+                <p:oleObj name="" r:id="rId4" imgW="965200" imgH="228600" progId="Equation.DSMT4">
+                  <p:embed/>
+                  <p:pic>
+                    <p:nvPicPr>
+                      <p:cNvPr id="0" name="图片 3091"/>
+                      <p:cNvPicPr/>
+                      <p:nvPr/>
+                    </p:nvPicPr>
+                    <p:blipFill>
+                      <a:blip r:embed="rId5"/>
+                      <a:stretch>
+                        <a:fillRect/>
+                      </a:stretch>
+                    </p:blipFill>
+                    <p:spPr>
+                      <a:xfrm>
+                        <a:off x="5339080" y="3213100"/>
+                        <a:ext cx="2565400" cy="609600"/>
+                      </a:xfrm>
+                      <a:prstGeom prst="rect">
+                        <a:avLst/>
+                      </a:prstGeom>
+                      <a:noFill/>
+                      <a:ln w="38100">
+                        <a:noFill/>
+                        <a:miter/>
+                      </a:ln>
+                    </p:spPr>
+                  </p:pic>
+                </p:oleObj>
+              </mc:Fallback>
+            </mc:AlternateContent>
+          </a:graphicData>
+        </a:graphic>
+      </p:graphicFrame>
     </p:spTree>
   </p:cSld>
   <p:clrMapOvr>
@@ -14033,7 +15014,7 @@
                 <a:latin typeface="黑体" panose="02010609060101010101" pitchFamily="49" charset="-122"/>
                 <a:ea typeface="黑体" panose="02010609060101010101" pitchFamily="49" charset="-122"/>
               </a:rPr>
-              <a:t>本课题通过模拟伽玛辐射在经过屏蔽物质后衰减规律，来研究伽玛辐射屏蔽中累计因子的规律，进而得到对人体、仪器设备等屏蔽效果最佳的若干种方案</a:t>
+              <a:t>本课题通过模拟伽玛辐射在经过屏蔽物质后衰减规律，来研究伽玛辐射屏蔽中累积因子的规律，进而得到对人体、仪器设备等屏蔽效果最佳的若干种方案</a:t>
             </a:r>
             <a:r>
               <a:rPr lang="zh-CN" altLang="en-US" sz="2400" dirty="0">
@@ -14059,7 +15040,7 @@
         </p:nvPicPr>
         <p:blipFill>
           <a:blip r:embed="rId1"/>
-          <a:srcRect l="2602" r="61698" b="12440"/>
+          <a:srcRect l="2602" r="61698" b="20523"/>
           <a:stretch>
             <a:fillRect/>
           </a:stretch>
@@ -14067,7 +15048,7 @@
         <p:spPr>
           <a:xfrm>
             <a:off x="5909945" y="2276475"/>
-            <a:ext cx="2883535" cy="2875280"/>
+            <a:ext cx="2883535" cy="2609850"/>
           </a:xfrm>
           <a:prstGeom prst="rect">
             <a:avLst/>
@@ -14564,7 +15545,7 @@
                 <a:ea typeface="微软雅黑" panose="020B0503020204020204" pitchFamily="34" charset="-122"/>
                 <a:sym typeface="Calibri" panose="020F0502020204030204" charset="0"/>
               </a:rPr>
-              <a:t>无限大介质累计因子的模拟与修正</a:t>
+              <a:t>无限大介质累积因子的模拟与修正</a:t>
             </a:r>
             <a:endParaRPr lang="zh-CN" sz="2200" b="1" dirty="0">
               <a:latin typeface="微软雅黑" panose="020B0503020204020204" pitchFamily="34" charset="-122"/>
@@ -14593,7 +15574,7 @@
                 <a:ea typeface="微软雅黑" panose="020B0503020204020204" pitchFamily="34" charset="-122"/>
                 <a:sym typeface="Calibri" panose="020F0502020204030204" charset="0"/>
               </a:rPr>
-              <a:t>无限大平板无限大面源理想模型的累计因子模拟</a:t>
+              <a:t>无限大平板无限大面源理想模型的累积因子模拟</a:t>
             </a:r>
             <a:endParaRPr lang="en-US" altLang="zh-CN" sz="2200" b="1" dirty="0">
               <a:latin typeface="微软雅黑" panose="020B0503020204020204" pitchFamily="34" charset="-122"/>
@@ -15869,7 +16850,7 @@
       </p:graphicFrame>
       <p:pic>
         <p:nvPicPr>
-          <p:cNvPr id="26" name="图片 25" descr="exper"/>
+          <p:cNvPr id="5" name="图片 4" descr="exper"/>
           <p:cNvPicPr>
             <a:picLocks noChangeAspect="1"/>
           </p:cNvPicPr>
@@ -15883,14 +16864,134 @@
         </p:blipFill>
         <p:spPr>
           <a:xfrm>
-            <a:off x="4572000" y="2051050"/>
-            <a:ext cx="4222115" cy="3262630"/>
+            <a:off x="4499610" y="2132330"/>
+            <a:ext cx="4466590" cy="3350260"/>
           </a:xfrm>
           <a:prstGeom prst="rect">
             <a:avLst/>
           </a:prstGeom>
         </p:spPr>
       </p:pic>
+      <p:sp>
+        <p:nvSpPr>
+          <p:cNvPr id="36" name="文本框 35"/>
+          <p:cNvSpPr txBox="1"/>
+          <p:nvPr/>
+        </p:nvSpPr>
+        <p:spPr>
+          <a:xfrm>
+            <a:off x="7236460" y="1412240"/>
+            <a:ext cx="709295" cy="553085"/>
+          </a:xfrm>
+          <a:prstGeom prst="rect">
+            <a:avLst/>
+          </a:prstGeom>
+          <a:noFill/>
+        </p:spPr>
+        <p:txBody>
+          <a:bodyPr wrap="square" rtlCol="0">
+            <a:spAutoFit/>
+          </a:bodyPr>
+          <a:p>
+            <a:pPr>
+              <a:lnSpc>
+                <a:spcPct val="150000"/>
+              </a:lnSpc>
+              <a:buNone/>
+            </a:pPr>
+            <a:r>
+              <a:rPr lang="zh-CN" altLang="en-US" sz="2000" dirty="0">
+                <a:latin typeface="黑体" panose="02010609060101010101" pitchFamily="49" charset="-122"/>
+                <a:ea typeface="黑体" panose="02010609060101010101" pitchFamily="49" charset="-122"/>
+              </a:rPr>
+              <a:t>拟合</a:t>
+            </a:r>
+            <a:endParaRPr lang="zh-CN" altLang="en-US" sz="2000" dirty="0">
+              <a:latin typeface="黑体" panose="02010609060101010101" pitchFamily="49" charset="-122"/>
+              <a:ea typeface="黑体" panose="02010609060101010101" pitchFamily="49" charset="-122"/>
+            </a:endParaRPr>
+          </a:p>
+        </p:txBody>
+      </p:sp>
+      <p:pic>
+        <p:nvPicPr>
+          <p:cNvPr id="11" name="图片 10" descr="MommyTalk1636002581088"/>
+          <p:cNvPicPr>
+            <a:picLocks noChangeAspect="1"/>
+          </p:cNvPicPr>
+          <p:nvPr/>
+        </p:nvPicPr>
+        <p:blipFill>
+          <a:blip r:embed="rId3"/>
+          <a:stretch>
+            <a:fillRect/>
+          </a:stretch>
+        </p:blipFill>
+        <p:spPr>
+          <a:xfrm>
+            <a:off x="5481320" y="1484630"/>
+            <a:ext cx="1755140" cy="454025"/>
+          </a:xfrm>
+          <a:prstGeom prst="rect">
+            <a:avLst/>
+          </a:prstGeom>
+        </p:spPr>
+      </p:pic>
+      <p:sp>
+        <p:nvSpPr>
+          <p:cNvPr id="7" name="文本框 6"/>
+          <p:cNvSpPr txBox="1"/>
+          <p:nvPr/>
+        </p:nvSpPr>
+        <p:spPr>
+          <a:xfrm>
+            <a:off x="5796280" y="5482590"/>
+            <a:ext cx="1636395" cy="553085"/>
+          </a:xfrm>
+          <a:prstGeom prst="rect">
+            <a:avLst/>
+          </a:prstGeom>
+          <a:noFill/>
+        </p:spPr>
+        <p:txBody>
+          <a:bodyPr wrap="square" rtlCol="0">
+            <a:spAutoFit/>
+          </a:bodyPr>
+          <a:p>
+            <a:pPr>
+              <a:lnSpc>
+                <a:spcPct val="150000"/>
+              </a:lnSpc>
+              <a:buNone/>
+            </a:pPr>
+            <a:r>
+              <a:rPr lang="zh-CN" altLang="en-US" sz="2000" dirty="0">
+                <a:latin typeface="思源宋体 CN" panose="02020400000000000000" charset="-122"/>
+                <a:ea typeface="思源宋体 CN" panose="02020400000000000000" charset="-122"/>
+              </a:rPr>
+              <a:t>μ</a:t>
+            </a:r>
+            <a:r>
+              <a:rPr lang="en-US" altLang="zh-CN" sz="2000" baseline="-25000" dirty="0">
+                <a:latin typeface="思源宋体 CN" panose="02020400000000000000" charset="-122"/>
+                <a:ea typeface="思源宋体 CN" panose="02020400000000000000" charset="-122"/>
+              </a:rPr>
+              <a:t>1</a:t>
+            </a:r>
+            <a:r>
+              <a:rPr lang="en-US" altLang="zh-CN" sz="2000" dirty="0">
+                <a:latin typeface="思源宋体 CN" panose="02020400000000000000" charset="-122"/>
+                <a:ea typeface="思源宋体 CN" panose="02020400000000000000" charset="-122"/>
+              </a:rPr>
+              <a:t>=0.093217</a:t>
+            </a:r>
+            <a:endParaRPr lang="en-US" altLang="zh-CN" sz="2000" dirty="0">
+              <a:latin typeface="思源宋体 CN" panose="02020400000000000000" charset="-122"/>
+              <a:ea typeface="思源宋体 CN" panose="02020400000000000000" charset="-122"/>
+            </a:endParaRPr>
+          </a:p>
+        </p:txBody>
+      </p:sp>
     </p:spTree>
   </p:cSld>
   <p:clrMapOvr>
@@ -16384,4 +17485,263 @@
     </a:ext>
   </a:extLst>
 </a:theme>
+</file>
+
+<file path=ppt/theme/theme3.xml><?xml version="1.0" encoding="utf-8"?>
+<a:theme xmlns:a="http://schemas.openxmlformats.org/drawingml/2006/main" name="Office 主题">
+  <a:themeElements>
+    <a:clrScheme name="Office">
+      <a:dk1>
+        <a:sysClr val="windowText" lastClr="000000"/>
+      </a:dk1>
+      <a:lt1>
+        <a:sysClr val="window" lastClr="FFFFFF"/>
+      </a:lt1>
+      <a:dk2>
+        <a:srgbClr val="44546A"/>
+      </a:dk2>
+      <a:lt2>
+        <a:srgbClr val="E7E6E6"/>
+      </a:lt2>
+      <a:accent1>
+        <a:srgbClr val="5B9BD5"/>
+      </a:accent1>
+      <a:accent2>
+        <a:srgbClr val="ED7D31"/>
+      </a:accent2>
+      <a:accent3>
+        <a:srgbClr val="A5A5A5"/>
+      </a:accent3>
+      <a:accent4>
+        <a:srgbClr val="FFC000"/>
+      </a:accent4>
+      <a:accent5>
+        <a:srgbClr val="4472C4"/>
+      </a:accent5>
+      <a:accent6>
+        <a:srgbClr val="70AD47"/>
+      </a:accent6>
+      <a:hlink>
+        <a:srgbClr val="0563C1"/>
+      </a:hlink>
+      <a:folHlink>
+        <a:srgbClr val="954F72"/>
+      </a:folHlink>
+    </a:clrScheme>
+    <a:fontScheme name="Office">
+      <a:majorFont>
+        <a:latin typeface="Calibri Light"/>
+        <a:ea typeface=""/>
+        <a:cs typeface=""/>
+        <a:font script="Jpan" typeface="ＭＳ Ｐゴシック"/>
+        <a:font script="Hang" typeface="맑은 고딕"/>
+        <a:font script="Hans" typeface="宋体"/>
+        <a:font script="Hant" typeface="新細明體"/>
+        <a:font script="Arab" typeface="Times New Roman"/>
+        <a:font script="Hebr" typeface="Times New Roman"/>
+        <a:font script="Thai" typeface="Angsana New"/>
+        <a:font script="Ethi" typeface="Nyala"/>
+        <a:font script="Beng" typeface="Vrinda"/>
+        <a:font script="Gujr" typeface="Shruti"/>
+        <a:font script="Khmr" typeface="MoolBoran"/>
+        <a:font script="Knda" typeface="Tunga"/>
+        <a:font script="Guru" typeface="Raavi"/>
+        <a:font script="Cans" typeface="Euphemia"/>
+        <a:font script="Cher" typeface="Plantagenet Cherokee"/>
+        <a:font script="Yiii" typeface="Microsoft Yi Baiti"/>
+        <a:font script="Tibt" typeface="Microsoft Himalaya"/>
+        <a:font script="Thaa" typeface="MV Boli"/>
+        <a:font script="Deva" typeface="Mangal"/>
+        <a:font script="Telu" typeface="Gautami"/>
+        <a:font script="Taml" typeface="Latha"/>
+        <a:font script="Syrc" typeface="Estrangelo Edessa"/>
+        <a:font script="Orya" typeface="Kalinga"/>
+        <a:font script="Mlym" typeface="Kartika"/>
+        <a:font script="Laoo" typeface="DokChampa"/>
+        <a:font script="Sinh" typeface="Iskoola Pota"/>
+        <a:font script="Mong" typeface="Mongolian Baiti"/>
+        <a:font script="Viet" typeface="Times New Roman"/>
+        <a:font script="Uigh" typeface="Microsoft Uighur"/>
+        <a:font script="Geor" typeface="Sylfaen"/>
+      </a:majorFont>
+      <a:minorFont>
+        <a:latin typeface="Calibri"/>
+        <a:ea typeface=""/>
+        <a:cs typeface=""/>
+        <a:font script="Jpan" typeface="ＭＳ Ｐゴシック"/>
+        <a:font script="Hang" typeface="맑은 고딕"/>
+        <a:font script="Hans" typeface="宋体"/>
+        <a:font script="Hant" typeface="新細明體"/>
+        <a:font script="Arab" typeface="Arial"/>
+        <a:font script="Hebr" typeface="Arial"/>
+        <a:font script="Thai" typeface="Cordia New"/>
+        <a:font script="Ethi" typeface="Nyala"/>
+        <a:font script="Beng" typeface="Vrinda"/>
+        <a:font script="Gujr" typeface="Shruti"/>
+        <a:font script="Khmr" typeface="DaunPenh"/>
+        <a:font script="Knda" typeface="Tunga"/>
+        <a:font script="Guru" typeface="Raavi"/>
+        <a:font script="Cans" typeface="Euphemia"/>
+        <a:font script="Cher" typeface="Plantagenet Cherokee"/>
+        <a:font script="Yiii" typeface="Microsoft Yi Baiti"/>
+        <a:font script="Tibt" typeface="Microsoft Himalaya"/>
+        <a:font script="Thaa" typeface="MV Boli"/>
+        <a:font script="Deva" typeface="Mangal"/>
+        <a:font script="Telu" typeface="Gautami"/>
+        <a:font script="Taml" typeface="Latha"/>
+        <a:font script="Syrc" typeface="Estrangelo Edessa"/>
+        <a:font script="Orya" typeface="Kalinga"/>
+        <a:font script="Mlym" typeface="Kartika"/>
+        <a:font script="Laoo" typeface="DokChampa"/>
+        <a:font script="Sinh" typeface="Iskoola Pota"/>
+        <a:font script="Mong" typeface="Mongolian Baiti"/>
+        <a:font script="Viet" typeface="Arial"/>
+        <a:font script="Uigh" typeface="Microsoft Uighur"/>
+        <a:font script="Geor" typeface="Sylfaen"/>
+      </a:minorFont>
+    </a:fontScheme>
+    <a:fmtScheme name="Office">
+      <a:fillStyleLst>
+        <a:solidFill>
+          <a:schemeClr val="phClr"/>
+        </a:solidFill>
+        <a:gradFill rotWithShape="1">
+          <a:gsLst>
+            <a:gs pos="0">
+              <a:schemeClr val="phClr">
+                <a:lumMod val="110000"/>
+                <a:satMod val="105000"/>
+                <a:tint val="67000"/>
+              </a:schemeClr>
+            </a:gs>
+            <a:gs pos="50000">
+              <a:schemeClr val="phClr">
+                <a:lumMod val="105000"/>
+                <a:satMod val="103000"/>
+                <a:tint val="73000"/>
+              </a:schemeClr>
+            </a:gs>
+            <a:gs pos="100000">
+              <a:schemeClr val="phClr">
+                <a:lumMod val="105000"/>
+                <a:satMod val="109000"/>
+                <a:tint val="81000"/>
+              </a:schemeClr>
+            </a:gs>
+          </a:gsLst>
+          <a:lin ang="5400000" scaled="0"/>
+        </a:gradFill>
+        <a:gradFill rotWithShape="1">
+          <a:gsLst>
+            <a:gs pos="0">
+              <a:schemeClr val="phClr">
+                <a:satMod val="103000"/>
+                <a:lumMod val="102000"/>
+                <a:tint val="94000"/>
+              </a:schemeClr>
+            </a:gs>
+            <a:gs pos="50000">
+              <a:schemeClr val="phClr">
+                <a:satMod val="110000"/>
+                <a:lumMod val="100000"/>
+                <a:shade val="100000"/>
+              </a:schemeClr>
+            </a:gs>
+            <a:gs pos="100000">
+              <a:schemeClr val="phClr">
+                <a:lumMod val="99000"/>
+                <a:satMod val="120000"/>
+                <a:shade val="78000"/>
+              </a:schemeClr>
+            </a:gs>
+          </a:gsLst>
+          <a:lin ang="5400000" scaled="0"/>
+        </a:gradFill>
+      </a:fillStyleLst>
+      <a:lnStyleLst>
+        <a:ln w="6350" cap="flat" cmpd="sng" algn="ctr">
+          <a:solidFill>
+            <a:schemeClr val="phClr"/>
+          </a:solidFill>
+          <a:prstDash val="solid"/>
+          <a:miter lim="800000"/>
+        </a:ln>
+        <a:ln w="12700" cap="flat" cmpd="sng" algn="ctr">
+          <a:solidFill>
+            <a:schemeClr val="phClr"/>
+          </a:solidFill>
+          <a:prstDash val="solid"/>
+          <a:miter lim="800000"/>
+        </a:ln>
+        <a:ln w="19050" cap="flat" cmpd="sng" algn="ctr">
+          <a:solidFill>
+            <a:schemeClr val="phClr"/>
+          </a:solidFill>
+          <a:prstDash val="solid"/>
+          <a:miter lim="800000"/>
+        </a:ln>
+      </a:lnStyleLst>
+      <a:effectStyleLst>
+        <a:effectStyle>
+          <a:effectLst/>
+        </a:effectStyle>
+        <a:effectStyle>
+          <a:effectLst/>
+        </a:effectStyle>
+        <a:effectStyle>
+          <a:effectLst>
+            <a:outerShdw blurRad="57150" dist="19050" dir="5400000" algn="ctr" rotWithShape="0">
+              <a:srgbClr val="000000">
+                <a:alpha val="63000"/>
+              </a:srgbClr>
+            </a:outerShdw>
+          </a:effectLst>
+        </a:effectStyle>
+      </a:effectStyleLst>
+      <a:bgFillStyleLst>
+        <a:solidFill>
+          <a:schemeClr val="phClr"/>
+        </a:solidFill>
+        <a:solidFill>
+          <a:schemeClr val="phClr">
+            <a:tint val="95000"/>
+            <a:satMod val="170000"/>
+          </a:schemeClr>
+        </a:solidFill>
+        <a:gradFill rotWithShape="1">
+          <a:gsLst>
+            <a:gs pos="0">
+              <a:schemeClr val="phClr">
+                <a:tint val="93000"/>
+                <a:satMod val="150000"/>
+                <a:shade val="98000"/>
+                <a:lumMod val="102000"/>
+              </a:schemeClr>
+            </a:gs>
+            <a:gs pos="50000">
+              <a:schemeClr val="phClr">
+                <a:tint val="98000"/>
+                <a:satMod val="130000"/>
+                <a:shade val="90000"/>
+                <a:lumMod val="103000"/>
+              </a:schemeClr>
+            </a:gs>
+            <a:gs pos="100000">
+              <a:schemeClr val="phClr">
+                <a:shade val="63000"/>
+                <a:satMod val="120000"/>
+              </a:schemeClr>
+            </a:gs>
+          </a:gsLst>
+          <a:lin ang="5400000" scaled="0"/>
+        </a:gradFill>
+      </a:bgFillStyleLst>
+    </a:fmtScheme>
+  </a:themeElements>
+  <a:extLst>
+    <a:ext uri="{05A4C25C-085E-4340-85A3-A5531E510DB2}">
+      <thm15:themeFamily xmlns:thm15="http://schemas.microsoft.com/office/thememl/2012/main" name="Office Theme" id="{62F939B6-93AF-4DB8-9C6B-D6C7DFDC589F}" vid="{4A3C46E8-61CC-4603-A589-7422A47A8E4A}"/>
+    </a:ext>
+  </a:extLst>
+</a:theme>
 </file>
--- a/2.中期/中期.pptx
+++ b/2.中期/中期.pptx
@@ -6196,7 +6196,7 @@
                           </a:solidFill>
                           <a:latin typeface="宋体" pitchFamily="2" charset="-122"/>
                         </a:rPr>
-                        <a:t>2.04</a:t>
+                        <a:t>2.04 0.02</a:t>
                       </a:r>
                       <a:endParaRPr lang="en-US" altLang="en-US" sz="1100" b="0">
                         <a:solidFill>
@@ -7631,15 +7631,15 @@
         </p:nvPicPr>
         <p:blipFill>
           <a:blip r:embed="rId1"/>
-          <a:srcRect l="2602" r="64544" b="20716"/>
+          <a:srcRect l="2602" r="64544" b="28509"/>
           <a:stretch>
             <a:fillRect/>
           </a:stretch>
         </p:blipFill>
         <p:spPr>
           <a:xfrm>
-            <a:off x="334010" y="2060575"/>
-            <a:ext cx="2653665" cy="2603500"/>
+            <a:off x="251460" y="2276475"/>
+            <a:ext cx="2653665" cy="2347595"/>
           </a:xfrm>
           <a:prstGeom prst="rect">
             <a:avLst/>
